--- a/mockup.pptx
+++ b/mockup.pptx
@@ -5,8 +5,8 @@
     <p:sldMasterId id="2147483696" r:id="rId1"/>
   </p:sldMasterIdLst>
   <p:sldIdLst>
-    <p:sldId id="257" r:id="rId2"/>
-    <p:sldId id="256" r:id="rId3"/>
+    <p:sldId id="256" r:id="rId2"/>
+    <p:sldId id="257" r:id="rId3"/>
     <p:sldId id="258" r:id="rId4"/>
     <p:sldId id="261" r:id="rId5"/>
     <p:sldId id="262" r:id="rId6"/>
@@ -6061,6 +6061,354 @@
       </p:grpSpPr>
       <p:sp>
         <p:nvSpPr>
+          <p:cNvPr id="6" name="Rectángulo: esquinas redondeadas 5">
+            <a:extLst>
+              <a:ext uri="{FF2B5EF4-FFF2-40B4-BE49-F238E27FC236}">
+                <a16:creationId xmlns:a16="http://schemas.microsoft.com/office/drawing/2014/main" id="{9FE10C74-F311-4BE4-B1A9-F6195BD0FC4D}"/>
+              </a:ext>
+            </a:extLst>
+          </p:cNvPr>
+          <p:cNvSpPr/>
+          <p:nvPr/>
+        </p:nvSpPr>
+        <p:spPr>
+          <a:xfrm>
+            <a:off x="2250141" y="748553"/>
+            <a:ext cx="6320118" cy="4312024"/>
+          </a:xfrm>
+          <a:prstGeom prst="roundRect">
+            <a:avLst/>
+          </a:prstGeom>
+        </p:spPr>
+        <p:style>
+          <a:lnRef idx="1">
+            <a:schemeClr val="accent5"/>
+          </a:lnRef>
+          <a:fillRef idx="2">
+            <a:schemeClr val="accent5"/>
+          </a:fillRef>
+          <a:effectRef idx="1">
+            <a:schemeClr val="accent5"/>
+          </a:effectRef>
+          <a:fontRef idx="minor">
+            <a:schemeClr val="dk1"/>
+          </a:fontRef>
+        </p:style>
+        <p:txBody>
+          <a:bodyPr rtlCol="0" anchor="ctr"/>
+          <a:lstStyle/>
+          <a:p>
+            <a:r>
+              <a:rPr lang="en-US" dirty="0"/>
+              <a:t>Usuario</a:t>
+            </a:r>
+          </a:p>
+          <a:p>
+            <a:endParaRPr lang="en-US" dirty="0"/>
+          </a:p>
+          <a:p>
+            <a:endParaRPr lang="en-US" dirty="0"/>
+          </a:p>
+          <a:p>
+            <a:r>
+              <a:rPr lang="en-US" dirty="0"/>
+              <a:t>Contraseña</a:t>
+            </a:r>
+          </a:p>
+          <a:p>
+            <a:endParaRPr lang="en-US" dirty="0"/>
+          </a:p>
+          <a:p>
+            <a:endParaRPr lang="en-US" dirty="0"/>
+          </a:p>
+        </p:txBody>
+      </p:sp>
+      <p:sp>
+        <p:nvSpPr>
+          <p:cNvPr id="7" name="Rectángulo 6">
+            <a:extLst>
+              <a:ext uri="{FF2B5EF4-FFF2-40B4-BE49-F238E27FC236}">
+                <a16:creationId xmlns:a16="http://schemas.microsoft.com/office/drawing/2014/main" id="{BBCD5DC2-31A1-4D9B-A300-7E3F5B6F43AE}"/>
+              </a:ext>
+            </a:extLst>
+          </p:cNvPr>
+          <p:cNvSpPr/>
+          <p:nvPr/>
+        </p:nvSpPr>
+        <p:spPr>
+          <a:xfrm>
+            <a:off x="4356847" y="2061883"/>
+            <a:ext cx="2411506" cy="304800"/>
+          </a:xfrm>
+          <a:prstGeom prst="rect">
+            <a:avLst/>
+          </a:prstGeom>
+        </p:spPr>
+        <p:style>
+          <a:lnRef idx="2">
+            <a:schemeClr val="dk1"/>
+          </a:lnRef>
+          <a:fillRef idx="1">
+            <a:schemeClr val="lt1"/>
+          </a:fillRef>
+          <a:effectRef idx="0">
+            <a:schemeClr val="dk1"/>
+          </a:effectRef>
+          <a:fontRef idx="minor">
+            <a:schemeClr val="dk1"/>
+          </a:fontRef>
+        </p:style>
+        <p:txBody>
+          <a:bodyPr rtlCol="0" anchor="ctr"/>
+          <a:lstStyle/>
+          <a:p>
+            <a:pPr algn="ctr"/>
+            <a:endParaRPr lang="en-US"/>
+          </a:p>
+        </p:txBody>
+      </p:sp>
+      <p:sp>
+        <p:nvSpPr>
+          <p:cNvPr id="8" name="Rectángulo 7">
+            <a:extLst>
+              <a:ext uri="{FF2B5EF4-FFF2-40B4-BE49-F238E27FC236}">
+                <a16:creationId xmlns:a16="http://schemas.microsoft.com/office/drawing/2014/main" id="{2F445F5C-16BA-413C-BD44-633D20A6AE1B}"/>
+              </a:ext>
+            </a:extLst>
+          </p:cNvPr>
+          <p:cNvSpPr/>
+          <p:nvPr/>
+        </p:nvSpPr>
+        <p:spPr>
+          <a:xfrm>
+            <a:off x="4356848" y="2904565"/>
+            <a:ext cx="2411506" cy="304800"/>
+          </a:xfrm>
+          <a:prstGeom prst="rect">
+            <a:avLst/>
+          </a:prstGeom>
+        </p:spPr>
+        <p:style>
+          <a:lnRef idx="2">
+            <a:schemeClr val="dk1"/>
+          </a:lnRef>
+          <a:fillRef idx="1">
+            <a:schemeClr val="lt1"/>
+          </a:fillRef>
+          <a:effectRef idx="0">
+            <a:schemeClr val="dk1"/>
+          </a:effectRef>
+          <a:fontRef idx="minor">
+            <a:schemeClr val="dk1"/>
+          </a:fontRef>
+        </p:style>
+        <p:txBody>
+          <a:bodyPr rtlCol="0" anchor="ctr"/>
+          <a:lstStyle/>
+          <a:p>
+            <a:pPr algn="ctr"/>
+            <a:endParaRPr lang="en-US"/>
+          </a:p>
+        </p:txBody>
+      </p:sp>
+      <p:sp>
+        <p:nvSpPr>
+          <p:cNvPr id="9" name="Diagrama de flujo: proceso alternativo 8">
+            <a:hlinkClick r:id="rId2" action="ppaction://hlinksldjump"/>
+            <a:extLst>
+              <a:ext uri="{FF2B5EF4-FFF2-40B4-BE49-F238E27FC236}">
+                <a16:creationId xmlns:a16="http://schemas.microsoft.com/office/drawing/2014/main" id="{D747122D-CB24-46B8-8651-5438C87871CF}"/>
+              </a:ext>
+            </a:extLst>
+          </p:cNvPr>
+          <p:cNvSpPr/>
+          <p:nvPr/>
+        </p:nvSpPr>
+        <p:spPr>
+          <a:xfrm>
+            <a:off x="2814918" y="3899647"/>
+            <a:ext cx="1945341" cy="528918"/>
+          </a:xfrm>
+          <a:prstGeom prst="flowChartAlternateProcess">
+            <a:avLst/>
+          </a:prstGeom>
+          <a:effectLst>
+            <a:outerShdw blurRad="63500" sx="102000" sy="102000" algn="ctr" rotWithShape="0">
+              <a:prstClr val="black">
+                <a:alpha val="40000"/>
+              </a:prstClr>
+            </a:outerShdw>
+          </a:effectLst>
+        </p:spPr>
+        <p:style>
+          <a:lnRef idx="1">
+            <a:schemeClr val="accent5"/>
+          </a:lnRef>
+          <a:fillRef idx="2">
+            <a:schemeClr val="accent5"/>
+          </a:fillRef>
+          <a:effectRef idx="1">
+            <a:schemeClr val="accent5"/>
+          </a:effectRef>
+          <a:fontRef idx="minor">
+            <a:schemeClr val="dk1"/>
+          </a:fontRef>
+        </p:style>
+        <p:txBody>
+          <a:bodyPr rtlCol="0" anchor="ctr"/>
+          <a:lstStyle/>
+          <a:p>
+            <a:pPr algn="ctr"/>
+            <a:r>
+              <a:rPr lang="en-US" dirty="0">
+                <a:hlinkClick r:id="rId2" action="ppaction://hlinksldjump"/>
+              </a:rPr>
+              <a:t>Iniciar sessicion</a:t>
+            </a:r>
+            <a:endParaRPr lang="en-US" dirty="0"/>
+          </a:p>
+        </p:txBody>
+      </p:sp>
+      <p:sp>
+        <p:nvSpPr>
+          <p:cNvPr id="10" name="Diagrama de flujo: proceso alternativo 9">
+            <a:extLst>
+              <a:ext uri="{FF2B5EF4-FFF2-40B4-BE49-F238E27FC236}">
+                <a16:creationId xmlns:a16="http://schemas.microsoft.com/office/drawing/2014/main" id="{C277459C-1FA4-4199-B46D-7092D990FE3D}"/>
+              </a:ext>
+            </a:extLst>
+          </p:cNvPr>
+          <p:cNvSpPr/>
+          <p:nvPr/>
+        </p:nvSpPr>
+        <p:spPr>
+          <a:xfrm>
+            <a:off x="5486402" y="3899647"/>
+            <a:ext cx="1945341" cy="528917"/>
+          </a:xfrm>
+          <a:prstGeom prst="flowChartAlternateProcess">
+            <a:avLst/>
+          </a:prstGeom>
+          <a:effectLst>
+            <a:outerShdw blurRad="63500" sx="102000" sy="102000" algn="ctr" rotWithShape="0">
+              <a:prstClr val="black">
+                <a:alpha val="40000"/>
+              </a:prstClr>
+            </a:outerShdw>
+          </a:effectLst>
+        </p:spPr>
+        <p:style>
+          <a:lnRef idx="1">
+            <a:schemeClr val="accent5"/>
+          </a:lnRef>
+          <a:fillRef idx="2">
+            <a:schemeClr val="accent5"/>
+          </a:fillRef>
+          <a:effectRef idx="1">
+            <a:schemeClr val="accent5"/>
+          </a:effectRef>
+          <a:fontRef idx="minor">
+            <a:schemeClr val="dk1"/>
+          </a:fontRef>
+        </p:style>
+        <p:txBody>
+          <a:bodyPr rtlCol="0" anchor="ctr"/>
+          <a:lstStyle/>
+          <a:p>
+            <a:pPr algn="ctr"/>
+            <a:r>
+              <a:rPr lang="en-US" dirty="0">
+                <a:hlinkClick r:id="rId3" action="ppaction://hlinksldjump"/>
+              </a:rPr>
+              <a:t>Salir</a:t>
+            </a:r>
+            <a:endParaRPr lang="en-US" dirty="0"/>
+          </a:p>
+        </p:txBody>
+      </p:sp>
+      <p:sp>
+        <p:nvSpPr>
+          <p:cNvPr id="11" name="Rectángulo 10">
+            <a:extLst>
+              <a:ext uri="{FF2B5EF4-FFF2-40B4-BE49-F238E27FC236}">
+                <a16:creationId xmlns:a16="http://schemas.microsoft.com/office/drawing/2014/main" id="{EAA5A275-6803-4463-8921-874E05A2C827}"/>
+              </a:ext>
+            </a:extLst>
+          </p:cNvPr>
+          <p:cNvSpPr/>
+          <p:nvPr/>
+        </p:nvSpPr>
+        <p:spPr>
+          <a:xfrm>
+            <a:off x="2259106" y="748553"/>
+            <a:ext cx="6329082" cy="510989"/>
+          </a:xfrm>
+          <a:prstGeom prst="rect">
+            <a:avLst/>
+          </a:prstGeom>
+          <a:noFill/>
+          <a:ln>
+            <a:noFill/>
+          </a:ln>
+        </p:spPr>
+        <p:style>
+          <a:lnRef idx="0">
+            <a:scrgbClr r="0" g="0" b="0"/>
+          </a:lnRef>
+          <a:fillRef idx="0">
+            <a:scrgbClr r="0" g="0" b="0"/>
+          </a:fillRef>
+          <a:effectRef idx="0">
+            <a:scrgbClr r="0" g="0" b="0"/>
+          </a:effectRef>
+          <a:fontRef idx="minor">
+            <a:schemeClr val="dk1"/>
+          </a:fontRef>
+        </p:style>
+        <p:txBody>
+          <a:bodyPr rtlCol="0" anchor="ctr"/>
+          <a:lstStyle/>
+          <a:p>
+            <a:pPr algn="ctr"/>
+            <a:r>
+              <a:rPr lang="en-US" dirty="0"/>
+              <a:t>LOGIN</a:t>
+            </a:r>
+          </a:p>
+        </p:txBody>
+      </p:sp>
+    </p:spTree>
+    <p:extLst>
+      <p:ext uri="{BB962C8B-B14F-4D97-AF65-F5344CB8AC3E}">
+        <p14:creationId xmlns:p14="http://schemas.microsoft.com/office/powerpoint/2010/main" val="1803016894"/>
+      </p:ext>
+    </p:extLst>
+  </p:cSld>
+  <p:clrMapOvr>
+    <a:masterClrMapping/>
+  </p:clrMapOvr>
+</p:sld>
+</file>
+
+<file path=ppt/slides/slide2.xml><?xml version="1.0" encoding="utf-8"?>
+<p:sld xmlns:a="http://schemas.openxmlformats.org/drawingml/2006/main" xmlns:r="http://schemas.openxmlformats.org/officeDocument/2006/relationships" xmlns:p="http://schemas.openxmlformats.org/presentationml/2006/main">
+  <p:cSld>
+    <p:spTree>
+      <p:nvGrpSpPr>
+        <p:cNvPr id="1" name=""/>
+        <p:cNvGrpSpPr/>
+        <p:nvPr/>
+      </p:nvGrpSpPr>
+      <p:grpSpPr>
+        <a:xfrm>
+          <a:off x="0" y="0"/>
+          <a:ext cx="0" cy="0"/>
+          <a:chOff x="0" y="0"/>
+          <a:chExt cx="0" cy="0"/>
+        </a:xfrm>
+      </p:grpSpPr>
+      <p:sp>
+        <p:nvSpPr>
           <p:cNvPr id="2" name="Título 1">
             <a:extLst>
               <a:ext uri="{FF2B5EF4-FFF2-40B4-BE49-F238E27FC236}">
@@ -6136,354 +6484,6 @@
 </p:sld>
 </file>
 
-<file path=ppt/slides/slide2.xml><?xml version="1.0" encoding="utf-8"?>
-<p:sld xmlns:a="http://schemas.openxmlformats.org/drawingml/2006/main" xmlns:r="http://schemas.openxmlformats.org/officeDocument/2006/relationships" xmlns:p="http://schemas.openxmlformats.org/presentationml/2006/main">
-  <p:cSld>
-    <p:spTree>
-      <p:nvGrpSpPr>
-        <p:cNvPr id="1" name=""/>
-        <p:cNvGrpSpPr/>
-        <p:nvPr/>
-      </p:nvGrpSpPr>
-      <p:grpSpPr>
-        <a:xfrm>
-          <a:off x="0" y="0"/>
-          <a:ext cx="0" cy="0"/>
-          <a:chOff x="0" y="0"/>
-          <a:chExt cx="0" cy="0"/>
-        </a:xfrm>
-      </p:grpSpPr>
-      <p:sp>
-        <p:nvSpPr>
-          <p:cNvPr id="6" name="Rectángulo: esquinas redondeadas 5">
-            <a:extLst>
-              <a:ext uri="{FF2B5EF4-FFF2-40B4-BE49-F238E27FC236}">
-                <a16:creationId xmlns:a16="http://schemas.microsoft.com/office/drawing/2014/main" id="{9FE10C74-F311-4BE4-B1A9-F6195BD0FC4D}"/>
-              </a:ext>
-            </a:extLst>
-          </p:cNvPr>
-          <p:cNvSpPr/>
-          <p:nvPr/>
-        </p:nvSpPr>
-        <p:spPr>
-          <a:xfrm>
-            <a:off x="2250141" y="748553"/>
-            <a:ext cx="6320118" cy="4312024"/>
-          </a:xfrm>
-          <a:prstGeom prst="roundRect">
-            <a:avLst/>
-          </a:prstGeom>
-        </p:spPr>
-        <p:style>
-          <a:lnRef idx="1">
-            <a:schemeClr val="accent5"/>
-          </a:lnRef>
-          <a:fillRef idx="2">
-            <a:schemeClr val="accent5"/>
-          </a:fillRef>
-          <a:effectRef idx="1">
-            <a:schemeClr val="accent5"/>
-          </a:effectRef>
-          <a:fontRef idx="minor">
-            <a:schemeClr val="dk1"/>
-          </a:fontRef>
-        </p:style>
-        <p:txBody>
-          <a:bodyPr rtlCol="0" anchor="ctr"/>
-          <a:lstStyle/>
-          <a:p>
-            <a:r>
-              <a:rPr lang="en-US" dirty="0"/>
-              <a:t>Usuario</a:t>
-            </a:r>
-          </a:p>
-          <a:p>
-            <a:endParaRPr lang="en-US" dirty="0"/>
-          </a:p>
-          <a:p>
-            <a:endParaRPr lang="en-US" dirty="0"/>
-          </a:p>
-          <a:p>
-            <a:r>
-              <a:rPr lang="en-US" dirty="0"/>
-              <a:t>Contraseña</a:t>
-            </a:r>
-          </a:p>
-          <a:p>
-            <a:endParaRPr lang="en-US" dirty="0"/>
-          </a:p>
-          <a:p>
-            <a:endParaRPr lang="en-US" dirty="0"/>
-          </a:p>
-        </p:txBody>
-      </p:sp>
-      <p:sp>
-        <p:nvSpPr>
-          <p:cNvPr id="7" name="Rectángulo 6">
-            <a:extLst>
-              <a:ext uri="{FF2B5EF4-FFF2-40B4-BE49-F238E27FC236}">
-                <a16:creationId xmlns:a16="http://schemas.microsoft.com/office/drawing/2014/main" id="{BBCD5DC2-31A1-4D9B-A300-7E3F5B6F43AE}"/>
-              </a:ext>
-            </a:extLst>
-          </p:cNvPr>
-          <p:cNvSpPr/>
-          <p:nvPr/>
-        </p:nvSpPr>
-        <p:spPr>
-          <a:xfrm>
-            <a:off x="4356847" y="2061883"/>
-            <a:ext cx="2411506" cy="304800"/>
-          </a:xfrm>
-          <a:prstGeom prst="rect">
-            <a:avLst/>
-          </a:prstGeom>
-        </p:spPr>
-        <p:style>
-          <a:lnRef idx="2">
-            <a:schemeClr val="dk1"/>
-          </a:lnRef>
-          <a:fillRef idx="1">
-            <a:schemeClr val="lt1"/>
-          </a:fillRef>
-          <a:effectRef idx="0">
-            <a:schemeClr val="dk1"/>
-          </a:effectRef>
-          <a:fontRef idx="minor">
-            <a:schemeClr val="dk1"/>
-          </a:fontRef>
-        </p:style>
-        <p:txBody>
-          <a:bodyPr rtlCol="0" anchor="ctr"/>
-          <a:lstStyle/>
-          <a:p>
-            <a:pPr algn="ctr"/>
-            <a:endParaRPr lang="en-US"/>
-          </a:p>
-        </p:txBody>
-      </p:sp>
-      <p:sp>
-        <p:nvSpPr>
-          <p:cNvPr id="8" name="Rectángulo 7">
-            <a:extLst>
-              <a:ext uri="{FF2B5EF4-FFF2-40B4-BE49-F238E27FC236}">
-                <a16:creationId xmlns:a16="http://schemas.microsoft.com/office/drawing/2014/main" id="{2F445F5C-16BA-413C-BD44-633D20A6AE1B}"/>
-              </a:ext>
-            </a:extLst>
-          </p:cNvPr>
-          <p:cNvSpPr/>
-          <p:nvPr/>
-        </p:nvSpPr>
-        <p:spPr>
-          <a:xfrm>
-            <a:off x="4356848" y="2904565"/>
-            <a:ext cx="2411506" cy="304800"/>
-          </a:xfrm>
-          <a:prstGeom prst="rect">
-            <a:avLst/>
-          </a:prstGeom>
-        </p:spPr>
-        <p:style>
-          <a:lnRef idx="2">
-            <a:schemeClr val="dk1"/>
-          </a:lnRef>
-          <a:fillRef idx="1">
-            <a:schemeClr val="lt1"/>
-          </a:fillRef>
-          <a:effectRef idx="0">
-            <a:schemeClr val="dk1"/>
-          </a:effectRef>
-          <a:fontRef idx="minor">
-            <a:schemeClr val="dk1"/>
-          </a:fontRef>
-        </p:style>
-        <p:txBody>
-          <a:bodyPr rtlCol="0" anchor="ctr"/>
-          <a:lstStyle/>
-          <a:p>
-            <a:pPr algn="ctr"/>
-            <a:endParaRPr lang="en-US"/>
-          </a:p>
-        </p:txBody>
-      </p:sp>
-      <p:sp>
-        <p:nvSpPr>
-          <p:cNvPr id="9" name="Diagrama de flujo: proceso alternativo 8">
-            <a:hlinkClick r:id="rId2" action="ppaction://hlinksldjump"/>
-            <a:extLst>
-              <a:ext uri="{FF2B5EF4-FFF2-40B4-BE49-F238E27FC236}">
-                <a16:creationId xmlns:a16="http://schemas.microsoft.com/office/drawing/2014/main" id="{D747122D-CB24-46B8-8651-5438C87871CF}"/>
-              </a:ext>
-            </a:extLst>
-          </p:cNvPr>
-          <p:cNvSpPr/>
-          <p:nvPr/>
-        </p:nvSpPr>
-        <p:spPr>
-          <a:xfrm>
-            <a:off x="2814918" y="3899647"/>
-            <a:ext cx="1945341" cy="528918"/>
-          </a:xfrm>
-          <a:prstGeom prst="flowChartAlternateProcess">
-            <a:avLst/>
-          </a:prstGeom>
-          <a:effectLst>
-            <a:outerShdw blurRad="63500" sx="102000" sy="102000" algn="ctr" rotWithShape="0">
-              <a:prstClr val="black">
-                <a:alpha val="40000"/>
-              </a:prstClr>
-            </a:outerShdw>
-          </a:effectLst>
-        </p:spPr>
-        <p:style>
-          <a:lnRef idx="1">
-            <a:schemeClr val="accent5"/>
-          </a:lnRef>
-          <a:fillRef idx="2">
-            <a:schemeClr val="accent5"/>
-          </a:fillRef>
-          <a:effectRef idx="1">
-            <a:schemeClr val="accent5"/>
-          </a:effectRef>
-          <a:fontRef idx="minor">
-            <a:schemeClr val="dk1"/>
-          </a:fontRef>
-        </p:style>
-        <p:txBody>
-          <a:bodyPr rtlCol="0" anchor="ctr"/>
-          <a:lstStyle/>
-          <a:p>
-            <a:pPr algn="ctr"/>
-            <a:r>
-              <a:rPr lang="en-US" dirty="0">
-                <a:hlinkClick r:id="rId2" action="ppaction://hlinksldjump"/>
-              </a:rPr>
-              <a:t>Iniciar sessicion</a:t>
-            </a:r>
-            <a:endParaRPr lang="en-US" dirty="0"/>
-          </a:p>
-        </p:txBody>
-      </p:sp>
-      <p:sp>
-        <p:nvSpPr>
-          <p:cNvPr id="10" name="Diagrama de flujo: proceso alternativo 9">
-            <a:extLst>
-              <a:ext uri="{FF2B5EF4-FFF2-40B4-BE49-F238E27FC236}">
-                <a16:creationId xmlns:a16="http://schemas.microsoft.com/office/drawing/2014/main" id="{C277459C-1FA4-4199-B46D-7092D990FE3D}"/>
-              </a:ext>
-            </a:extLst>
-          </p:cNvPr>
-          <p:cNvSpPr/>
-          <p:nvPr/>
-        </p:nvSpPr>
-        <p:spPr>
-          <a:xfrm>
-            <a:off x="5486402" y="3899647"/>
-            <a:ext cx="1945341" cy="528917"/>
-          </a:xfrm>
-          <a:prstGeom prst="flowChartAlternateProcess">
-            <a:avLst/>
-          </a:prstGeom>
-          <a:effectLst>
-            <a:outerShdw blurRad="63500" sx="102000" sy="102000" algn="ctr" rotWithShape="0">
-              <a:prstClr val="black">
-                <a:alpha val="40000"/>
-              </a:prstClr>
-            </a:outerShdw>
-          </a:effectLst>
-        </p:spPr>
-        <p:style>
-          <a:lnRef idx="1">
-            <a:schemeClr val="accent5"/>
-          </a:lnRef>
-          <a:fillRef idx="2">
-            <a:schemeClr val="accent5"/>
-          </a:fillRef>
-          <a:effectRef idx="1">
-            <a:schemeClr val="accent5"/>
-          </a:effectRef>
-          <a:fontRef idx="minor">
-            <a:schemeClr val="dk1"/>
-          </a:fontRef>
-        </p:style>
-        <p:txBody>
-          <a:bodyPr rtlCol="0" anchor="ctr"/>
-          <a:lstStyle/>
-          <a:p>
-            <a:pPr algn="ctr"/>
-            <a:r>
-              <a:rPr lang="en-US" dirty="0">
-                <a:hlinkClick r:id="rId3" action="ppaction://hlinksldjump"/>
-              </a:rPr>
-              <a:t>Salir</a:t>
-            </a:r>
-            <a:endParaRPr lang="en-US" dirty="0"/>
-          </a:p>
-        </p:txBody>
-      </p:sp>
-      <p:sp>
-        <p:nvSpPr>
-          <p:cNvPr id="11" name="Rectángulo 10">
-            <a:extLst>
-              <a:ext uri="{FF2B5EF4-FFF2-40B4-BE49-F238E27FC236}">
-                <a16:creationId xmlns:a16="http://schemas.microsoft.com/office/drawing/2014/main" id="{EAA5A275-6803-4463-8921-874E05A2C827}"/>
-              </a:ext>
-            </a:extLst>
-          </p:cNvPr>
-          <p:cNvSpPr/>
-          <p:nvPr/>
-        </p:nvSpPr>
-        <p:spPr>
-          <a:xfrm>
-            <a:off x="2259106" y="748553"/>
-            <a:ext cx="6329082" cy="510989"/>
-          </a:xfrm>
-          <a:prstGeom prst="rect">
-            <a:avLst/>
-          </a:prstGeom>
-          <a:noFill/>
-          <a:ln>
-            <a:noFill/>
-          </a:ln>
-        </p:spPr>
-        <p:style>
-          <a:lnRef idx="0">
-            <a:scrgbClr r="0" g="0" b="0"/>
-          </a:lnRef>
-          <a:fillRef idx="0">
-            <a:scrgbClr r="0" g="0" b="0"/>
-          </a:fillRef>
-          <a:effectRef idx="0">
-            <a:scrgbClr r="0" g="0" b="0"/>
-          </a:effectRef>
-          <a:fontRef idx="minor">
-            <a:schemeClr val="dk1"/>
-          </a:fontRef>
-        </p:style>
-        <p:txBody>
-          <a:bodyPr rtlCol="0" anchor="ctr"/>
-          <a:lstStyle/>
-          <a:p>
-            <a:pPr algn="ctr"/>
-            <a:r>
-              <a:rPr lang="en-US" dirty="0"/>
-              <a:t>LOGIN</a:t>
-            </a:r>
-          </a:p>
-        </p:txBody>
-      </p:sp>
-    </p:spTree>
-    <p:extLst>
-      <p:ext uri="{BB962C8B-B14F-4D97-AF65-F5344CB8AC3E}">
-        <p14:creationId xmlns:p14="http://schemas.microsoft.com/office/powerpoint/2010/main" val="1803016894"/>
-      </p:ext>
-    </p:extLst>
-  </p:cSld>
-  <p:clrMapOvr>
-    <a:masterClrMapping/>
-  </p:clrMapOvr>
-</p:sld>
-</file>
-
 <file path=ppt/slides/slide3.xml><?xml version="1.0" encoding="utf-8"?>
 <p:sld xmlns:a="http://schemas.openxmlformats.org/drawingml/2006/main" xmlns:r="http://schemas.openxmlformats.org/officeDocument/2006/relationships" xmlns:p="http://schemas.openxmlformats.org/presentationml/2006/main">
   <p:cSld>
@@ -6553,12 +6553,8 @@
           </a:p>
           <a:p>
             <a:r>
-              <a:rPr lang="en-US" dirty="0" err="1"/>
-              <a:t>Rentar</a:t>
-            </a:r>
-            <a:r>
               <a:rPr lang="en-US" dirty="0"/>
-              <a:t> pelicula            Buscar pelicula  </a:t>
+              <a:t>Rentar pelicula            Buscar pelicula  </a:t>
             </a:r>
           </a:p>
           <a:p>
@@ -6621,7 +6617,7 @@
         </p:nvSpPr>
         <p:spPr>
           <a:xfrm>
-            <a:off x="3648637" y="2483224"/>
+            <a:off x="3621741" y="2689412"/>
             <a:ext cx="1751900" cy="412376"/>
           </a:xfrm>
           <a:prstGeom prst="rect">
@@ -6668,7 +6664,7 @@
         </p:nvSpPr>
         <p:spPr>
           <a:xfrm>
-            <a:off x="6096000" y="2483224"/>
+            <a:off x="6096000" y="2689412"/>
             <a:ext cx="1751900" cy="412376"/>
           </a:xfrm>
           <a:prstGeom prst="rect">

--- a/mockup.pptx
+++ b/mockup.pptx
@@ -6,13 +6,12 @@
   </p:sldMasterIdLst>
   <p:sldIdLst>
     <p:sldId id="256" r:id="rId2"/>
-    <p:sldId id="257" r:id="rId3"/>
-    <p:sldId id="258" r:id="rId4"/>
-    <p:sldId id="261" r:id="rId5"/>
-    <p:sldId id="262" r:id="rId6"/>
-    <p:sldId id="263" r:id="rId7"/>
-    <p:sldId id="259" r:id="rId8"/>
-    <p:sldId id="264" r:id="rId9"/>
+    <p:sldId id="258" r:id="rId3"/>
+    <p:sldId id="261" r:id="rId4"/>
+    <p:sldId id="262" r:id="rId5"/>
+    <p:sldId id="263" r:id="rId6"/>
+    <p:sldId id="259" r:id="rId7"/>
+    <p:sldId id="264" r:id="rId8"/>
   </p:sldIdLst>
   <p:sldSz cx="12192000" cy="6858000"/>
   <p:notesSz cx="6858000" cy="9144000"/>
@@ -6318,7 +6317,7 @@
             <a:pPr algn="ctr"/>
             <a:r>
               <a:rPr lang="en-US" dirty="0">
-                <a:hlinkClick r:id="rId3" action="ppaction://hlinksldjump"/>
+                <a:hlinkClick r:id="rId2" action="ppaction://hlinksldjump"/>
               </a:rPr>
               <a:t>Salir</a:t>
             </a:r>
@@ -6409,72 +6408,358 @@
       </p:grpSpPr>
       <p:sp>
         <p:nvSpPr>
-          <p:cNvPr id="2" name="Título 1">
+          <p:cNvPr id="4" name="Rectángulo: esquinas redondeadas 3">
             <a:extLst>
               <a:ext uri="{FF2B5EF4-FFF2-40B4-BE49-F238E27FC236}">
-                <a16:creationId xmlns:a16="http://schemas.microsoft.com/office/drawing/2014/main" id="{A0F08E73-9300-41E8-9056-B2F22A9CBE7D}"/>
+                <a16:creationId xmlns:a16="http://schemas.microsoft.com/office/drawing/2014/main" id="{9BFEFDE3-F56F-43A9-A2E8-EA1EB5EEF680}"/>
               </a:ext>
             </a:extLst>
           </p:cNvPr>
-          <p:cNvSpPr>
-            <a:spLocks noGrp="1"/>
-          </p:cNvSpPr>
-          <p:nvPr>
-            <p:ph type="title"/>
-          </p:nvPr>
-        </p:nvSpPr>
-        <p:spPr/>
-        <p:txBody>
-          <a:bodyPr/>
-          <a:lstStyle/>
+          <p:cNvSpPr/>
+          <p:nvPr/>
+        </p:nvSpPr>
+        <p:spPr>
+          <a:xfrm>
+            <a:off x="3307976" y="1380567"/>
+            <a:ext cx="5262283" cy="4204446"/>
+          </a:xfrm>
+          <a:prstGeom prst="roundRect">
+            <a:avLst/>
+          </a:prstGeom>
+        </p:spPr>
+        <p:style>
+          <a:lnRef idx="1">
+            <a:schemeClr val="accent5"/>
+          </a:lnRef>
+          <a:fillRef idx="2">
+            <a:schemeClr val="accent5"/>
+          </a:fillRef>
+          <a:effectRef idx="1">
+            <a:schemeClr val="accent5"/>
+          </a:effectRef>
+          <a:fontRef idx="minor">
+            <a:schemeClr val="dk1"/>
+          </a:fontRef>
+        </p:style>
+        <p:txBody>
+          <a:bodyPr rtlCol="0" anchor="ctr"/>
+          <a:lstStyle/>
+          <a:p>
+            <a:endParaRPr lang="en-US" dirty="0"/>
+          </a:p>
+          <a:p>
+            <a:endParaRPr lang="en-US" dirty="0"/>
+          </a:p>
+          <a:p>
+            <a:endParaRPr lang="en-US" dirty="0"/>
+          </a:p>
+          <a:p>
+            <a:endParaRPr lang="en-US" dirty="0"/>
+          </a:p>
           <a:p>
             <a:r>
               <a:rPr lang="en-US" dirty="0"/>
-              <a:t>Salida</a:t>
-            </a:r>
-          </a:p>
-        </p:txBody>
-      </p:sp>
-      <p:pic>
-        <p:nvPicPr>
-          <p:cNvPr id="5" name="Imagen 4">
+              <a:t>Rentar pelicula            Buscar pelicula  </a:t>
+            </a:r>
+          </a:p>
+          <a:p>
+            <a:endParaRPr lang="en-US" dirty="0"/>
+          </a:p>
+          <a:p>
+            <a:endParaRPr lang="en-US" dirty="0"/>
+          </a:p>
+          <a:p>
+            <a:endParaRPr lang="en-US" dirty="0"/>
+          </a:p>
+          <a:p>
+            <a:pPr algn="ctr"/>
+            <a:endParaRPr lang="en-US" dirty="0"/>
+          </a:p>
+          <a:p>
+            <a:pPr algn="ctr"/>
+            <a:r>
+              <a:rPr lang="en-US" dirty="0"/>
+              <a:t>Solo personal Autorizado</a:t>
+            </a:r>
+          </a:p>
+          <a:p>
+            <a:endParaRPr lang="en-US" dirty="0"/>
+          </a:p>
+          <a:p>
+            <a:endParaRPr lang="en-US" dirty="0"/>
+          </a:p>
+          <a:p>
+            <a:endParaRPr lang="en-US" dirty="0"/>
+          </a:p>
+          <a:p>
+            <a:r>
+              <a:rPr lang="en-US" dirty="0"/>
+              <a:t>                       </a:t>
+            </a:r>
+          </a:p>
+          <a:p>
+            <a:endParaRPr lang="en-US" dirty="0"/>
+          </a:p>
+          <a:p>
+            <a:endParaRPr lang="en-US" dirty="0"/>
+          </a:p>
+          <a:p>
+            <a:endParaRPr lang="en-US" dirty="0"/>
+          </a:p>
+        </p:txBody>
+      </p:sp>
+      <p:sp>
+        <p:nvSpPr>
+          <p:cNvPr id="5" name="Rectángulo 4">
             <a:extLst>
               <a:ext uri="{FF2B5EF4-FFF2-40B4-BE49-F238E27FC236}">
-                <a16:creationId xmlns:a16="http://schemas.microsoft.com/office/drawing/2014/main" id="{DD87D467-95EB-4BCE-A502-F4320E8130C8}"/>
+                <a16:creationId xmlns:a16="http://schemas.microsoft.com/office/drawing/2014/main" id="{A785F620-A2E8-4D32-9654-B81730CAC8E3}"/>
               </a:ext>
             </a:extLst>
           </p:cNvPr>
-          <p:cNvPicPr>
-            <a:picLocks noChangeAspect="1"/>
-          </p:cNvPicPr>
+          <p:cNvSpPr/>
           <p:nvPr/>
-        </p:nvPicPr>
-        <p:blipFill>
-          <a:blip r:embed="rId2">
-            <a:extLst>
-              <a:ext uri="{28A0092B-C50C-407E-A947-70E740481C1C}">
-                <a14:useLocalDpi xmlns:a14="http://schemas.microsoft.com/office/drawing/2010/main" val="0"/>
-              </a:ext>
-            </a:extLst>
-          </a:blip>
-          <a:stretch>
-            <a:fillRect/>
-          </a:stretch>
-        </p:blipFill>
-        <p:spPr>
-          <a:xfrm>
-            <a:off x="1414" y="0"/>
-            <a:ext cx="12189172" cy="6858000"/>
+        </p:nvSpPr>
+        <p:spPr>
+          <a:xfrm>
+            <a:off x="3621741" y="2803712"/>
+            <a:ext cx="1751900" cy="412376"/>
           </a:xfrm>
           <a:prstGeom prst="rect">
             <a:avLst/>
           </a:prstGeom>
         </p:spPr>
-      </p:pic>
+        <p:style>
+          <a:lnRef idx="1">
+            <a:schemeClr val="accent5"/>
+          </a:lnRef>
+          <a:fillRef idx="2">
+            <a:schemeClr val="accent5"/>
+          </a:fillRef>
+          <a:effectRef idx="1">
+            <a:schemeClr val="accent5"/>
+          </a:effectRef>
+          <a:fontRef idx="minor">
+            <a:schemeClr val="dk1"/>
+          </a:fontRef>
+        </p:style>
+        <p:txBody>
+          <a:bodyPr rtlCol="0" anchor="ctr"/>
+          <a:lstStyle/>
+          <a:p>
+            <a:pPr algn="ctr"/>
+            <a:r>
+              <a:rPr lang="en-US" dirty="0"/>
+              <a:t>Abrir</a:t>
+            </a:r>
+          </a:p>
+        </p:txBody>
+      </p:sp>
+      <p:sp>
+        <p:nvSpPr>
+          <p:cNvPr id="6" name="Rectángulo 5">
+            <a:extLst>
+              <a:ext uri="{FF2B5EF4-FFF2-40B4-BE49-F238E27FC236}">
+                <a16:creationId xmlns:a16="http://schemas.microsoft.com/office/drawing/2014/main" id="{C03C7AF7-047C-48C8-BDD7-1B986B128685}"/>
+              </a:ext>
+            </a:extLst>
+          </p:cNvPr>
+          <p:cNvSpPr/>
+          <p:nvPr/>
+        </p:nvSpPr>
+        <p:spPr>
+          <a:xfrm>
+            <a:off x="6096000" y="2803712"/>
+            <a:ext cx="1751900" cy="412376"/>
+          </a:xfrm>
+          <a:prstGeom prst="rect">
+            <a:avLst/>
+          </a:prstGeom>
+        </p:spPr>
+        <p:style>
+          <a:lnRef idx="1">
+            <a:schemeClr val="accent5"/>
+          </a:lnRef>
+          <a:fillRef idx="2">
+            <a:schemeClr val="accent5"/>
+          </a:fillRef>
+          <a:effectRef idx="1">
+            <a:schemeClr val="accent5"/>
+          </a:effectRef>
+          <a:fontRef idx="minor">
+            <a:schemeClr val="dk1"/>
+          </a:fontRef>
+        </p:style>
+        <p:txBody>
+          <a:bodyPr rtlCol="0" anchor="ctr"/>
+          <a:lstStyle/>
+          <a:p>
+            <a:pPr algn="ctr"/>
+            <a:r>
+              <a:rPr lang="en-US" dirty="0">
+                <a:hlinkClick r:id="rId2" action="ppaction://hlinksldjump"/>
+              </a:rPr>
+              <a:t>Abrir</a:t>
+            </a:r>
+            <a:endParaRPr lang="en-US" dirty="0"/>
+          </a:p>
+        </p:txBody>
+      </p:sp>
+      <p:sp>
+        <p:nvSpPr>
+          <p:cNvPr id="7" name="Rectángulo 6">
+            <a:extLst>
+              <a:ext uri="{FF2B5EF4-FFF2-40B4-BE49-F238E27FC236}">
+                <a16:creationId xmlns:a16="http://schemas.microsoft.com/office/drawing/2014/main" id="{087D5BBF-F381-4BB5-B66A-3C87FFD575CE}"/>
+              </a:ext>
+            </a:extLst>
+          </p:cNvPr>
+          <p:cNvSpPr/>
+          <p:nvPr/>
+        </p:nvSpPr>
+        <p:spPr>
+          <a:xfrm>
+            <a:off x="4964555" y="4087905"/>
+            <a:ext cx="1751900" cy="412376"/>
+          </a:xfrm>
+          <a:prstGeom prst="rect">
+            <a:avLst/>
+          </a:prstGeom>
+        </p:spPr>
+        <p:style>
+          <a:lnRef idx="1">
+            <a:schemeClr val="accent5"/>
+          </a:lnRef>
+          <a:fillRef idx="2">
+            <a:schemeClr val="accent5"/>
+          </a:fillRef>
+          <a:effectRef idx="1">
+            <a:schemeClr val="accent5"/>
+          </a:effectRef>
+          <a:fontRef idx="minor">
+            <a:schemeClr val="dk1"/>
+          </a:fontRef>
+        </p:style>
+        <p:txBody>
+          <a:bodyPr rtlCol="0" anchor="ctr"/>
+          <a:lstStyle/>
+          <a:p>
+            <a:pPr algn="ctr"/>
+            <a:r>
+              <a:rPr lang="en-US" dirty="0">
+                <a:hlinkClick r:id="rId3" action="ppaction://hlinksldjump"/>
+              </a:rPr>
+              <a:t>Abrir</a:t>
+            </a:r>
+            <a:endParaRPr lang="en-US" dirty="0"/>
+          </a:p>
+        </p:txBody>
+      </p:sp>
+      <p:sp>
+        <p:nvSpPr>
+          <p:cNvPr id="9" name="Rectángulo 8">
+            <a:extLst>
+              <a:ext uri="{FF2B5EF4-FFF2-40B4-BE49-F238E27FC236}">
+                <a16:creationId xmlns:a16="http://schemas.microsoft.com/office/drawing/2014/main" id="{CEF4AF87-EAAC-4F93-92BF-FF866B1B0C19}"/>
+              </a:ext>
+            </a:extLst>
+          </p:cNvPr>
+          <p:cNvSpPr/>
+          <p:nvPr/>
+        </p:nvSpPr>
+        <p:spPr>
+          <a:xfrm>
+            <a:off x="4964555" y="4818524"/>
+            <a:ext cx="1751900" cy="412376"/>
+          </a:xfrm>
+          <a:prstGeom prst="rect">
+            <a:avLst/>
+          </a:prstGeom>
+        </p:spPr>
+        <p:style>
+          <a:lnRef idx="1">
+            <a:schemeClr val="accent5"/>
+          </a:lnRef>
+          <a:fillRef idx="2">
+            <a:schemeClr val="accent5"/>
+          </a:fillRef>
+          <a:effectRef idx="1">
+            <a:schemeClr val="accent5"/>
+          </a:effectRef>
+          <a:fontRef idx="minor">
+            <a:schemeClr val="dk1"/>
+          </a:fontRef>
+        </p:style>
+        <p:txBody>
+          <a:bodyPr rtlCol="0" anchor="ctr"/>
+          <a:lstStyle/>
+          <a:p>
+            <a:pPr algn="ctr"/>
+            <a:r>
+              <a:rPr lang="en-US" u="sng" dirty="0">
+                <a:hlinkClick r:id="rId4" action="ppaction://hlinksldjump"/>
+              </a:rPr>
+              <a:t>Salir</a:t>
+            </a:r>
+            <a:endParaRPr lang="en-US" u="sng" dirty="0"/>
+          </a:p>
+        </p:txBody>
+      </p:sp>
+      <p:sp>
+        <p:nvSpPr>
+          <p:cNvPr id="10" name="Rectángulo 9">
+            <a:extLst>
+              <a:ext uri="{FF2B5EF4-FFF2-40B4-BE49-F238E27FC236}">
+                <a16:creationId xmlns:a16="http://schemas.microsoft.com/office/drawing/2014/main" id="{75F98918-3A49-4387-A52A-FF4E9C63BA2E}"/>
+              </a:ext>
+            </a:extLst>
+          </p:cNvPr>
+          <p:cNvSpPr/>
+          <p:nvPr/>
+        </p:nvSpPr>
+        <p:spPr>
+          <a:xfrm>
+            <a:off x="2675964" y="1420906"/>
+            <a:ext cx="6329082" cy="510989"/>
+          </a:xfrm>
+          <a:prstGeom prst="rect">
+            <a:avLst/>
+          </a:prstGeom>
+          <a:noFill/>
+          <a:ln>
+            <a:noFill/>
+          </a:ln>
+        </p:spPr>
+        <p:style>
+          <a:lnRef idx="0">
+            <a:scrgbClr r="0" g="0" b="0"/>
+          </a:lnRef>
+          <a:fillRef idx="0">
+            <a:scrgbClr r="0" g="0" b="0"/>
+          </a:fillRef>
+          <a:effectRef idx="0">
+            <a:scrgbClr r="0" g="0" b="0"/>
+          </a:effectRef>
+          <a:fontRef idx="minor">
+            <a:schemeClr val="dk1"/>
+          </a:fontRef>
+        </p:style>
+        <p:txBody>
+          <a:bodyPr rtlCol="0" anchor="ctr"/>
+          <a:lstStyle/>
+          <a:p>
+            <a:pPr algn="ctr"/>
+            <a:r>
+              <a:rPr lang="en-US" dirty="0"/>
+              <a:t>LA CUEVA</a:t>
+            </a:r>
+          </a:p>
+        </p:txBody>
+      </p:sp>
     </p:spTree>
     <p:extLst>
       <p:ext uri="{BB962C8B-B14F-4D97-AF65-F5344CB8AC3E}">
-        <p14:creationId xmlns:p14="http://schemas.microsoft.com/office/powerpoint/2010/main" val="1112817940"/>
+        <p14:creationId xmlns:p14="http://schemas.microsoft.com/office/powerpoint/2010/main" val="4131225697"/>
       </p:ext>
     </p:extLst>
   </p:cSld>
@@ -6506,7 +6791,7 @@
           <p:cNvPr id="4" name="Rectángulo: esquinas redondeadas 3">
             <a:extLst>
               <a:ext uri="{FF2B5EF4-FFF2-40B4-BE49-F238E27FC236}">
-                <a16:creationId xmlns:a16="http://schemas.microsoft.com/office/drawing/2014/main" id="{9BFEFDE3-F56F-43A9-A2E8-EA1EB5EEF680}"/>
+                <a16:creationId xmlns:a16="http://schemas.microsoft.com/office/drawing/2014/main" id="{1AAEAB9C-EDB1-48B4-A820-903A819C0F94}"/>
               </a:ext>
             </a:extLst>
           </p:cNvPr>
@@ -6515,8 +6800,8 @@
         </p:nvSpPr>
         <p:spPr>
           <a:xfrm>
-            <a:off x="3307976" y="1380567"/>
-            <a:ext cx="5262283" cy="4204446"/>
+            <a:off x="2832847" y="672350"/>
+            <a:ext cx="6526306" cy="4545107"/>
           </a:xfrm>
           <a:prstGeom prst="roundRect">
             <a:avLst/>
@@ -6543,28 +6828,37 @@
             <a:endParaRPr lang="en-US" dirty="0"/>
           </a:p>
           <a:p>
-            <a:endParaRPr lang="en-US" dirty="0"/>
-          </a:p>
-          <a:p>
-            <a:endParaRPr lang="en-US" dirty="0"/>
-          </a:p>
-          <a:p>
-            <a:endParaRPr lang="en-US" dirty="0"/>
-          </a:p>
-          <a:p>
             <a:r>
               <a:rPr lang="en-US" dirty="0"/>
-              <a:t>Rentar pelicula            Buscar pelicula  </a:t>
-            </a:r>
-          </a:p>
-          <a:p>
-            <a:endParaRPr lang="en-US" dirty="0"/>
-          </a:p>
-          <a:p>
-            <a:endParaRPr lang="en-US" dirty="0"/>
-          </a:p>
-          <a:p>
-            <a:endParaRPr lang="en-US" dirty="0"/>
+              <a:t>Titulo</a:t>
+            </a:r>
+          </a:p>
+          <a:p>
+            <a:endParaRPr lang="en-US" dirty="0"/>
+          </a:p>
+          <a:p>
+            <a:r>
+              <a:rPr lang="en-US" dirty="0"/>
+              <a:t>Fecha de entrega</a:t>
+            </a:r>
+          </a:p>
+          <a:p>
+            <a:endParaRPr lang="en-US" dirty="0"/>
+          </a:p>
+          <a:p>
+            <a:r>
+              <a:rPr lang="en-US" dirty="0"/>
+              <a:t>Fecha de devolucion</a:t>
+            </a:r>
+          </a:p>
+          <a:p>
+            <a:endParaRPr lang="en-US" dirty="0"/>
+          </a:p>
+          <a:p>
+            <a:r>
+              <a:rPr lang="en-US" dirty="0"/>
+              <a:t>disponibilidad</a:t>
+            </a:r>
           </a:p>
           <a:p>
             <a:pPr algn="ctr"/>
@@ -6572,43 +6866,24 @@
           </a:p>
           <a:p>
             <a:pPr algn="ctr"/>
-            <a:r>
-              <a:rPr lang="en-US" dirty="0"/>
-              <a:t>Solo personal Autorizado</a:t>
-            </a:r>
-          </a:p>
-          <a:p>
-            <a:endParaRPr lang="en-US" dirty="0"/>
-          </a:p>
-          <a:p>
-            <a:endParaRPr lang="en-US" dirty="0"/>
-          </a:p>
-          <a:p>
-            <a:endParaRPr lang="en-US" dirty="0"/>
-          </a:p>
-          <a:p>
-            <a:r>
-              <a:rPr lang="en-US" dirty="0"/>
-              <a:t>                       </a:t>
-            </a:r>
-          </a:p>
-          <a:p>
-            <a:endParaRPr lang="en-US" dirty="0"/>
-          </a:p>
-          <a:p>
-            <a:endParaRPr lang="en-US" dirty="0"/>
-          </a:p>
-          <a:p>
-            <a:endParaRPr lang="en-US" dirty="0"/>
-          </a:p>
-        </p:txBody>
-      </p:sp>
-      <p:sp>
-        <p:nvSpPr>
-          <p:cNvPr id="5" name="Rectángulo 4">
+            <a:endParaRPr lang="en-US" dirty="0"/>
+          </a:p>
+          <a:p>
+            <a:pPr algn="ctr"/>
+            <a:endParaRPr lang="en-US" dirty="0"/>
+          </a:p>
+          <a:p>
+            <a:pPr algn="ctr"/>
+            <a:endParaRPr lang="en-US" dirty="0"/>
+          </a:p>
+        </p:txBody>
+      </p:sp>
+      <p:sp>
+        <p:nvSpPr>
+          <p:cNvPr id="3" name="Rectángulo 2">
             <a:extLst>
               <a:ext uri="{FF2B5EF4-FFF2-40B4-BE49-F238E27FC236}">
-                <a16:creationId xmlns:a16="http://schemas.microsoft.com/office/drawing/2014/main" id="{A785F620-A2E8-4D32-9654-B81730CAC8E3}"/>
+                <a16:creationId xmlns:a16="http://schemas.microsoft.com/office/drawing/2014/main" id="{D4D82E99-25AE-460A-A8B6-8B8E1F316EEE}"/>
               </a:ext>
             </a:extLst>
           </p:cNvPr>
@@ -6617,12 +6892,19 @@
         </p:nvSpPr>
         <p:spPr>
           <a:xfrm>
-            <a:off x="3621741" y="2689412"/>
-            <a:ext cx="1751900" cy="412376"/>
+            <a:off x="3558985" y="4267198"/>
+            <a:ext cx="1954308" cy="376518"/>
           </a:xfrm>
           <a:prstGeom prst="rect">
             <a:avLst/>
           </a:prstGeom>
+          <a:effectLst>
+            <a:outerShdw blurRad="63500" sx="102000" sy="102000" algn="ctr" rotWithShape="0">
+              <a:prstClr val="black">
+                <a:alpha val="40000"/>
+              </a:prstClr>
+            </a:outerShdw>
+          </a:effectLst>
         </p:spPr>
         <p:style>
           <a:lnRef idx="1">
@@ -6645,17 +6927,17 @@
             <a:pPr algn="ctr"/>
             <a:r>
               <a:rPr lang="en-US" dirty="0"/>
-              <a:t>Abrir</a:t>
-            </a:r>
-          </a:p>
-        </p:txBody>
-      </p:sp>
-      <p:sp>
-        <p:nvSpPr>
-          <p:cNvPr id="6" name="Rectángulo 5">
+              <a:t>Buscar</a:t>
+            </a:r>
+          </a:p>
+        </p:txBody>
+      </p:sp>
+      <p:sp>
+        <p:nvSpPr>
+          <p:cNvPr id="5" name="Rectángulo 4">
             <a:extLst>
               <a:ext uri="{FF2B5EF4-FFF2-40B4-BE49-F238E27FC236}">
-                <a16:creationId xmlns:a16="http://schemas.microsoft.com/office/drawing/2014/main" id="{C03C7AF7-047C-48C8-BDD7-1B986B128685}"/>
+                <a16:creationId xmlns:a16="http://schemas.microsoft.com/office/drawing/2014/main" id="{519C4F03-928E-48A3-8840-CFDCB5F5A8CD}"/>
               </a:ext>
             </a:extLst>
           </p:cNvPr>
@@ -6664,12 +6946,19 @@
         </p:nvSpPr>
         <p:spPr>
           <a:xfrm>
-            <a:off x="6096000" y="2689412"/>
-            <a:ext cx="1751900" cy="412376"/>
+            <a:off x="6678709" y="4267198"/>
+            <a:ext cx="2160494" cy="376518"/>
           </a:xfrm>
           <a:prstGeom prst="rect">
             <a:avLst/>
           </a:prstGeom>
+          <a:effectLst>
+            <a:outerShdw blurRad="63500" sx="102000" sy="102000" algn="ctr" rotWithShape="0">
+              <a:prstClr val="black">
+                <a:alpha val="40000"/>
+              </a:prstClr>
+            </a:outerShdw>
+          </a:effectLst>
         </p:spPr>
         <p:style>
           <a:lnRef idx="1">
@@ -6694,18 +6983,18 @@
               <a:rPr lang="en-US" dirty="0">
                 <a:hlinkClick r:id="rId2" action="ppaction://hlinksldjump"/>
               </a:rPr>
-              <a:t>Abrir</a:t>
-            </a:r>
-            <a:endParaRPr lang="en-US" dirty="0"/>
-          </a:p>
-        </p:txBody>
-      </p:sp>
-      <p:sp>
-        <p:nvSpPr>
-          <p:cNvPr id="7" name="Rectángulo 6">
+              <a:t>Volver</a:t>
+            </a:r>
+            <a:endParaRPr lang="en-US" dirty="0"/>
+          </a:p>
+        </p:txBody>
+      </p:sp>
+      <p:sp>
+        <p:nvSpPr>
+          <p:cNvPr id="6" name="Rectángulo 5">
             <a:extLst>
               <a:ext uri="{FF2B5EF4-FFF2-40B4-BE49-F238E27FC236}">
-                <a16:creationId xmlns:a16="http://schemas.microsoft.com/office/drawing/2014/main" id="{087D5BBF-F381-4BB5-B66A-3C87FFD575CE}"/>
+                <a16:creationId xmlns:a16="http://schemas.microsoft.com/office/drawing/2014/main" id="{69002588-89C3-4951-A87B-88EC9531FCBF}"/>
               </a:ext>
             </a:extLst>
           </p:cNvPr>
@@ -6714,22 +7003,22 @@
         </p:nvSpPr>
         <p:spPr>
           <a:xfrm>
-            <a:off x="4964555" y="4087905"/>
-            <a:ext cx="1751900" cy="412376"/>
+            <a:off x="6096000" y="2684930"/>
+            <a:ext cx="2411506" cy="304800"/>
           </a:xfrm>
           <a:prstGeom prst="rect">
             <a:avLst/>
           </a:prstGeom>
         </p:spPr>
         <p:style>
-          <a:lnRef idx="1">
-            <a:schemeClr val="accent5"/>
+          <a:lnRef idx="2">
+            <a:schemeClr val="dk1"/>
           </a:lnRef>
-          <a:fillRef idx="2">
-            <a:schemeClr val="accent5"/>
+          <a:fillRef idx="1">
+            <a:schemeClr val="lt1"/>
           </a:fillRef>
-          <a:effectRef idx="1">
-            <a:schemeClr val="accent5"/>
+          <a:effectRef idx="0">
+            <a:schemeClr val="dk1"/>
           </a:effectRef>
           <a:fontRef idx="minor">
             <a:schemeClr val="dk1"/>
@@ -6739,23 +7028,16 @@
           <a:bodyPr rtlCol="0" anchor="ctr"/>
           <a:lstStyle/>
           <a:p>
-            <a:pPr algn="ctr"/>
-            <a:r>
-              <a:rPr lang="en-US" dirty="0">
-                <a:hlinkClick r:id="rId3" action="ppaction://hlinksldjump"/>
-              </a:rPr>
-              <a:t>Abrir</a:t>
-            </a:r>
-            <a:endParaRPr lang="en-US" dirty="0"/>
-          </a:p>
-        </p:txBody>
-      </p:sp>
-      <p:sp>
-        <p:nvSpPr>
-          <p:cNvPr id="9" name="Rectángulo 8">
+            <a:endParaRPr lang="en-US" dirty="0"/>
+          </a:p>
+        </p:txBody>
+      </p:sp>
+      <p:sp>
+        <p:nvSpPr>
+          <p:cNvPr id="7" name="Rectángulo 6">
             <a:extLst>
               <a:ext uri="{FF2B5EF4-FFF2-40B4-BE49-F238E27FC236}">
-                <a16:creationId xmlns:a16="http://schemas.microsoft.com/office/drawing/2014/main" id="{CEF4AF87-EAAC-4F93-92BF-FF866B1B0C19}"/>
+                <a16:creationId xmlns:a16="http://schemas.microsoft.com/office/drawing/2014/main" id="{84F8150A-57A3-4527-9A4F-A244BAD19F11}"/>
               </a:ext>
             </a:extLst>
           </p:cNvPr>
@@ -6764,22 +7046,22 @@
         </p:nvSpPr>
         <p:spPr>
           <a:xfrm>
-            <a:off x="4964555" y="4818524"/>
-            <a:ext cx="1751900" cy="412376"/>
+            <a:off x="6096000" y="1536889"/>
+            <a:ext cx="2411506" cy="304800"/>
           </a:xfrm>
           <a:prstGeom prst="rect">
             <a:avLst/>
           </a:prstGeom>
         </p:spPr>
         <p:style>
-          <a:lnRef idx="1">
-            <a:schemeClr val="accent5"/>
+          <a:lnRef idx="2">
+            <a:schemeClr val="dk1"/>
           </a:lnRef>
-          <a:fillRef idx="2">
-            <a:schemeClr val="accent5"/>
+          <a:fillRef idx="1">
+            <a:schemeClr val="lt1"/>
           </a:fillRef>
-          <a:effectRef idx="1">
-            <a:schemeClr val="accent5"/>
+          <a:effectRef idx="0">
+            <a:schemeClr val="dk1"/>
           </a:effectRef>
           <a:fontRef idx="minor">
             <a:schemeClr val="dk1"/>
@@ -6789,23 +7071,16 @@
           <a:bodyPr rtlCol="0" anchor="ctr"/>
           <a:lstStyle/>
           <a:p>
-            <a:pPr algn="ctr"/>
-            <a:r>
-              <a:rPr lang="en-US" u="sng" dirty="0">
-                <a:hlinkClick r:id="rId4" action="ppaction://hlinksldjump"/>
-              </a:rPr>
-              <a:t>Salir</a:t>
-            </a:r>
-            <a:endParaRPr lang="en-US" u="sng" dirty="0"/>
-          </a:p>
-        </p:txBody>
-      </p:sp>
-      <p:sp>
-        <p:nvSpPr>
-          <p:cNvPr id="10" name="Rectángulo 9">
+            <a:endParaRPr lang="en-US" dirty="0"/>
+          </a:p>
+        </p:txBody>
+      </p:sp>
+      <p:sp>
+        <p:nvSpPr>
+          <p:cNvPr id="8" name="Rectángulo 7">
             <a:extLst>
               <a:ext uri="{FF2B5EF4-FFF2-40B4-BE49-F238E27FC236}">
-                <a16:creationId xmlns:a16="http://schemas.microsoft.com/office/drawing/2014/main" id="{75F98918-3A49-4387-A52A-FF4E9C63BA2E}"/>
+                <a16:creationId xmlns:a16="http://schemas.microsoft.com/office/drawing/2014/main" id="{D9EF0A65-2AD7-4B07-931A-91138F4DE918}"/>
               </a:ext>
             </a:extLst>
           </p:cNvPr>
@@ -6814,7 +7089,93 @@
         </p:nvSpPr>
         <p:spPr>
           <a:xfrm>
-            <a:off x="2675964" y="1420906"/>
+            <a:off x="6096000" y="2110630"/>
+            <a:ext cx="2411506" cy="304800"/>
+          </a:xfrm>
+          <a:prstGeom prst="rect">
+            <a:avLst/>
+          </a:prstGeom>
+        </p:spPr>
+        <p:style>
+          <a:lnRef idx="2">
+            <a:schemeClr val="dk1"/>
+          </a:lnRef>
+          <a:fillRef idx="1">
+            <a:schemeClr val="lt1"/>
+          </a:fillRef>
+          <a:effectRef idx="0">
+            <a:schemeClr val="dk1"/>
+          </a:effectRef>
+          <a:fontRef idx="minor">
+            <a:schemeClr val="dk1"/>
+          </a:fontRef>
+        </p:style>
+        <p:txBody>
+          <a:bodyPr rtlCol="0" anchor="ctr"/>
+          <a:lstStyle/>
+          <a:p>
+            <a:endParaRPr lang="en-US" dirty="0"/>
+          </a:p>
+        </p:txBody>
+      </p:sp>
+      <p:sp>
+        <p:nvSpPr>
+          <p:cNvPr id="9" name="Rectángulo 8">
+            <a:extLst>
+              <a:ext uri="{FF2B5EF4-FFF2-40B4-BE49-F238E27FC236}">
+                <a16:creationId xmlns:a16="http://schemas.microsoft.com/office/drawing/2014/main" id="{9AB6A3EF-F101-4257-AD13-EB7F31B59CD8}"/>
+              </a:ext>
+            </a:extLst>
+          </p:cNvPr>
+          <p:cNvSpPr/>
+          <p:nvPr/>
+        </p:nvSpPr>
+        <p:spPr>
+          <a:xfrm>
+            <a:off x="6096000" y="3276600"/>
+            <a:ext cx="2411506" cy="304800"/>
+          </a:xfrm>
+          <a:prstGeom prst="rect">
+            <a:avLst/>
+          </a:prstGeom>
+        </p:spPr>
+        <p:style>
+          <a:lnRef idx="2">
+            <a:schemeClr val="dk1"/>
+          </a:lnRef>
+          <a:fillRef idx="1">
+            <a:schemeClr val="lt1"/>
+          </a:fillRef>
+          <a:effectRef idx="0">
+            <a:schemeClr val="dk1"/>
+          </a:effectRef>
+          <a:fontRef idx="minor">
+            <a:schemeClr val="dk1"/>
+          </a:fontRef>
+        </p:style>
+        <p:txBody>
+          <a:bodyPr rtlCol="0" anchor="ctr"/>
+          <a:lstStyle/>
+          <a:p>
+            <a:endParaRPr lang="en-US" dirty="0"/>
+          </a:p>
+        </p:txBody>
+      </p:sp>
+      <p:sp>
+        <p:nvSpPr>
+          <p:cNvPr id="10" name="Rectángulo 9">
+            <a:extLst>
+              <a:ext uri="{FF2B5EF4-FFF2-40B4-BE49-F238E27FC236}">
+                <a16:creationId xmlns:a16="http://schemas.microsoft.com/office/drawing/2014/main" id="{89D5A067-1951-4111-8229-9BCCF88DD311}"/>
+              </a:ext>
+            </a:extLst>
+          </p:cNvPr>
+          <p:cNvSpPr/>
+          <p:nvPr/>
+        </p:nvSpPr>
+        <p:spPr>
+          <a:xfrm>
+            <a:off x="2832847" y="660030"/>
             <a:ext cx="6329082" cy="510989"/>
           </a:xfrm>
           <a:prstGeom prst="rect">
@@ -6846,7 +7207,7 @@
             <a:pPr algn="ctr"/>
             <a:r>
               <a:rPr lang="en-US" dirty="0"/>
-              <a:t>LA CUEVA</a:t>
+              <a:t>BUSQUEDA DE PELICULA</a:t>
             </a:r>
           </a:p>
         </p:txBody>
@@ -6854,7 +7215,7 @@
     </p:spTree>
     <p:extLst>
       <p:ext uri="{BB962C8B-B14F-4D97-AF65-F5344CB8AC3E}">
-        <p14:creationId xmlns:p14="http://schemas.microsoft.com/office/powerpoint/2010/main" val="4131225697"/>
+        <p14:creationId xmlns:p14="http://schemas.microsoft.com/office/powerpoint/2010/main" val="2048284298"/>
       </p:ext>
     </p:extLst>
   </p:cSld>
@@ -6895,8 +7256,8 @@
         </p:nvSpPr>
         <p:spPr>
           <a:xfrm>
-            <a:off x="2832847" y="672350"/>
-            <a:ext cx="6526306" cy="4545107"/>
+            <a:off x="3119718" y="744069"/>
+            <a:ext cx="5620870" cy="5495365"/>
           </a:xfrm>
           <a:prstGeom prst="roundRect">
             <a:avLst/>
@@ -6925,7 +7286,7 @@
           <a:p>
             <a:r>
               <a:rPr lang="en-US" dirty="0"/>
-              <a:t>Titulo</a:t>
+              <a:t>Nombre</a:t>
             </a:r>
           </a:p>
           <a:p>
@@ -6934,7 +7295,7 @@
           <a:p>
             <a:r>
               <a:rPr lang="en-US" dirty="0"/>
-              <a:t>Fecha de entrega</a:t>
+              <a:t>Direccion</a:t>
             </a:r>
           </a:p>
           <a:p>
@@ -6943,7 +7304,7 @@
           <a:p>
             <a:r>
               <a:rPr lang="en-US" dirty="0"/>
-              <a:t>Fecha de devolucion</a:t>
+              <a:t>Telefono</a:t>
             </a:r>
           </a:p>
           <a:p>
@@ -6952,12 +7313,17 @@
           <a:p>
             <a:r>
               <a:rPr lang="en-US" dirty="0"/>
-              <a:t>disponibilidad</a:t>
-            </a:r>
-          </a:p>
-          <a:p>
-            <a:pPr algn="ctr"/>
-            <a:endParaRPr lang="en-US" dirty="0"/>
+              <a:t>Ci</a:t>
+            </a:r>
+          </a:p>
+          <a:p>
+            <a:endParaRPr lang="en-US" dirty="0"/>
+          </a:p>
+          <a:p>
+            <a:r>
+              <a:rPr lang="en-US" dirty="0"/>
+              <a:t>Correo</a:t>
+            </a:r>
           </a:p>
           <a:p>
             <a:pPr algn="ctr"/>
@@ -6978,7 +7344,7 @@
           <p:cNvPr id="3" name="Rectángulo 2">
             <a:extLst>
               <a:ext uri="{FF2B5EF4-FFF2-40B4-BE49-F238E27FC236}">
-                <a16:creationId xmlns:a16="http://schemas.microsoft.com/office/drawing/2014/main" id="{D4D82E99-25AE-460A-A8B6-8B8E1F316EEE}"/>
+                <a16:creationId xmlns:a16="http://schemas.microsoft.com/office/drawing/2014/main" id="{3D68D14C-39A2-45D0-AA26-AD01DFFDBCDF}"/>
               </a:ext>
             </a:extLst>
           </p:cNvPr>
@@ -6987,8 +7353,8 @@
         </p:nvSpPr>
         <p:spPr>
           <a:xfrm>
-            <a:off x="3558985" y="4267198"/>
-            <a:ext cx="1954308" cy="376518"/>
+            <a:off x="3352799" y="4817407"/>
+            <a:ext cx="2160494" cy="376518"/>
           </a:xfrm>
           <a:prstGeom prst="rect">
             <a:avLst/>
@@ -7021,9 +7387,12 @@
           <a:p>
             <a:pPr algn="ctr"/>
             <a:r>
-              <a:rPr lang="en-US" dirty="0"/>
-              <a:t>Buscar</a:t>
-            </a:r>
+              <a:rPr lang="en-US" dirty="0">
+                <a:hlinkClick r:id="rId2" action="ppaction://hlinksldjump"/>
+              </a:rPr>
+              <a:t>Registrar personal</a:t>
+            </a:r>
+            <a:endParaRPr lang="en-US" dirty="0"/>
           </a:p>
         </p:txBody>
       </p:sp>
@@ -7032,7 +7401,7 @@
           <p:cNvPr id="5" name="Rectángulo 4">
             <a:extLst>
               <a:ext uri="{FF2B5EF4-FFF2-40B4-BE49-F238E27FC236}">
-                <a16:creationId xmlns:a16="http://schemas.microsoft.com/office/drawing/2014/main" id="{519C4F03-928E-48A3-8840-CFDCB5F5A8CD}"/>
+                <a16:creationId xmlns:a16="http://schemas.microsoft.com/office/drawing/2014/main" id="{C6C1DCA3-B332-4F9F-A5A7-1DF399927D56}"/>
               </a:ext>
             </a:extLst>
           </p:cNvPr>
@@ -7041,8 +7410,8 @@
         </p:nvSpPr>
         <p:spPr>
           <a:xfrm>
-            <a:off x="6678709" y="4267198"/>
-            <a:ext cx="2160494" cy="376518"/>
+            <a:off x="4911958" y="5461740"/>
+            <a:ext cx="1810870" cy="376518"/>
           </a:xfrm>
           <a:prstGeom prst="rect">
             <a:avLst/>
@@ -7076,7 +7445,7 @@
             <a:pPr algn="ctr"/>
             <a:r>
               <a:rPr lang="en-US" dirty="0">
-                <a:hlinkClick r:id="rId2" action="ppaction://hlinksldjump"/>
+                <a:hlinkClick r:id="rId3" action="ppaction://hlinksldjump"/>
               </a:rPr>
               <a:t>Volver</a:t>
             </a:r>
@@ -7089,7 +7458,7 @@
           <p:cNvPr id="6" name="Rectángulo 5">
             <a:extLst>
               <a:ext uri="{FF2B5EF4-FFF2-40B4-BE49-F238E27FC236}">
-                <a16:creationId xmlns:a16="http://schemas.microsoft.com/office/drawing/2014/main" id="{69002588-89C3-4951-A87B-88EC9531FCBF}"/>
+                <a16:creationId xmlns:a16="http://schemas.microsoft.com/office/drawing/2014/main" id="{9C3A7823-F2E0-4999-92D5-89DC04EB8768}"/>
               </a:ext>
             </a:extLst>
           </p:cNvPr>
@@ -7098,7 +7467,7 @@
         </p:nvSpPr>
         <p:spPr>
           <a:xfrm>
-            <a:off x="6096000" y="2684930"/>
+            <a:off x="5271247" y="3626220"/>
             <a:ext cx="2411506" cy="304800"/>
           </a:xfrm>
           <a:prstGeom prst="rect">
@@ -7132,7 +7501,7 @@
           <p:cNvPr id="7" name="Rectángulo 6">
             <a:extLst>
               <a:ext uri="{FF2B5EF4-FFF2-40B4-BE49-F238E27FC236}">
-                <a16:creationId xmlns:a16="http://schemas.microsoft.com/office/drawing/2014/main" id="{84F8150A-57A3-4527-9A4F-A244BAD19F11}"/>
+                <a16:creationId xmlns:a16="http://schemas.microsoft.com/office/drawing/2014/main" id="{2AF2C79B-2250-486E-B574-18E590606138}"/>
               </a:ext>
             </a:extLst>
           </p:cNvPr>
@@ -7141,7 +7510,7 @@
         </p:nvSpPr>
         <p:spPr>
           <a:xfrm>
-            <a:off x="6096000" y="1536889"/>
+            <a:off x="5271247" y="2022658"/>
             <a:ext cx="2411506" cy="304800"/>
           </a:xfrm>
           <a:prstGeom prst="rect">
@@ -7175,7 +7544,7 @@
           <p:cNvPr id="8" name="Rectángulo 7">
             <a:extLst>
               <a:ext uri="{FF2B5EF4-FFF2-40B4-BE49-F238E27FC236}">
-                <a16:creationId xmlns:a16="http://schemas.microsoft.com/office/drawing/2014/main" id="{D9EF0A65-2AD7-4B07-931A-91138F4DE918}"/>
+                <a16:creationId xmlns:a16="http://schemas.microsoft.com/office/drawing/2014/main" id="{CD6A0865-B7B0-4205-BE07-EE18DED1A594}"/>
               </a:ext>
             </a:extLst>
           </p:cNvPr>
@@ -7184,7 +7553,7 @@
         </p:nvSpPr>
         <p:spPr>
           <a:xfrm>
-            <a:off x="6096000" y="2110630"/>
+            <a:off x="5271247" y="2550453"/>
             <a:ext cx="2411506" cy="304800"/>
           </a:xfrm>
           <a:prstGeom prst="rect">
@@ -7218,7 +7587,7 @@
           <p:cNvPr id="9" name="Rectángulo 8">
             <a:extLst>
               <a:ext uri="{FF2B5EF4-FFF2-40B4-BE49-F238E27FC236}">
-                <a16:creationId xmlns:a16="http://schemas.microsoft.com/office/drawing/2014/main" id="{9AB6A3EF-F101-4257-AD13-EB7F31B59CD8}"/>
+                <a16:creationId xmlns:a16="http://schemas.microsoft.com/office/drawing/2014/main" id="{087FFC36-A8C4-49CD-9B13-650B1ECC30DD}"/>
               </a:ext>
             </a:extLst>
           </p:cNvPr>
@@ -7227,7 +7596,7 @@
         </p:nvSpPr>
         <p:spPr>
           <a:xfrm>
-            <a:off x="6096000" y="3276600"/>
+            <a:off x="5271247" y="3098425"/>
             <a:ext cx="2411506" cy="304800"/>
           </a:xfrm>
           <a:prstGeom prst="rect">
@@ -7261,7 +7630,7 @@
           <p:cNvPr id="10" name="Rectángulo 9">
             <a:extLst>
               <a:ext uri="{FF2B5EF4-FFF2-40B4-BE49-F238E27FC236}">
-                <a16:creationId xmlns:a16="http://schemas.microsoft.com/office/drawing/2014/main" id="{89D5A067-1951-4111-8229-9BCCF88DD311}"/>
+                <a16:creationId xmlns:a16="http://schemas.microsoft.com/office/drawing/2014/main" id="{09B954FC-2CE0-4AFF-9B8F-B6F6397FF80D}"/>
               </a:ext>
             </a:extLst>
           </p:cNvPr>
@@ -7270,7 +7639,107 @@
         </p:nvSpPr>
         <p:spPr>
           <a:xfrm>
-            <a:off x="2832847" y="660030"/>
+            <a:off x="5271247" y="4179792"/>
+            <a:ext cx="2411506" cy="304800"/>
+          </a:xfrm>
+          <a:prstGeom prst="rect">
+            <a:avLst/>
+          </a:prstGeom>
+        </p:spPr>
+        <p:style>
+          <a:lnRef idx="2">
+            <a:schemeClr val="dk1"/>
+          </a:lnRef>
+          <a:fillRef idx="1">
+            <a:schemeClr val="lt1"/>
+          </a:fillRef>
+          <a:effectRef idx="0">
+            <a:schemeClr val="dk1"/>
+          </a:effectRef>
+          <a:fontRef idx="minor">
+            <a:schemeClr val="dk1"/>
+          </a:fontRef>
+        </p:style>
+        <p:txBody>
+          <a:bodyPr rtlCol="0" anchor="ctr"/>
+          <a:lstStyle/>
+          <a:p>
+            <a:endParaRPr lang="en-US" dirty="0"/>
+          </a:p>
+        </p:txBody>
+      </p:sp>
+      <p:sp>
+        <p:nvSpPr>
+          <p:cNvPr id="11" name="Rectángulo 10">
+            <a:extLst>
+              <a:ext uri="{FF2B5EF4-FFF2-40B4-BE49-F238E27FC236}">
+                <a16:creationId xmlns:a16="http://schemas.microsoft.com/office/drawing/2014/main" id="{49D19358-73EC-480E-B171-F027FE9DCF1E}"/>
+              </a:ext>
+            </a:extLst>
+          </p:cNvPr>
+          <p:cNvSpPr/>
+          <p:nvPr/>
+        </p:nvSpPr>
+        <p:spPr>
+          <a:xfrm>
+            <a:off x="6078070" y="4817407"/>
+            <a:ext cx="2097741" cy="401168"/>
+          </a:xfrm>
+          <a:prstGeom prst="rect">
+            <a:avLst/>
+          </a:prstGeom>
+          <a:effectLst>
+            <a:outerShdw blurRad="63500" sx="102000" sy="102000" algn="ctr" rotWithShape="0">
+              <a:prstClr val="black">
+                <a:alpha val="40000"/>
+              </a:prstClr>
+            </a:outerShdw>
+          </a:effectLst>
+        </p:spPr>
+        <p:style>
+          <a:lnRef idx="1">
+            <a:schemeClr val="accent5"/>
+          </a:lnRef>
+          <a:fillRef idx="2">
+            <a:schemeClr val="accent5"/>
+          </a:fillRef>
+          <a:effectRef idx="1">
+            <a:schemeClr val="accent5"/>
+          </a:effectRef>
+          <a:fontRef idx="minor">
+            <a:schemeClr val="dk1"/>
+          </a:fontRef>
+        </p:style>
+        <p:txBody>
+          <a:bodyPr rtlCol="0" anchor="ctr"/>
+          <a:lstStyle/>
+          <a:p>
+            <a:pPr algn="ctr"/>
+            <a:r>
+              <a:rPr lang="en-US" dirty="0">
+                <a:hlinkClick r:id="rId4" action="ppaction://hlinksldjump"/>
+              </a:rPr>
+              <a:t>Registrar pelicula</a:t>
+            </a:r>
+            <a:endParaRPr lang="en-US" dirty="0"/>
+          </a:p>
+        </p:txBody>
+      </p:sp>
+      <p:sp>
+        <p:nvSpPr>
+          <p:cNvPr id="12" name="Rectángulo 11">
+            <a:extLst>
+              <a:ext uri="{FF2B5EF4-FFF2-40B4-BE49-F238E27FC236}">
+                <a16:creationId xmlns:a16="http://schemas.microsoft.com/office/drawing/2014/main" id="{0F43F2D8-3B4F-47DF-A480-8246E6DB6189}"/>
+              </a:ext>
+            </a:extLst>
+          </p:cNvPr>
+          <p:cNvSpPr/>
+          <p:nvPr/>
+        </p:nvSpPr>
+        <p:spPr>
+          <a:xfrm>
+            <a:off x="2765612" y="795618"/>
             <a:ext cx="6329082" cy="510989"/>
           </a:xfrm>
           <a:prstGeom prst="rect">
@@ -7302,7 +7771,7 @@
             <a:pPr algn="ctr"/>
             <a:r>
               <a:rPr lang="en-US" dirty="0"/>
-              <a:t>BUSQUEDA DE PELICULA</a:t>
+              <a:t>REGISTRO DE CLIENTE</a:t>
             </a:r>
           </a:p>
         </p:txBody>
@@ -7310,7 +7779,7 @@
     </p:spTree>
     <p:extLst>
       <p:ext uri="{BB962C8B-B14F-4D97-AF65-F5344CB8AC3E}">
-        <p14:creationId xmlns:p14="http://schemas.microsoft.com/office/powerpoint/2010/main" val="2048284298"/>
+        <p14:creationId xmlns:p14="http://schemas.microsoft.com/office/powerpoint/2010/main" val="3690600298"/>
       </p:ext>
     </p:extLst>
   </p:cSld>
@@ -7351,8 +7820,8 @@
         </p:nvSpPr>
         <p:spPr>
           <a:xfrm>
-            <a:off x="3119718" y="744069"/>
-            <a:ext cx="5620870" cy="5495365"/>
+            <a:off x="3119718" y="779928"/>
+            <a:ext cx="4598894" cy="5002306"/>
           </a:xfrm>
           <a:prstGeom prst="roundRect">
             <a:avLst/>
@@ -7390,6 +7859,15 @@
           <a:p>
             <a:r>
               <a:rPr lang="en-US" dirty="0"/>
+              <a:t>Ci</a:t>
+            </a:r>
+          </a:p>
+          <a:p>
+            <a:endParaRPr lang="en-US" dirty="0"/>
+          </a:p>
+          <a:p>
+            <a:r>
+              <a:rPr lang="en-US" dirty="0"/>
               <a:t>Direccion</a:t>
             </a:r>
           </a:p>
@@ -7408,16 +7886,7 @@
           <a:p>
             <a:r>
               <a:rPr lang="en-US" dirty="0"/>
-              <a:t>Ci</a:t>
-            </a:r>
-          </a:p>
-          <a:p>
-            <a:endParaRPr lang="en-US" dirty="0"/>
-          </a:p>
-          <a:p>
-            <a:r>
-              <a:rPr lang="en-US" dirty="0"/>
-              <a:t>Correo</a:t>
+              <a:t>Puesto </a:t>
             </a:r>
           </a:p>
           <a:p>
@@ -7439,7 +7908,7 @@
           <p:cNvPr id="3" name="Rectángulo 2">
             <a:extLst>
               <a:ext uri="{FF2B5EF4-FFF2-40B4-BE49-F238E27FC236}">
-                <a16:creationId xmlns:a16="http://schemas.microsoft.com/office/drawing/2014/main" id="{3D68D14C-39A2-45D0-AA26-AD01DFFDBCDF}"/>
+                <a16:creationId xmlns:a16="http://schemas.microsoft.com/office/drawing/2014/main" id="{DDB2ECA8-DCC5-4E05-81AD-8E8A7EDDF330}"/>
               </a:ext>
             </a:extLst>
           </p:cNvPr>
@@ -7448,14 +7917,14 @@
         </p:nvSpPr>
         <p:spPr>
           <a:xfrm>
-            <a:off x="3352799" y="4817407"/>
+            <a:off x="4338918" y="4760258"/>
             <a:ext cx="2160494" cy="376518"/>
           </a:xfrm>
           <a:prstGeom prst="rect">
             <a:avLst/>
           </a:prstGeom>
           <a:effectLst>
-            <a:outerShdw blurRad="63500" sx="102000" sy="102000" algn="ctr" rotWithShape="0">
+            <a:outerShdw blurRad="50800" dist="38100" dir="16200000" rotWithShape="0">
               <a:prstClr val="black">
                 <a:alpha val="40000"/>
               </a:prstClr>
@@ -7485,7 +7954,7 @@
               <a:rPr lang="en-US" dirty="0">
                 <a:hlinkClick r:id="rId2" action="ppaction://hlinksldjump"/>
               </a:rPr>
-              <a:t>Registrar personal</a:t>
+              <a:t>Volver</a:t>
             </a:r>
             <a:endParaRPr lang="en-US" dirty="0"/>
           </a:p>
@@ -7496,7 +7965,7 @@
           <p:cNvPr id="5" name="Rectángulo 4">
             <a:extLst>
               <a:ext uri="{FF2B5EF4-FFF2-40B4-BE49-F238E27FC236}">
-                <a16:creationId xmlns:a16="http://schemas.microsoft.com/office/drawing/2014/main" id="{C6C1DCA3-B332-4F9F-A5A7-1DF399927D56}"/>
+                <a16:creationId xmlns:a16="http://schemas.microsoft.com/office/drawing/2014/main" id="{1924E244-99F5-4275-A016-69BC75ABDCDE}"/>
               </a:ext>
             </a:extLst>
           </p:cNvPr>
@@ -7505,29 +7974,22 @@
         </p:nvSpPr>
         <p:spPr>
           <a:xfrm>
-            <a:off x="4911958" y="5461740"/>
-            <a:ext cx="1810870" cy="376518"/>
+            <a:off x="4890247" y="2259105"/>
+            <a:ext cx="2411506" cy="304800"/>
           </a:xfrm>
           <a:prstGeom prst="rect">
             <a:avLst/>
           </a:prstGeom>
-          <a:effectLst>
-            <a:outerShdw blurRad="63500" sx="102000" sy="102000" algn="ctr" rotWithShape="0">
-              <a:prstClr val="black">
-                <a:alpha val="40000"/>
-              </a:prstClr>
-            </a:outerShdw>
-          </a:effectLst>
         </p:spPr>
         <p:style>
-          <a:lnRef idx="1">
-            <a:schemeClr val="accent5"/>
+          <a:lnRef idx="2">
+            <a:schemeClr val="dk1"/>
           </a:lnRef>
-          <a:fillRef idx="2">
-            <a:schemeClr val="accent5"/>
+          <a:fillRef idx="1">
+            <a:schemeClr val="lt1"/>
           </a:fillRef>
-          <a:effectRef idx="1">
-            <a:schemeClr val="accent5"/>
+          <a:effectRef idx="0">
+            <a:schemeClr val="dk1"/>
           </a:effectRef>
           <a:fontRef idx="minor">
             <a:schemeClr val="dk1"/>
@@ -7537,13 +7999,6 @@
           <a:bodyPr rtlCol="0" anchor="ctr"/>
           <a:lstStyle/>
           <a:p>
-            <a:pPr algn="ctr"/>
-            <a:r>
-              <a:rPr lang="en-US" dirty="0">
-                <a:hlinkClick r:id="rId3" action="ppaction://hlinksldjump"/>
-              </a:rPr>
-              <a:t>Volver</a:t>
-            </a:r>
             <a:endParaRPr lang="en-US" dirty="0"/>
           </a:p>
         </p:txBody>
@@ -7553,7 +8008,7 @@
           <p:cNvPr id="6" name="Rectángulo 5">
             <a:extLst>
               <a:ext uri="{FF2B5EF4-FFF2-40B4-BE49-F238E27FC236}">
-                <a16:creationId xmlns:a16="http://schemas.microsoft.com/office/drawing/2014/main" id="{9C3A7823-F2E0-4999-92D5-89DC04EB8768}"/>
+                <a16:creationId xmlns:a16="http://schemas.microsoft.com/office/drawing/2014/main" id="{99AE7F17-ACC8-4C6C-BE4A-0EB39F763378}"/>
               </a:ext>
             </a:extLst>
           </p:cNvPr>
@@ -7562,7 +8017,7 @@
         </p:nvSpPr>
         <p:spPr>
           <a:xfrm>
-            <a:off x="5271247" y="3626220"/>
+            <a:off x="4890247" y="2873187"/>
             <a:ext cx="2411506" cy="304800"/>
           </a:xfrm>
           <a:prstGeom prst="rect">
@@ -7596,7 +8051,7 @@
           <p:cNvPr id="7" name="Rectángulo 6">
             <a:extLst>
               <a:ext uri="{FF2B5EF4-FFF2-40B4-BE49-F238E27FC236}">
-                <a16:creationId xmlns:a16="http://schemas.microsoft.com/office/drawing/2014/main" id="{2AF2C79B-2250-486E-B574-18E590606138}"/>
+                <a16:creationId xmlns:a16="http://schemas.microsoft.com/office/drawing/2014/main" id="{0DC5DC79-6272-4216-85BD-C3E731824FB6}"/>
               </a:ext>
             </a:extLst>
           </p:cNvPr>
@@ -7605,7 +8060,7 @@
         </p:nvSpPr>
         <p:spPr>
           <a:xfrm>
-            <a:off x="5271247" y="2022658"/>
+            <a:off x="4890247" y="3402106"/>
             <a:ext cx="2411506" cy="304800"/>
           </a:xfrm>
           <a:prstGeom prst="rect">
@@ -7639,7 +8094,7 @@
           <p:cNvPr id="8" name="Rectángulo 7">
             <a:extLst>
               <a:ext uri="{FF2B5EF4-FFF2-40B4-BE49-F238E27FC236}">
-                <a16:creationId xmlns:a16="http://schemas.microsoft.com/office/drawing/2014/main" id="{CD6A0865-B7B0-4205-BE07-EE18DED1A594}"/>
+                <a16:creationId xmlns:a16="http://schemas.microsoft.com/office/drawing/2014/main" id="{66710C68-775E-4E2D-81A4-6CD18323FBDF}"/>
               </a:ext>
             </a:extLst>
           </p:cNvPr>
@@ -7648,7 +8103,7 @@
         </p:nvSpPr>
         <p:spPr>
           <a:xfrm>
-            <a:off x="5271247" y="2550453"/>
+            <a:off x="4890247" y="3962400"/>
             <a:ext cx="2411506" cy="304800"/>
           </a:xfrm>
           <a:prstGeom prst="rect">
@@ -7682,7 +8137,7 @@
           <p:cNvPr id="9" name="Rectángulo 8">
             <a:extLst>
               <a:ext uri="{FF2B5EF4-FFF2-40B4-BE49-F238E27FC236}">
-                <a16:creationId xmlns:a16="http://schemas.microsoft.com/office/drawing/2014/main" id="{087FFC36-A8C4-49CD-9B13-650B1ECC30DD}"/>
+                <a16:creationId xmlns:a16="http://schemas.microsoft.com/office/drawing/2014/main" id="{03AAA3A9-BE7D-46EC-AE5F-74154A78C707}"/>
               </a:ext>
             </a:extLst>
           </p:cNvPr>
@@ -7691,7 +8146,7 @@
         </p:nvSpPr>
         <p:spPr>
           <a:xfrm>
-            <a:off x="5271247" y="3098425"/>
+            <a:off x="4890247" y="1713377"/>
             <a:ext cx="2411506" cy="304800"/>
           </a:xfrm>
           <a:prstGeom prst="rect">
@@ -7725,7 +8180,7 @@
           <p:cNvPr id="10" name="Rectángulo 9">
             <a:extLst>
               <a:ext uri="{FF2B5EF4-FFF2-40B4-BE49-F238E27FC236}">
-                <a16:creationId xmlns:a16="http://schemas.microsoft.com/office/drawing/2014/main" id="{09B954FC-2CE0-4AFF-9B8F-B6F6397FF80D}"/>
+                <a16:creationId xmlns:a16="http://schemas.microsoft.com/office/drawing/2014/main" id="{3F9110C7-D50A-48C4-B16A-38ABA14BF47B}"/>
               </a:ext>
             </a:extLst>
           </p:cNvPr>
@@ -7734,107 +8189,7 @@
         </p:nvSpPr>
         <p:spPr>
           <a:xfrm>
-            <a:off x="5271247" y="4179792"/>
-            <a:ext cx="2411506" cy="304800"/>
-          </a:xfrm>
-          <a:prstGeom prst="rect">
-            <a:avLst/>
-          </a:prstGeom>
-        </p:spPr>
-        <p:style>
-          <a:lnRef idx="2">
-            <a:schemeClr val="dk1"/>
-          </a:lnRef>
-          <a:fillRef idx="1">
-            <a:schemeClr val="lt1"/>
-          </a:fillRef>
-          <a:effectRef idx="0">
-            <a:schemeClr val="dk1"/>
-          </a:effectRef>
-          <a:fontRef idx="minor">
-            <a:schemeClr val="dk1"/>
-          </a:fontRef>
-        </p:style>
-        <p:txBody>
-          <a:bodyPr rtlCol="0" anchor="ctr"/>
-          <a:lstStyle/>
-          <a:p>
-            <a:endParaRPr lang="en-US" dirty="0"/>
-          </a:p>
-        </p:txBody>
-      </p:sp>
-      <p:sp>
-        <p:nvSpPr>
-          <p:cNvPr id="11" name="Rectángulo 10">
-            <a:extLst>
-              <a:ext uri="{FF2B5EF4-FFF2-40B4-BE49-F238E27FC236}">
-                <a16:creationId xmlns:a16="http://schemas.microsoft.com/office/drawing/2014/main" id="{49D19358-73EC-480E-B171-F027FE9DCF1E}"/>
-              </a:ext>
-            </a:extLst>
-          </p:cNvPr>
-          <p:cNvSpPr/>
-          <p:nvPr/>
-        </p:nvSpPr>
-        <p:spPr>
-          <a:xfrm>
-            <a:off x="6078070" y="4817407"/>
-            <a:ext cx="2097741" cy="401168"/>
-          </a:xfrm>
-          <a:prstGeom prst="rect">
-            <a:avLst/>
-          </a:prstGeom>
-          <a:effectLst>
-            <a:outerShdw blurRad="63500" sx="102000" sy="102000" algn="ctr" rotWithShape="0">
-              <a:prstClr val="black">
-                <a:alpha val="40000"/>
-              </a:prstClr>
-            </a:outerShdw>
-          </a:effectLst>
-        </p:spPr>
-        <p:style>
-          <a:lnRef idx="1">
-            <a:schemeClr val="accent5"/>
-          </a:lnRef>
-          <a:fillRef idx="2">
-            <a:schemeClr val="accent5"/>
-          </a:fillRef>
-          <a:effectRef idx="1">
-            <a:schemeClr val="accent5"/>
-          </a:effectRef>
-          <a:fontRef idx="minor">
-            <a:schemeClr val="dk1"/>
-          </a:fontRef>
-        </p:style>
-        <p:txBody>
-          <a:bodyPr rtlCol="0" anchor="ctr"/>
-          <a:lstStyle/>
-          <a:p>
-            <a:pPr algn="ctr"/>
-            <a:r>
-              <a:rPr lang="en-US" dirty="0">
-                <a:hlinkClick r:id="rId4" action="ppaction://hlinksldjump"/>
-              </a:rPr>
-              <a:t>Registrar pelicula</a:t>
-            </a:r>
-            <a:endParaRPr lang="en-US" dirty="0"/>
-          </a:p>
-        </p:txBody>
-      </p:sp>
-      <p:sp>
-        <p:nvSpPr>
-          <p:cNvPr id="12" name="Rectángulo 11">
-            <a:extLst>
-              <a:ext uri="{FF2B5EF4-FFF2-40B4-BE49-F238E27FC236}">
-                <a16:creationId xmlns:a16="http://schemas.microsoft.com/office/drawing/2014/main" id="{0F43F2D8-3B4F-47DF-A480-8246E6DB6189}"/>
-              </a:ext>
-            </a:extLst>
-          </p:cNvPr>
-          <p:cNvSpPr/>
-          <p:nvPr/>
-        </p:nvSpPr>
-        <p:spPr>
-          <a:xfrm>
-            <a:off x="2765612" y="795618"/>
+            <a:off x="2254624" y="810183"/>
             <a:ext cx="6329082" cy="510989"/>
           </a:xfrm>
           <a:prstGeom prst="rect">
@@ -7866,7 +8221,7 @@
             <a:pPr algn="ctr"/>
             <a:r>
               <a:rPr lang="en-US" dirty="0"/>
-              <a:t>REGISTRO DE CLIENTE</a:t>
+              <a:t>REGISTRAR PERSONAL</a:t>
             </a:r>
           </a:p>
         </p:txBody>
@@ -7874,7 +8229,7 @@
     </p:spTree>
     <p:extLst>
       <p:ext uri="{BB962C8B-B14F-4D97-AF65-F5344CB8AC3E}">
-        <p14:creationId xmlns:p14="http://schemas.microsoft.com/office/powerpoint/2010/main" val="3690600298"/>
+        <p14:creationId xmlns:p14="http://schemas.microsoft.com/office/powerpoint/2010/main" val="3444881453"/>
       </p:ext>
     </p:extLst>
   </p:cSld>
@@ -7915,456 +8270,6 @@
         </p:nvSpPr>
         <p:spPr>
           <a:xfrm>
-            <a:off x="3119718" y="779928"/>
-            <a:ext cx="4598894" cy="5002306"/>
-          </a:xfrm>
-          <a:prstGeom prst="roundRect">
-            <a:avLst/>
-          </a:prstGeom>
-        </p:spPr>
-        <p:style>
-          <a:lnRef idx="1">
-            <a:schemeClr val="accent5"/>
-          </a:lnRef>
-          <a:fillRef idx="2">
-            <a:schemeClr val="accent5"/>
-          </a:fillRef>
-          <a:effectRef idx="1">
-            <a:schemeClr val="accent5"/>
-          </a:effectRef>
-          <a:fontRef idx="minor">
-            <a:schemeClr val="dk1"/>
-          </a:fontRef>
-        </p:style>
-        <p:txBody>
-          <a:bodyPr rtlCol="0" anchor="ctr"/>
-          <a:lstStyle/>
-          <a:p>
-            <a:endParaRPr lang="en-US" dirty="0"/>
-          </a:p>
-          <a:p>
-            <a:r>
-              <a:rPr lang="en-US" dirty="0"/>
-              <a:t>Nombre</a:t>
-            </a:r>
-          </a:p>
-          <a:p>
-            <a:endParaRPr lang="en-US" dirty="0"/>
-          </a:p>
-          <a:p>
-            <a:r>
-              <a:rPr lang="en-US" dirty="0"/>
-              <a:t>Ci</a:t>
-            </a:r>
-          </a:p>
-          <a:p>
-            <a:endParaRPr lang="en-US" dirty="0"/>
-          </a:p>
-          <a:p>
-            <a:r>
-              <a:rPr lang="en-US" dirty="0"/>
-              <a:t>Direccion</a:t>
-            </a:r>
-          </a:p>
-          <a:p>
-            <a:endParaRPr lang="en-US" dirty="0"/>
-          </a:p>
-          <a:p>
-            <a:r>
-              <a:rPr lang="en-US" dirty="0"/>
-              <a:t>Telefono</a:t>
-            </a:r>
-          </a:p>
-          <a:p>
-            <a:endParaRPr lang="en-US" dirty="0"/>
-          </a:p>
-          <a:p>
-            <a:r>
-              <a:rPr lang="en-US" dirty="0"/>
-              <a:t>Puesto </a:t>
-            </a:r>
-          </a:p>
-          <a:p>
-            <a:pPr algn="ctr"/>
-            <a:endParaRPr lang="en-US" dirty="0"/>
-          </a:p>
-          <a:p>
-            <a:pPr algn="ctr"/>
-            <a:endParaRPr lang="en-US" dirty="0"/>
-          </a:p>
-          <a:p>
-            <a:pPr algn="ctr"/>
-            <a:endParaRPr lang="en-US" dirty="0"/>
-          </a:p>
-        </p:txBody>
-      </p:sp>
-      <p:sp>
-        <p:nvSpPr>
-          <p:cNvPr id="3" name="Rectángulo 2">
-            <a:extLst>
-              <a:ext uri="{FF2B5EF4-FFF2-40B4-BE49-F238E27FC236}">
-                <a16:creationId xmlns:a16="http://schemas.microsoft.com/office/drawing/2014/main" id="{DDB2ECA8-DCC5-4E05-81AD-8E8A7EDDF330}"/>
-              </a:ext>
-            </a:extLst>
-          </p:cNvPr>
-          <p:cNvSpPr/>
-          <p:nvPr/>
-        </p:nvSpPr>
-        <p:spPr>
-          <a:xfrm>
-            <a:off x="4338918" y="4760258"/>
-            <a:ext cx="2160494" cy="376518"/>
-          </a:xfrm>
-          <a:prstGeom prst="rect">
-            <a:avLst/>
-          </a:prstGeom>
-          <a:effectLst>
-            <a:outerShdw blurRad="50800" dist="38100" dir="16200000" rotWithShape="0">
-              <a:prstClr val="black">
-                <a:alpha val="40000"/>
-              </a:prstClr>
-            </a:outerShdw>
-          </a:effectLst>
-        </p:spPr>
-        <p:style>
-          <a:lnRef idx="1">
-            <a:schemeClr val="accent5"/>
-          </a:lnRef>
-          <a:fillRef idx="2">
-            <a:schemeClr val="accent5"/>
-          </a:fillRef>
-          <a:effectRef idx="1">
-            <a:schemeClr val="accent5"/>
-          </a:effectRef>
-          <a:fontRef idx="minor">
-            <a:schemeClr val="dk1"/>
-          </a:fontRef>
-        </p:style>
-        <p:txBody>
-          <a:bodyPr rtlCol="0" anchor="ctr"/>
-          <a:lstStyle/>
-          <a:p>
-            <a:pPr algn="ctr"/>
-            <a:r>
-              <a:rPr lang="en-US" dirty="0">
-                <a:hlinkClick r:id="rId2" action="ppaction://hlinksldjump"/>
-              </a:rPr>
-              <a:t>Volver</a:t>
-            </a:r>
-            <a:endParaRPr lang="en-US" dirty="0"/>
-          </a:p>
-        </p:txBody>
-      </p:sp>
-      <p:sp>
-        <p:nvSpPr>
-          <p:cNvPr id="5" name="Rectángulo 4">
-            <a:extLst>
-              <a:ext uri="{FF2B5EF4-FFF2-40B4-BE49-F238E27FC236}">
-                <a16:creationId xmlns:a16="http://schemas.microsoft.com/office/drawing/2014/main" id="{1924E244-99F5-4275-A016-69BC75ABDCDE}"/>
-              </a:ext>
-            </a:extLst>
-          </p:cNvPr>
-          <p:cNvSpPr/>
-          <p:nvPr/>
-        </p:nvSpPr>
-        <p:spPr>
-          <a:xfrm>
-            <a:off x="4890247" y="2259105"/>
-            <a:ext cx="2411506" cy="304800"/>
-          </a:xfrm>
-          <a:prstGeom prst="rect">
-            <a:avLst/>
-          </a:prstGeom>
-        </p:spPr>
-        <p:style>
-          <a:lnRef idx="2">
-            <a:schemeClr val="dk1"/>
-          </a:lnRef>
-          <a:fillRef idx="1">
-            <a:schemeClr val="lt1"/>
-          </a:fillRef>
-          <a:effectRef idx="0">
-            <a:schemeClr val="dk1"/>
-          </a:effectRef>
-          <a:fontRef idx="minor">
-            <a:schemeClr val="dk1"/>
-          </a:fontRef>
-        </p:style>
-        <p:txBody>
-          <a:bodyPr rtlCol="0" anchor="ctr"/>
-          <a:lstStyle/>
-          <a:p>
-            <a:endParaRPr lang="en-US" dirty="0"/>
-          </a:p>
-        </p:txBody>
-      </p:sp>
-      <p:sp>
-        <p:nvSpPr>
-          <p:cNvPr id="6" name="Rectángulo 5">
-            <a:extLst>
-              <a:ext uri="{FF2B5EF4-FFF2-40B4-BE49-F238E27FC236}">
-                <a16:creationId xmlns:a16="http://schemas.microsoft.com/office/drawing/2014/main" id="{99AE7F17-ACC8-4C6C-BE4A-0EB39F763378}"/>
-              </a:ext>
-            </a:extLst>
-          </p:cNvPr>
-          <p:cNvSpPr/>
-          <p:nvPr/>
-        </p:nvSpPr>
-        <p:spPr>
-          <a:xfrm>
-            <a:off x="4890247" y="2873187"/>
-            <a:ext cx="2411506" cy="304800"/>
-          </a:xfrm>
-          <a:prstGeom prst="rect">
-            <a:avLst/>
-          </a:prstGeom>
-        </p:spPr>
-        <p:style>
-          <a:lnRef idx="2">
-            <a:schemeClr val="dk1"/>
-          </a:lnRef>
-          <a:fillRef idx="1">
-            <a:schemeClr val="lt1"/>
-          </a:fillRef>
-          <a:effectRef idx="0">
-            <a:schemeClr val="dk1"/>
-          </a:effectRef>
-          <a:fontRef idx="minor">
-            <a:schemeClr val="dk1"/>
-          </a:fontRef>
-        </p:style>
-        <p:txBody>
-          <a:bodyPr rtlCol="0" anchor="ctr"/>
-          <a:lstStyle/>
-          <a:p>
-            <a:endParaRPr lang="en-US" dirty="0"/>
-          </a:p>
-        </p:txBody>
-      </p:sp>
-      <p:sp>
-        <p:nvSpPr>
-          <p:cNvPr id="7" name="Rectángulo 6">
-            <a:extLst>
-              <a:ext uri="{FF2B5EF4-FFF2-40B4-BE49-F238E27FC236}">
-                <a16:creationId xmlns:a16="http://schemas.microsoft.com/office/drawing/2014/main" id="{0DC5DC79-6272-4216-85BD-C3E731824FB6}"/>
-              </a:ext>
-            </a:extLst>
-          </p:cNvPr>
-          <p:cNvSpPr/>
-          <p:nvPr/>
-        </p:nvSpPr>
-        <p:spPr>
-          <a:xfrm>
-            <a:off x="4890247" y="3402106"/>
-            <a:ext cx="2411506" cy="304800"/>
-          </a:xfrm>
-          <a:prstGeom prst="rect">
-            <a:avLst/>
-          </a:prstGeom>
-        </p:spPr>
-        <p:style>
-          <a:lnRef idx="2">
-            <a:schemeClr val="dk1"/>
-          </a:lnRef>
-          <a:fillRef idx="1">
-            <a:schemeClr val="lt1"/>
-          </a:fillRef>
-          <a:effectRef idx="0">
-            <a:schemeClr val="dk1"/>
-          </a:effectRef>
-          <a:fontRef idx="minor">
-            <a:schemeClr val="dk1"/>
-          </a:fontRef>
-        </p:style>
-        <p:txBody>
-          <a:bodyPr rtlCol="0" anchor="ctr"/>
-          <a:lstStyle/>
-          <a:p>
-            <a:endParaRPr lang="en-US" dirty="0"/>
-          </a:p>
-        </p:txBody>
-      </p:sp>
-      <p:sp>
-        <p:nvSpPr>
-          <p:cNvPr id="8" name="Rectángulo 7">
-            <a:extLst>
-              <a:ext uri="{FF2B5EF4-FFF2-40B4-BE49-F238E27FC236}">
-                <a16:creationId xmlns:a16="http://schemas.microsoft.com/office/drawing/2014/main" id="{66710C68-775E-4E2D-81A4-6CD18323FBDF}"/>
-              </a:ext>
-            </a:extLst>
-          </p:cNvPr>
-          <p:cNvSpPr/>
-          <p:nvPr/>
-        </p:nvSpPr>
-        <p:spPr>
-          <a:xfrm>
-            <a:off x="4890247" y="3962400"/>
-            <a:ext cx="2411506" cy="304800"/>
-          </a:xfrm>
-          <a:prstGeom prst="rect">
-            <a:avLst/>
-          </a:prstGeom>
-        </p:spPr>
-        <p:style>
-          <a:lnRef idx="2">
-            <a:schemeClr val="dk1"/>
-          </a:lnRef>
-          <a:fillRef idx="1">
-            <a:schemeClr val="lt1"/>
-          </a:fillRef>
-          <a:effectRef idx="0">
-            <a:schemeClr val="dk1"/>
-          </a:effectRef>
-          <a:fontRef idx="minor">
-            <a:schemeClr val="dk1"/>
-          </a:fontRef>
-        </p:style>
-        <p:txBody>
-          <a:bodyPr rtlCol="0" anchor="ctr"/>
-          <a:lstStyle/>
-          <a:p>
-            <a:endParaRPr lang="en-US" dirty="0"/>
-          </a:p>
-        </p:txBody>
-      </p:sp>
-      <p:sp>
-        <p:nvSpPr>
-          <p:cNvPr id="9" name="Rectángulo 8">
-            <a:extLst>
-              <a:ext uri="{FF2B5EF4-FFF2-40B4-BE49-F238E27FC236}">
-                <a16:creationId xmlns:a16="http://schemas.microsoft.com/office/drawing/2014/main" id="{03AAA3A9-BE7D-46EC-AE5F-74154A78C707}"/>
-              </a:ext>
-            </a:extLst>
-          </p:cNvPr>
-          <p:cNvSpPr/>
-          <p:nvPr/>
-        </p:nvSpPr>
-        <p:spPr>
-          <a:xfrm>
-            <a:off x="4890247" y="1713377"/>
-            <a:ext cx="2411506" cy="304800"/>
-          </a:xfrm>
-          <a:prstGeom prst="rect">
-            <a:avLst/>
-          </a:prstGeom>
-        </p:spPr>
-        <p:style>
-          <a:lnRef idx="2">
-            <a:schemeClr val="dk1"/>
-          </a:lnRef>
-          <a:fillRef idx="1">
-            <a:schemeClr val="lt1"/>
-          </a:fillRef>
-          <a:effectRef idx="0">
-            <a:schemeClr val="dk1"/>
-          </a:effectRef>
-          <a:fontRef idx="minor">
-            <a:schemeClr val="dk1"/>
-          </a:fontRef>
-        </p:style>
-        <p:txBody>
-          <a:bodyPr rtlCol="0" anchor="ctr"/>
-          <a:lstStyle/>
-          <a:p>
-            <a:endParaRPr lang="en-US" dirty="0"/>
-          </a:p>
-        </p:txBody>
-      </p:sp>
-      <p:sp>
-        <p:nvSpPr>
-          <p:cNvPr id="10" name="Rectángulo 9">
-            <a:extLst>
-              <a:ext uri="{FF2B5EF4-FFF2-40B4-BE49-F238E27FC236}">
-                <a16:creationId xmlns:a16="http://schemas.microsoft.com/office/drawing/2014/main" id="{3F9110C7-D50A-48C4-B16A-38ABA14BF47B}"/>
-              </a:ext>
-            </a:extLst>
-          </p:cNvPr>
-          <p:cNvSpPr/>
-          <p:nvPr/>
-        </p:nvSpPr>
-        <p:spPr>
-          <a:xfrm>
-            <a:off x="2254624" y="810183"/>
-            <a:ext cx="6329082" cy="510989"/>
-          </a:xfrm>
-          <a:prstGeom prst="rect">
-            <a:avLst/>
-          </a:prstGeom>
-          <a:noFill/>
-          <a:ln>
-            <a:noFill/>
-          </a:ln>
-        </p:spPr>
-        <p:style>
-          <a:lnRef idx="0">
-            <a:scrgbClr r="0" g="0" b="0"/>
-          </a:lnRef>
-          <a:fillRef idx="0">
-            <a:scrgbClr r="0" g="0" b="0"/>
-          </a:fillRef>
-          <a:effectRef idx="0">
-            <a:scrgbClr r="0" g="0" b="0"/>
-          </a:effectRef>
-          <a:fontRef idx="minor">
-            <a:schemeClr val="dk1"/>
-          </a:fontRef>
-        </p:style>
-        <p:txBody>
-          <a:bodyPr rtlCol="0" anchor="ctr"/>
-          <a:lstStyle/>
-          <a:p>
-            <a:pPr algn="ctr"/>
-            <a:r>
-              <a:rPr lang="en-US" dirty="0"/>
-              <a:t>REGISTRAR PERSONAL</a:t>
-            </a:r>
-          </a:p>
-        </p:txBody>
-      </p:sp>
-    </p:spTree>
-    <p:extLst>
-      <p:ext uri="{BB962C8B-B14F-4D97-AF65-F5344CB8AC3E}">
-        <p14:creationId xmlns:p14="http://schemas.microsoft.com/office/powerpoint/2010/main" val="3444881453"/>
-      </p:ext>
-    </p:extLst>
-  </p:cSld>
-  <p:clrMapOvr>
-    <a:masterClrMapping/>
-  </p:clrMapOvr>
-</p:sld>
-</file>
-
-<file path=ppt/slides/slide7.xml><?xml version="1.0" encoding="utf-8"?>
-<p:sld xmlns:a="http://schemas.openxmlformats.org/drawingml/2006/main" xmlns:r="http://schemas.openxmlformats.org/officeDocument/2006/relationships" xmlns:p="http://schemas.openxmlformats.org/presentationml/2006/main">
-  <p:cSld>
-    <p:spTree>
-      <p:nvGrpSpPr>
-        <p:cNvPr id="1" name=""/>
-        <p:cNvGrpSpPr/>
-        <p:nvPr/>
-      </p:nvGrpSpPr>
-      <p:grpSpPr>
-        <a:xfrm>
-          <a:off x="0" y="0"/>
-          <a:ext cx="0" cy="0"/>
-          <a:chOff x="0" y="0"/>
-          <a:chExt cx="0" cy="0"/>
-        </a:xfrm>
-      </p:grpSpPr>
-      <p:sp>
-        <p:nvSpPr>
-          <p:cNvPr id="4" name="Rectángulo: esquinas redondeadas 3">
-            <a:extLst>
-              <a:ext uri="{FF2B5EF4-FFF2-40B4-BE49-F238E27FC236}">
-                <a16:creationId xmlns:a16="http://schemas.microsoft.com/office/drawing/2014/main" id="{1AAEAB9C-EDB1-48B4-A820-903A819C0F94}"/>
-              </a:ext>
-            </a:extLst>
-          </p:cNvPr>
-          <p:cNvSpPr/>
-          <p:nvPr/>
-        </p:nvSpPr>
-        <p:spPr>
-          <a:xfrm>
             <a:off x="3119718" y="744070"/>
             <a:ext cx="4598894" cy="4625789"/>
           </a:xfrm>
@@ -8813,7 +8718,7 @@
 </p:sld>
 </file>
 
-<file path=ppt/slides/slide8.xml><?xml version="1.0" encoding="utf-8"?>
+<file path=ppt/slides/slide7.xml><?xml version="1.0" encoding="utf-8"?>
 <p:sld xmlns:a="http://schemas.openxmlformats.org/drawingml/2006/main" xmlns:r="http://schemas.openxmlformats.org/officeDocument/2006/relationships" xmlns:p="http://schemas.openxmlformats.org/presentationml/2006/main">
   <p:cSld>
     <p:spTree>

--- a/mockup.pptx
+++ b/mockup.pptx
@@ -9,9 +9,9 @@
     <p:sldId id="258" r:id="rId3"/>
     <p:sldId id="261" r:id="rId4"/>
     <p:sldId id="262" r:id="rId5"/>
-    <p:sldId id="263" r:id="rId6"/>
-    <p:sldId id="259" r:id="rId7"/>
-    <p:sldId id="264" r:id="rId8"/>
+    <p:sldId id="264" r:id="rId6"/>
+    <p:sldId id="263" r:id="rId7"/>
+    <p:sldId id="259" r:id="rId8"/>
   </p:sldIdLst>
   <p:sldSz cx="12192000" cy="6858000"/>
   <p:notesSz cx="6858000" cy="9144000"/>
@@ -304,7 +304,7 @@
           <a:p>
             <a:fld id="{4E7A45BC-4217-4436-ACD7-65FEB2A00C97}" type="datetimeFigureOut">
               <a:rPr lang="en-US" smtClean="0"/>
-              <a:t>7/11/2024</a:t>
+              <a:t>7/12/2024</a:t>
             </a:fld>
             <a:endParaRPr lang="en-US"/>
           </a:p>
@@ -579,7 +579,7 @@
           <a:p>
             <a:fld id="{4E7A45BC-4217-4436-ACD7-65FEB2A00C97}" type="datetimeFigureOut">
               <a:rPr lang="en-US" smtClean="0"/>
-              <a:t>7/11/2024</a:t>
+              <a:t>7/12/2024</a:t>
             </a:fld>
             <a:endParaRPr lang="en-US"/>
           </a:p>
@@ -773,7 +773,7 @@
           <a:p>
             <a:fld id="{4E7A45BC-4217-4436-ACD7-65FEB2A00C97}" type="datetimeFigureOut">
               <a:rPr lang="en-US" smtClean="0"/>
-              <a:t>7/11/2024</a:t>
+              <a:t>7/12/2024</a:t>
             </a:fld>
             <a:endParaRPr lang="en-US"/>
           </a:p>
@@ -1044,7 +1044,7 @@
           <a:p>
             <a:fld id="{4E7A45BC-4217-4436-ACD7-65FEB2A00C97}" type="datetimeFigureOut">
               <a:rPr lang="en-US" smtClean="0"/>
-              <a:t>7/11/2024</a:t>
+              <a:t>7/12/2024</a:t>
             </a:fld>
             <a:endParaRPr lang="en-US"/>
           </a:p>
@@ -1371,7 +1371,7 @@
           <a:p>
             <a:fld id="{4E7A45BC-4217-4436-ACD7-65FEB2A00C97}" type="datetimeFigureOut">
               <a:rPr lang="en-US" smtClean="0"/>
-              <a:t>7/11/2024</a:t>
+              <a:t>7/12/2024</a:t>
             </a:fld>
             <a:endParaRPr lang="en-US"/>
           </a:p>
@@ -1990,7 +1990,7 @@
           <a:p>
             <a:fld id="{4E7A45BC-4217-4436-ACD7-65FEB2A00C97}" type="datetimeFigureOut">
               <a:rPr lang="en-US" smtClean="0"/>
-              <a:t>7/11/2024</a:t>
+              <a:t>7/12/2024</a:t>
             </a:fld>
             <a:endParaRPr lang="en-US"/>
           </a:p>
@@ -2837,7 +2837,7 @@
           <a:p>
             <a:fld id="{4E7A45BC-4217-4436-ACD7-65FEB2A00C97}" type="datetimeFigureOut">
               <a:rPr lang="en-US" smtClean="0"/>
-              <a:t>7/11/2024</a:t>
+              <a:t>7/12/2024</a:t>
             </a:fld>
             <a:endParaRPr lang="en-US"/>
           </a:p>
@@ -3007,7 +3007,7 @@
           <a:p>
             <a:fld id="{4E7A45BC-4217-4436-ACD7-65FEB2A00C97}" type="datetimeFigureOut">
               <a:rPr lang="en-US" smtClean="0"/>
-              <a:t>7/11/2024</a:t>
+              <a:t>7/12/2024</a:t>
             </a:fld>
             <a:endParaRPr lang="en-US"/>
           </a:p>
@@ -3187,7 +3187,7 @@
           <a:p>
             <a:fld id="{4E7A45BC-4217-4436-ACD7-65FEB2A00C97}" type="datetimeFigureOut">
               <a:rPr lang="en-US" smtClean="0"/>
-              <a:t>7/11/2024</a:t>
+              <a:t>7/12/2024</a:t>
             </a:fld>
             <a:endParaRPr lang="en-US"/>
           </a:p>
@@ -3357,7 +3357,7 @@
           <a:p>
             <a:fld id="{4E7A45BC-4217-4436-ACD7-65FEB2A00C97}" type="datetimeFigureOut">
               <a:rPr lang="en-US" smtClean="0"/>
-              <a:t>7/11/2024</a:t>
+              <a:t>7/12/2024</a:t>
             </a:fld>
             <a:endParaRPr lang="en-US"/>
           </a:p>
@@ -3604,7 +3604,7 @@
           <a:p>
             <a:fld id="{4E7A45BC-4217-4436-ACD7-65FEB2A00C97}" type="datetimeFigureOut">
               <a:rPr lang="en-US" smtClean="0"/>
-              <a:t>7/11/2024</a:t>
+              <a:t>7/12/2024</a:t>
             </a:fld>
             <a:endParaRPr lang="en-US"/>
           </a:p>
@@ -3896,7 +3896,7 @@
           <a:p>
             <a:fld id="{4E7A45BC-4217-4436-ACD7-65FEB2A00C97}" type="datetimeFigureOut">
               <a:rPr lang="en-US" smtClean="0"/>
-              <a:t>7/11/2024</a:t>
+              <a:t>7/12/2024</a:t>
             </a:fld>
             <a:endParaRPr lang="en-US"/>
           </a:p>
@@ -4340,7 +4340,7 @@
           <a:p>
             <a:fld id="{4E7A45BC-4217-4436-ACD7-65FEB2A00C97}" type="datetimeFigureOut">
               <a:rPr lang="en-US" smtClean="0"/>
-              <a:t>7/11/2024</a:t>
+              <a:t>7/12/2024</a:t>
             </a:fld>
             <a:endParaRPr lang="en-US"/>
           </a:p>
@@ -4458,7 +4458,7 @@
           <a:p>
             <a:fld id="{4E7A45BC-4217-4436-ACD7-65FEB2A00C97}" type="datetimeFigureOut">
               <a:rPr lang="en-US" smtClean="0"/>
-              <a:t>7/11/2024</a:t>
+              <a:t>7/12/2024</a:t>
             </a:fld>
             <a:endParaRPr lang="en-US"/>
           </a:p>
@@ -4553,7 +4553,7 @@
           <a:p>
             <a:fld id="{4E7A45BC-4217-4436-ACD7-65FEB2A00C97}" type="datetimeFigureOut">
               <a:rPr lang="en-US" smtClean="0"/>
-              <a:t>7/11/2024</a:t>
+              <a:t>7/12/2024</a:t>
             </a:fld>
             <a:endParaRPr lang="en-US"/>
           </a:p>
@@ -4832,7 +4832,7 @@
           <a:p>
             <a:fld id="{4E7A45BC-4217-4436-ACD7-65FEB2A00C97}" type="datetimeFigureOut">
               <a:rPr lang="en-US" smtClean="0"/>
-              <a:t>7/11/2024</a:t>
+              <a:t>7/12/2024</a:t>
             </a:fld>
             <a:endParaRPr lang="en-US"/>
           </a:p>
@@ -5107,7 +5107,7 @@
           <a:p>
             <a:fld id="{4E7A45BC-4217-4436-ACD7-65FEB2A00C97}" type="datetimeFigureOut">
               <a:rPr lang="en-US" smtClean="0"/>
-              <a:t>7/11/2024</a:t>
+              <a:t>7/12/2024</a:t>
             </a:fld>
             <a:endParaRPr lang="en-US"/>
           </a:p>
@@ -5530,7 +5530,7 @@
           <a:p>
             <a:fld id="{4E7A45BC-4217-4436-ACD7-65FEB2A00C97}" type="datetimeFigureOut">
               <a:rPr lang="en-US" smtClean="0"/>
-              <a:t>7/11/2024</a:t>
+              <a:t>7/12/2024</a:t>
             </a:fld>
             <a:endParaRPr lang="en-US"/>
           </a:p>
@@ -6072,8 +6072,8 @@
         </p:nvSpPr>
         <p:spPr>
           <a:xfrm>
-            <a:off x="2250141" y="748553"/>
-            <a:ext cx="6320118" cy="4312024"/>
+            <a:off x="2545976" y="748553"/>
+            <a:ext cx="5844989" cy="4029635"/>
           </a:xfrm>
           <a:prstGeom prst="roundRect">
             <a:avLst/>
@@ -6225,7 +6225,7 @@
         </p:nvSpPr>
         <p:spPr>
           <a:xfrm>
-            <a:off x="2814918" y="3899647"/>
+            <a:off x="3146612" y="3603812"/>
             <a:ext cx="1945341" cy="528918"/>
           </a:xfrm>
           <a:prstGeom prst="flowChartAlternateProcess">
@@ -6282,7 +6282,7 @@
         </p:nvSpPr>
         <p:spPr>
           <a:xfrm>
-            <a:off x="5486402" y="3899647"/>
+            <a:off x="5795682" y="3603813"/>
             <a:ext cx="1945341" cy="528917"/>
           </a:xfrm>
           <a:prstGeom prst="flowChartAlternateProcess">
@@ -6476,10 +6476,15 @@
             <a:endParaRPr lang="en-US" dirty="0"/>
           </a:p>
           <a:p>
-            <a:pPr algn="ctr"/>
             <a:r>
               <a:rPr lang="en-US" dirty="0"/>
-              <a:t>Solo personal Autorizado</a:t>
+              <a:t>Solo personal                Registrar pelicula   </a:t>
+            </a:r>
+          </a:p>
+          <a:p>
+            <a:r>
+              <a:rPr lang="en-US" dirty="0"/>
+              <a:t> Autorizado</a:t>
             </a:r>
           </a:p>
           <a:p>
@@ -6575,6 +6580,13 @@
           <a:prstGeom prst="rect">
             <a:avLst/>
           </a:prstGeom>
+          <a:effectLst>
+            <a:outerShdw blurRad="63500" sx="102000" sy="102000" algn="ctr" rotWithShape="0">
+              <a:prstClr val="black">
+                <a:alpha val="40000"/>
+              </a:prstClr>
+            </a:outerShdw>
+          </a:effectLst>
         </p:spPr>
         <p:style>
           <a:lnRef idx="1">
@@ -6619,12 +6631,19 @@
         </p:nvSpPr>
         <p:spPr>
           <a:xfrm>
-            <a:off x="4964555" y="4087905"/>
+            <a:off x="3621741" y="4087905"/>
             <a:ext cx="1751900" cy="412376"/>
           </a:xfrm>
           <a:prstGeom prst="rect">
             <a:avLst/>
           </a:prstGeom>
+          <a:effectLst>
+            <a:outerShdw blurRad="63500" sx="102000" sy="102000" algn="ctr" rotWithShape="0">
+              <a:prstClr val="black">
+                <a:alpha val="40000"/>
+              </a:prstClr>
+            </a:outerShdw>
+          </a:effectLst>
         </p:spPr>
         <p:style>
           <a:lnRef idx="1">
@@ -6753,6 +6772,63 @@
               <a:rPr lang="en-US" dirty="0"/>
               <a:t>LA CUEVA</a:t>
             </a:r>
+          </a:p>
+        </p:txBody>
+      </p:sp>
+      <p:sp>
+        <p:nvSpPr>
+          <p:cNvPr id="8" name="Rectángulo 7">
+            <a:extLst>
+              <a:ext uri="{FF2B5EF4-FFF2-40B4-BE49-F238E27FC236}">
+                <a16:creationId xmlns:a16="http://schemas.microsoft.com/office/drawing/2014/main" id="{639CC8D8-12D5-4334-BA5C-9E31B6AD6163}"/>
+              </a:ext>
+            </a:extLst>
+          </p:cNvPr>
+          <p:cNvSpPr/>
+          <p:nvPr/>
+        </p:nvSpPr>
+        <p:spPr>
+          <a:xfrm>
+            <a:off x="6159803" y="4020668"/>
+            <a:ext cx="1751900" cy="412376"/>
+          </a:xfrm>
+          <a:prstGeom prst="rect">
+            <a:avLst/>
+          </a:prstGeom>
+          <a:effectLst>
+            <a:outerShdw blurRad="63500" sx="102000" sy="102000" algn="ctr" rotWithShape="0">
+              <a:prstClr val="black">
+                <a:alpha val="40000"/>
+              </a:prstClr>
+            </a:outerShdw>
+          </a:effectLst>
+        </p:spPr>
+        <p:style>
+          <a:lnRef idx="1">
+            <a:schemeClr val="accent5"/>
+          </a:lnRef>
+          <a:fillRef idx="2">
+            <a:schemeClr val="accent5"/>
+          </a:fillRef>
+          <a:effectRef idx="1">
+            <a:schemeClr val="accent5"/>
+          </a:effectRef>
+          <a:fontRef idx="minor">
+            <a:schemeClr val="dk1"/>
+          </a:fontRef>
+        </p:style>
+        <p:txBody>
+          <a:bodyPr rtlCol="0" anchor="ctr"/>
+          <a:lstStyle/>
+          <a:p>
+            <a:pPr algn="ctr"/>
+            <a:r>
+              <a:rPr lang="en-US" dirty="0">
+                <a:hlinkClick r:id="rId5" action="ppaction://hlinksldjump"/>
+              </a:rPr>
+              <a:t>Abrir</a:t>
+            </a:r>
+            <a:endParaRPr lang="en-US" dirty="0"/>
           </a:p>
         </p:txBody>
       </p:sp>
@@ -7353,7 +7429,7 @@
         </p:nvSpPr>
         <p:spPr>
           <a:xfrm>
-            <a:off x="3352799" y="4817407"/>
+            <a:off x="3505199" y="4872305"/>
             <a:ext cx="2160494" cy="376518"/>
           </a:xfrm>
           <a:prstGeom prst="rect">
@@ -7410,7 +7486,7 @@
         </p:nvSpPr>
         <p:spPr>
           <a:xfrm>
-            <a:off x="4911958" y="5461740"/>
+            <a:off x="6096000" y="4872305"/>
             <a:ext cx="1810870" cy="376518"/>
           </a:xfrm>
           <a:prstGeom prst="rect">
@@ -7664,63 +7740,6 @@
           <a:bodyPr rtlCol="0" anchor="ctr"/>
           <a:lstStyle/>
           <a:p>
-            <a:endParaRPr lang="en-US" dirty="0"/>
-          </a:p>
-        </p:txBody>
-      </p:sp>
-      <p:sp>
-        <p:nvSpPr>
-          <p:cNvPr id="11" name="Rectángulo 10">
-            <a:extLst>
-              <a:ext uri="{FF2B5EF4-FFF2-40B4-BE49-F238E27FC236}">
-                <a16:creationId xmlns:a16="http://schemas.microsoft.com/office/drawing/2014/main" id="{49D19358-73EC-480E-B171-F027FE9DCF1E}"/>
-              </a:ext>
-            </a:extLst>
-          </p:cNvPr>
-          <p:cNvSpPr/>
-          <p:nvPr/>
-        </p:nvSpPr>
-        <p:spPr>
-          <a:xfrm>
-            <a:off x="6078070" y="4817407"/>
-            <a:ext cx="2097741" cy="401168"/>
-          </a:xfrm>
-          <a:prstGeom prst="rect">
-            <a:avLst/>
-          </a:prstGeom>
-          <a:effectLst>
-            <a:outerShdw blurRad="63500" sx="102000" sy="102000" algn="ctr" rotWithShape="0">
-              <a:prstClr val="black">
-                <a:alpha val="40000"/>
-              </a:prstClr>
-            </a:outerShdw>
-          </a:effectLst>
-        </p:spPr>
-        <p:style>
-          <a:lnRef idx="1">
-            <a:schemeClr val="accent5"/>
-          </a:lnRef>
-          <a:fillRef idx="2">
-            <a:schemeClr val="accent5"/>
-          </a:fillRef>
-          <a:effectRef idx="1">
-            <a:schemeClr val="accent5"/>
-          </a:effectRef>
-          <a:fontRef idx="minor">
-            <a:schemeClr val="dk1"/>
-          </a:fontRef>
-        </p:style>
-        <p:txBody>
-          <a:bodyPr rtlCol="0" anchor="ctr"/>
-          <a:lstStyle/>
-          <a:p>
-            <a:pPr algn="ctr"/>
-            <a:r>
-              <a:rPr lang="en-US" dirty="0">
-                <a:hlinkClick r:id="rId4" action="ppaction://hlinksldjump"/>
-              </a:rPr>
-              <a:t>Registrar pelicula</a:t>
-            </a:r>
             <a:endParaRPr lang="en-US" dirty="0"/>
           </a:p>
         </p:txBody>
@@ -7808,10 +7827,10 @@
       </p:grpSpPr>
       <p:sp>
         <p:nvSpPr>
-          <p:cNvPr id="4" name="Rectángulo: esquinas redondeadas 3">
+          <p:cNvPr id="6" name="Rectángulo: esquinas redondeadas 5">
             <a:extLst>
               <a:ext uri="{FF2B5EF4-FFF2-40B4-BE49-F238E27FC236}">
-                <a16:creationId xmlns:a16="http://schemas.microsoft.com/office/drawing/2014/main" id="{1AAEAB9C-EDB1-48B4-A820-903A819C0F94}"/>
+                <a16:creationId xmlns:a16="http://schemas.microsoft.com/office/drawing/2014/main" id="{9FE10C74-F311-4BE4-B1A9-F6195BD0FC4D}"/>
               </a:ext>
             </a:extLst>
           </p:cNvPr>
@@ -7820,8 +7839,8 @@
         </p:nvSpPr>
         <p:spPr>
           <a:xfrm>
-            <a:off x="3119718" y="779928"/>
-            <a:ext cx="4598894" cy="5002306"/>
+            <a:off x="2250141" y="748553"/>
+            <a:ext cx="6320118" cy="4312024"/>
           </a:xfrm>
           <a:prstGeom prst="roundRect">
             <a:avLst/>
@@ -7845,13 +7864,13 @@
           <a:bodyPr rtlCol="0" anchor="ctr"/>
           <a:lstStyle/>
           <a:p>
-            <a:endParaRPr lang="en-US" dirty="0"/>
-          </a:p>
-          <a:p>
             <a:r>
               <a:rPr lang="en-US" dirty="0"/>
-              <a:t>Nombre</a:t>
-            </a:r>
+              <a:t>Usuario</a:t>
+            </a:r>
+          </a:p>
+          <a:p>
+            <a:endParaRPr lang="en-US" dirty="0"/>
           </a:p>
           <a:p>
             <a:endParaRPr lang="en-US" dirty="0"/>
@@ -7859,56 +7878,23 @@
           <a:p>
             <a:r>
               <a:rPr lang="en-US" dirty="0"/>
-              <a:t>Ci</a:t>
-            </a:r>
-          </a:p>
-          <a:p>
-            <a:endParaRPr lang="en-US" dirty="0"/>
-          </a:p>
-          <a:p>
-            <a:r>
-              <a:rPr lang="en-US" dirty="0"/>
-              <a:t>Direccion</a:t>
-            </a:r>
-          </a:p>
-          <a:p>
-            <a:endParaRPr lang="en-US" dirty="0"/>
-          </a:p>
-          <a:p>
-            <a:r>
-              <a:rPr lang="en-US" dirty="0"/>
-              <a:t>Telefono</a:t>
-            </a:r>
-          </a:p>
-          <a:p>
-            <a:endParaRPr lang="en-US" dirty="0"/>
-          </a:p>
-          <a:p>
-            <a:r>
-              <a:rPr lang="en-US" dirty="0"/>
-              <a:t>Puesto </a:t>
-            </a:r>
-          </a:p>
-          <a:p>
-            <a:pPr algn="ctr"/>
-            <a:endParaRPr lang="en-US" dirty="0"/>
-          </a:p>
-          <a:p>
-            <a:pPr algn="ctr"/>
-            <a:endParaRPr lang="en-US" dirty="0"/>
-          </a:p>
-          <a:p>
-            <a:pPr algn="ctr"/>
-            <a:endParaRPr lang="en-US" dirty="0"/>
-          </a:p>
-        </p:txBody>
-      </p:sp>
-      <p:sp>
-        <p:nvSpPr>
-          <p:cNvPr id="3" name="Rectángulo 2">
+              <a:t>Contraseña</a:t>
+            </a:r>
+          </a:p>
+          <a:p>
+            <a:endParaRPr lang="en-US" dirty="0"/>
+          </a:p>
+          <a:p>
+            <a:endParaRPr lang="en-US" dirty="0"/>
+          </a:p>
+        </p:txBody>
+      </p:sp>
+      <p:sp>
+        <p:nvSpPr>
+          <p:cNvPr id="7" name="Rectángulo 6">
             <a:extLst>
               <a:ext uri="{FF2B5EF4-FFF2-40B4-BE49-F238E27FC236}">
-                <a16:creationId xmlns:a16="http://schemas.microsoft.com/office/drawing/2014/main" id="{DDB2ECA8-DCC5-4E05-81AD-8E8A7EDDF330}"/>
+                <a16:creationId xmlns:a16="http://schemas.microsoft.com/office/drawing/2014/main" id="{BBCD5DC2-31A1-4D9B-A300-7E3F5B6F43AE}"/>
               </a:ext>
             </a:extLst>
           </p:cNvPr>
@@ -7917,14 +7903,103 @@
         </p:nvSpPr>
         <p:spPr>
           <a:xfrm>
-            <a:off x="4338918" y="4760258"/>
-            <a:ext cx="2160494" cy="376518"/>
+            <a:off x="4356847" y="2061883"/>
+            <a:ext cx="2411506" cy="304800"/>
           </a:xfrm>
           <a:prstGeom prst="rect">
             <a:avLst/>
           </a:prstGeom>
+        </p:spPr>
+        <p:style>
+          <a:lnRef idx="2">
+            <a:schemeClr val="dk1"/>
+          </a:lnRef>
+          <a:fillRef idx="1">
+            <a:schemeClr val="lt1"/>
+          </a:fillRef>
+          <a:effectRef idx="0">
+            <a:schemeClr val="dk1"/>
+          </a:effectRef>
+          <a:fontRef idx="minor">
+            <a:schemeClr val="dk1"/>
+          </a:fontRef>
+        </p:style>
+        <p:txBody>
+          <a:bodyPr rtlCol="0" anchor="ctr"/>
+          <a:lstStyle/>
+          <a:p>
+            <a:pPr algn="ctr"/>
+            <a:endParaRPr lang="en-US"/>
+          </a:p>
+        </p:txBody>
+      </p:sp>
+      <p:sp>
+        <p:nvSpPr>
+          <p:cNvPr id="8" name="Rectángulo 7">
+            <a:extLst>
+              <a:ext uri="{FF2B5EF4-FFF2-40B4-BE49-F238E27FC236}">
+                <a16:creationId xmlns:a16="http://schemas.microsoft.com/office/drawing/2014/main" id="{2F445F5C-16BA-413C-BD44-633D20A6AE1B}"/>
+              </a:ext>
+            </a:extLst>
+          </p:cNvPr>
+          <p:cNvSpPr/>
+          <p:nvPr/>
+        </p:nvSpPr>
+        <p:spPr>
+          <a:xfrm>
+            <a:off x="4356848" y="2904565"/>
+            <a:ext cx="2411506" cy="304800"/>
+          </a:xfrm>
+          <a:prstGeom prst="rect">
+            <a:avLst/>
+          </a:prstGeom>
+        </p:spPr>
+        <p:style>
+          <a:lnRef idx="2">
+            <a:schemeClr val="dk1"/>
+          </a:lnRef>
+          <a:fillRef idx="1">
+            <a:schemeClr val="lt1"/>
+          </a:fillRef>
+          <a:effectRef idx="0">
+            <a:schemeClr val="dk1"/>
+          </a:effectRef>
+          <a:fontRef idx="minor">
+            <a:schemeClr val="dk1"/>
+          </a:fontRef>
+        </p:style>
+        <p:txBody>
+          <a:bodyPr rtlCol="0" anchor="ctr"/>
+          <a:lstStyle/>
+          <a:p>
+            <a:pPr algn="ctr"/>
+            <a:endParaRPr lang="en-US"/>
+          </a:p>
+        </p:txBody>
+      </p:sp>
+      <p:sp>
+        <p:nvSpPr>
+          <p:cNvPr id="9" name="Diagrama de flujo: proceso alternativo 8">
+            <a:hlinkClick r:id="rId2" action="ppaction://hlinksldjump"/>
+            <a:extLst>
+              <a:ext uri="{FF2B5EF4-FFF2-40B4-BE49-F238E27FC236}">
+                <a16:creationId xmlns:a16="http://schemas.microsoft.com/office/drawing/2014/main" id="{D747122D-CB24-46B8-8651-5438C87871CF}"/>
+              </a:ext>
+            </a:extLst>
+          </p:cNvPr>
+          <p:cNvSpPr/>
+          <p:nvPr/>
+        </p:nvSpPr>
+        <p:spPr>
+          <a:xfrm>
+            <a:off x="2814918" y="3899647"/>
+            <a:ext cx="1945341" cy="528918"/>
+          </a:xfrm>
+          <a:prstGeom prst="flowChartAlternateProcess">
+            <a:avLst/>
+          </a:prstGeom>
           <a:effectLst>
-            <a:outerShdw blurRad="50800" dist="38100" dir="16200000" rotWithShape="0">
+            <a:outerShdw blurRad="63500" sx="102000" sy="102000" algn="ctr" rotWithShape="0">
               <a:prstClr val="black">
                 <a:alpha val="40000"/>
               </a:prstClr>
@@ -7952,20 +8027,20 @@
             <a:pPr algn="ctr"/>
             <a:r>
               <a:rPr lang="en-US" dirty="0">
-                <a:hlinkClick r:id="rId2" action="ppaction://hlinksldjump"/>
+                <a:hlinkClick r:id="rId3" action="ppaction://hlinksldjump"/>
               </a:rPr>
-              <a:t>Volver</a:t>
-            </a:r>
-            <a:endParaRPr lang="en-US" dirty="0"/>
-          </a:p>
-        </p:txBody>
-      </p:sp>
-      <p:sp>
-        <p:nvSpPr>
-          <p:cNvPr id="5" name="Rectángulo 4">
+              <a:t>Iniciar sessicion</a:t>
+            </a:r>
+            <a:endParaRPr lang="en-US" dirty="0"/>
+          </a:p>
+        </p:txBody>
+      </p:sp>
+      <p:sp>
+        <p:nvSpPr>
+          <p:cNvPr id="10" name="Diagrama de flujo: proceso alternativo 9">
             <a:extLst>
               <a:ext uri="{FF2B5EF4-FFF2-40B4-BE49-F238E27FC236}">
-                <a16:creationId xmlns:a16="http://schemas.microsoft.com/office/drawing/2014/main" id="{1924E244-99F5-4275-A016-69BC75ABDCDE}"/>
+                <a16:creationId xmlns:a16="http://schemas.microsoft.com/office/drawing/2014/main" id="{C277459C-1FA4-4199-B46D-7092D990FE3D}"/>
               </a:ext>
             </a:extLst>
           </p:cNvPr>
@@ -7974,22 +8049,29 @@
         </p:nvSpPr>
         <p:spPr>
           <a:xfrm>
-            <a:off x="4890247" y="2259105"/>
-            <a:ext cx="2411506" cy="304800"/>
-          </a:xfrm>
-          <a:prstGeom prst="rect">
+            <a:off x="5486402" y="3899647"/>
+            <a:ext cx="1945341" cy="528917"/>
+          </a:xfrm>
+          <a:prstGeom prst="flowChartAlternateProcess">
             <a:avLst/>
           </a:prstGeom>
+          <a:effectLst>
+            <a:outerShdw blurRad="63500" sx="102000" sy="102000" algn="ctr" rotWithShape="0">
+              <a:prstClr val="black">
+                <a:alpha val="40000"/>
+              </a:prstClr>
+            </a:outerShdw>
+          </a:effectLst>
         </p:spPr>
         <p:style>
-          <a:lnRef idx="2">
-            <a:schemeClr val="dk1"/>
+          <a:lnRef idx="1">
+            <a:schemeClr val="accent5"/>
           </a:lnRef>
-          <a:fillRef idx="1">
-            <a:schemeClr val="lt1"/>
+          <a:fillRef idx="2">
+            <a:schemeClr val="accent5"/>
           </a:fillRef>
-          <a:effectRef idx="0">
-            <a:schemeClr val="dk1"/>
+          <a:effectRef idx="1">
+            <a:schemeClr val="accent5"/>
           </a:effectRef>
           <a:fontRef idx="minor">
             <a:schemeClr val="dk1"/>
@@ -7999,16 +8081,23 @@
           <a:bodyPr rtlCol="0" anchor="ctr"/>
           <a:lstStyle/>
           <a:p>
-            <a:endParaRPr lang="en-US" dirty="0"/>
-          </a:p>
-        </p:txBody>
-      </p:sp>
-      <p:sp>
-        <p:nvSpPr>
-          <p:cNvPr id="6" name="Rectángulo 5">
+            <a:pPr algn="ctr"/>
+            <a:r>
+              <a:rPr lang="en-US" dirty="0">
+                <a:hlinkClick r:id="rId2" action="ppaction://hlinksldjump"/>
+              </a:rPr>
+              <a:t>Volver</a:t>
+            </a:r>
+            <a:endParaRPr lang="en-US" dirty="0"/>
+          </a:p>
+        </p:txBody>
+      </p:sp>
+      <p:sp>
+        <p:nvSpPr>
+          <p:cNvPr id="2" name="Rectángulo 1">
             <a:extLst>
               <a:ext uri="{FF2B5EF4-FFF2-40B4-BE49-F238E27FC236}">
-                <a16:creationId xmlns:a16="http://schemas.microsoft.com/office/drawing/2014/main" id="{99AE7F17-ACC8-4C6C-BE4A-0EB39F763378}"/>
+                <a16:creationId xmlns:a16="http://schemas.microsoft.com/office/drawing/2014/main" id="{7F2E1F5A-CAB5-4F28-B8AF-9BDA80AB59B2}"/>
               </a:ext>
             </a:extLst>
           </p:cNvPr>
@@ -8017,180 +8106,8 @@
         </p:nvSpPr>
         <p:spPr>
           <a:xfrm>
-            <a:off x="4890247" y="2873187"/>
-            <a:ext cx="2411506" cy="304800"/>
-          </a:xfrm>
-          <a:prstGeom prst="rect">
-            <a:avLst/>
-          </a:prstGeom>
-        </p:spPr>
-        <p:style>
-          <a:lnRef idx="2">
-            <a:schemeClr val="dk1"/>
-          </a:lnRef>
-          <a:fillRef idx="1">
-            <a:schemeClr val="lt1"/>
-          </a:fillRef>
-          <a:effectRef idx="0">
-            <a:schemeClr val="dk1"/>
-          </a:effectRef>
-          <a:fontRef idx="minor">
-            <a:schemeClr val="dk1"/>
-          </a:fontRef>
-        </p:style>
-        <p:txBody>
-          <a:bodyPr rtlCol="0" anchor="ctr"/>
-          <a:lstStyle/>
-          <a:p>
-            <a:endParaRPr lang="en-US" dirty="0"/>
-          </a:p>
-        </p:txBody>
-      </p:sp>
-      <p:sp>
-        <p:nvSpPr>
-          <p:cNvPr id="7" name="Rectángulo 6">
-            <a:extLst>
-              <a:ext uri="{FF2B5EF4-FFF2-40B4-BE49-F238E27FC236}">
-                <a16:creationId xmlns:a16="http://schemas.microsoft.com/office/drawing/2014/main" id="{0DC5DC79-6272-4216-85BD-C3E731824FB6}"/>
-              </a:ext>
-            </a:extLst>
-          </p:cNvPr>
-          <p:cNvSpPr/>
-          <p:nvPr/>
-        </p:nvSpPr>
-        <p:spPr>
-          <a:xfrm>
-            <a:off x="4890247" y="3402106"/>
-            <a:ext cx="2411506" cy="304800"/>
-          </a:xfrm>
-          <a:prstGeom prst="rect">
-            <a:avLst/>
-          </a:prstGeom>
-        </p:spPr>
-        <p:style>
-          <a:lnRef idx="2">
-            <a:schemeClr val="dk1"/>
-          </a:lnRef>
-          <a:fillRef idx="1">
-            <a:schemeClr val="lt1"/>
-          </a:fillRef>
-          <a:effectRef idx="0">
-            <a:schemeClr val="dk1"/>
-          </a:effectRef>
-          <a:fontRef idx="minor">
-            <a:schemeClr val="dk1"/>
-          </a:fontRef>
-        </p:style>
-        <p:txBody>
-          <a:bodyPr rtlCol="0" anchor="ctr"/>
-          <a:lstStyle/>
-          <a:p>
-            <a:endParaRPr lang="en-US" dirty="0"/>
-          </a:p>
-        </p:txBody>
-      </p:sp>
-      <p:sp>
-        <p:nvSpPr>
-          <p:cNvPr id="8" name="Rectángulo 7">
-            <a:extLst>
-              <a:ext uri="{FF2B5EF4-FFF2-40B4-BE49-F238E27FC236}">
-                <a16:creationId xmlns:a16="http://schemas.microsoft.com/office/drawing/2014/main" id="{66710C68-775E-4E2D-81A4-6CD18323FBDF}"/>
-              </a:ext>
-            </a:extLst>
-          </p:cNvPr>
-          <p:cNvSpPr/>
-          <p:nvPr/>
-        </p:nvSpPr>
-        <p:spPr>
-          <a:xfrm>
-            <a:off x="4890247" y="3962400"/>
-            <a:ext cx="2411506" cy="304800"/>
-          </a:xfrm>
-          <a:prstGeom prst="rect">
-            <a:avLst/>
-          </a:prstGeom>
-        </p:spPr>
-        <p:style>
-          <a:lnRef idx="2">
-            <a:schemeClr val="dk1"/>
-          </a:lnRef>
-          <a:fillRef idx="1">
-            <a:schemeClr val="lt1"/>
-          </a:fillRef>
-          <a:effectRef idx="0">
-            <a:schemeClr val="dk1"/>
-          </a:effectRef>
-          <a:fontRef idx="minor">
-            <a:schemeClr val="dk1"/>
-          </a:fontRef>
-        </p:style>
-        <p:txBody>
-          <a:bodyPr rtlCol="0" anchor="ctr"/>
-          <a:lstStyle/>
-          <a:p>
-            <a:endParaRPr lang="en-US" dirty="0"/>
-          </a:p>
-        </p:txBody>
-      </p:sp>
-      <p:sp>
-        <p:nvSpPr>
-          <p:cNvPr id="9" name="Rectángulo 8">
-            <a:extLst>
-              <a:ext uri="{FF2B5EF4-FFF2-40B4-BE49-F238E27FC236}">
-                <a16:creationId xmlns:a16="http://schemas.microsoft.com/office/drawing/2014/main" id="{03AAA3A9-BE7D-46EC-AE5F-74154A78C707}"/>
-              </a:ext>
-            </a:extLst>
-          </p:cNvPr>
-          <p:cNvSpPr/>
-          <p:nvPr/>
-        </p:nvSpPr>
-        <p:spPr>
-          <a:xfrm>
-            <a:off x="4890247" y="1713377"/>
-            <a:ext cx="2411506" cy="304800"/>
-          </a:xfrm>
-          <a:prstGeom prst="rect">
-            <a:avLst/>
-          </a:prstGeom>
-        </p:spPr>
-        <p:style>
-          <a:lnRef idx="2">
-            <a:schemeClr val="dk1"/>
-          </a:lnRef>
-          <a:fillRef idx="1">
-            <a:schemeClr val="lt1"/>
-          </a:fillRef>
-          <a:effectRef idx="0">
-            <a:schemeClr val="dk1"/>
-          </a:effectRef>
-          <a:fontRef idx="minor">
-            <a:schemeClr val="dk1"/>
-          </a:fontRef>
-        </p:style>
-        <p:txBody>
-          <a:bodyPr rtlCol="0" anchor="ctr"/>
-          <a:lstStyle/>
-          <a:p>
-            <a:endParaRPr lang="en-US" dirty="0"/>
-          </a:p>
-        </p:txBody>
-      </p:sp>
-      <p:sp>
-        <p:nvSpPr>
-          <p:cNvPr id="10" name="Rectángulo 9">
-            <a:extLst>
-              <a:ext uri="{FF2B5EF4-FFF2-40B4-BE49-F238E27FC236}">
-                <a16:creationId xmlns:a16="http://schemas.microsoft.com/office/drawing/2014/main" id="{3F9110C7-D50A-48C4-B16A-38ABA14BF47B}"/>
-              </a:ext>
-            </a:extLst>
-          </p:cNvPr>
-          <p:cNvSpPr/>
-          <p:nvPr/>
-        </p:nvSpPr>
-        <p:spPr>
-          <a:xfrm>
-            <a:off x="2254624" y="810183"/>
-            <a:ext cx="6329082" cy="510989"/>
+            <a:off x="2259106" y="797858"/>
+            <a:ext cx="5961529" cy="528918"/>
           </a:xfrm>
           <a:prstGeom prst="rect">
             <a:avLst/>
@@ -8219,9 +8136,57 @@
           <a:lstStyle/>
           <a:p>
             <a:pPr algn="ctr"/>
+            <a:endParaRPr lang="en-US"/>
+          </a:p>
+        </p:txBody>
+      </p:sp>
+      <p:sp>
+        <p:nvSpPr>
+          <p:cNvPr id="3" name="Rectángulo 2">
+            <a:extLst>
+              <a:ext uri="{FF2B5EF4-FFF2-40B4-BE49-F238E27FC236}">
+                <a16:creationId xmlns:a16="http://schemas.microsoft.com/office/drawing/2014/main" id="{B931A618-ADEF-4F91-B9BF-CA9C2214FFEB}"/>
+              </a:ext>
+            </a:extLst>
+          </p:cNvPr>
+          <p:cNvSpPr/>
+          <p:nvPr/>
+        </p:nvSpPr>
+        <p:spPr>
+          <a:xfrm>
+            <a:off x="2259106" y="748553"/>
+            <a:ext cx="6329082" cy="510989"/>
+          </a:xfrm>
+          <a:prstGeom prst="rect">
+            <a:avLst/>
+          </a:prstGeom>
+          <a:noFill/>
+          <a:ln>
+            <a:noFill/>
+          </a:ln>
+        </p:spPr>
+        <p:style>
+          <a:lnRef idx="0">
+            <a:scrgbClr r="0" g="0" b="0"/>
+          </a:lnRef>
+          <a:fillRef idx="0">
+            <a:scrgbClr r="0" g="0" b="0"/>
+          </a:fillRef>
+          <a:effectRef idx="0">
+            <a:scrgbClr r="0" g="0" b="0"/>
+          </a:effectRef>
+          <a:fontRef idx="minor">
+            <a:schemeClr val="dk1"/>
+          </a:fontRef>
+        </p:style>
+        <p:txBody>
+          <a:bodyPr rtlCol="0" anchor="ctr"/>
+          <a:lstStyle/>
+          <a:p>
+            <a:pPr algn="ctr"/>
             <a:r>
               <a:rPr lang="en-US" dirty="0"/>
-              <a:t>REGISTRAR PERSONAL</a:t>
+              <a:t>Personal Autorizado</a:t>
             </a:r>
           </a:p>
         </p:txBody>
@@ -8229,7 +8194,7 @@
     </p:spTree>
     <p:extLst>
       <p:ext uri="{BB962C8B-B14F-4D97-AF65-F5344CB8AC3E}">
-        <p14:creationId xmlns:p14="http://schemas.microsoft.com/office/powerpoint/2010/main" val="3444881453"/>
+        <p14:creationId xmlns:p14="http://schemas.microsoft.com/office/powerpoint/2010/main" val="1418346666"/>
       </p:ext>
     </p:extLst>
   </p:cSld>
@@ -8270,8 +8235,8 @@
         </p:nvSpPr>
         <p:spPr>
           <a:xfrm>
-            <a:off x="3119718" y="744070"/>
-            <a:ext cx="4598894" cy="4625789"/>
+            <a:off x="3119718" y="779928"/>
+            <a:ext cx="4598894" cy="5002306"/>
           </a:xfrm>
           <a:prstGeom prst="roundRect">
             <a:avLst/>
@@ -8300,7 +8265,7 @@
           <a:p>
             <a:r>
               <a:rPr lang="en-US" dirty="0"/>
-              <a:t>Titulo</a:t>
+              <a:t>Nombre</a:t>
             </a:r>
           </a:p>
           <a:p>
@@ -8309,7 +8274,7 @@
           <a:p>
             <a:r>
               <a:rPr lang="en-US" dirty="0"/>
-              <a:t>Genero</a:t>
+              <a:t>Ci</a:t>
             </a:r>
           </a:p>
           <a:p>
@@ -8318,7 +8283,7 @@
           <a:p>
             <a:r>
               <a:rPr lang="en-US" dirty="0"/>
-              <a:t>Duracion</a:t>
+              <a:t>Direccion</a:t>
             </a:r>
           </a:p>
           <a:p>
@@ -8327,7 +8292,16 @@
           <a:p>
             <a:r>
               <a:rPr lang="en-US" dirty="0"/>
-              <a:t>Año</a:t>
+              <a:t>Telefono</a:t>
+            </a:r>
+          </a:p>
+          <a:p>
+            <a:endParaRPr lang="en-US" dirty="0"/>
+          </a:p>
+          <a:p>
+            <a:r>
+              <a:rPr lang="en-US" dirty="0"/>
+              <a:t>Puesto </a:t>
             </a:r>
           </a:p>
           <a:p>
@@ -8342,18 +8316,14 @@
             <a:pPr algn="ctr"/>
             <a:endParaRPr lang="en-US" dirty="0"/>
           </a:p>
-          <a:p>
-            <a:pPr algn="ctr"/>
-            <a:endParaRPr lang="en-US" dirty="0"/>
-          </a:p>
-        </p:txBody>
-      </p:sp>
-      <p:sp>
-        <p:nvSpPr>
-          <p:cNvPr id="5" name="Rectángulo 4">
+        </p:txBody>
+      </p:sp>
+      <p:sp>
+        <p:nvSpPr>
+          <p:cNvPr id="3" name="Rectángulo 2">
             <a:extLst>
               <a:ext uri="{FF2B5EF4-FFF2-40B4-BE49-F238E27FC236}">
-                <a16:creationId xmlns:a16="http://schemas.microsoft.com/office/drawing/2014/main" id="{E561F767-04F0-4AEC-94CA-B598E3FF48C2}"/>
+                <a16:creationId xmlns:a16="http://schemas.microsoft.com/office/drawing/2014/main" id="{DDB2ECA8-DCC5-4E05-81AD-8E8A7EDDF330}"/>
               </a:ext>
             </a:extLst>
           </p:cNvPr>
@@ -8362,14 +8332,14 @@
         </p:nvSpPr>
         <p:spPr>
           <a:xfrm>
-            <a:off x="3558985" y="4267198"/>
-            <a:ext cx="1595721" cy="376518"/>
+            <a:off x="4338918" y="4760258"/>
+            <a:ext cx="2160494" cy="376518"/>
           </a:xfrm>
           <a:prstGeom prst="rect">
             <a:avLst/>
           </a:prstGeom>
           <a:effectLst>
-            <a:outerShdw blurRad="50800" dist="38100" dir="5400000" algn="t" rotWithShape="0">
+            <a:outerShdw blurRad="50800" dist="38100" dir="16200000" rotWithShape="0">
               <a:prstClr val="black">
                 <a:alpha val="40000"/>
               </a:prstClr>
@@ -8396,18 +8366,21 @@
           <a:p>
             <a:pPr algn="ctr"/>
             <a:r>
-              <a:rPr lang="en-US" dirty="0"/>
-              <a:t>Registrar</a:t>
-            </a:r>
-          </a:p>
-        </p:txBody>
-      </p:sp>
-      <p:sp>
-        <p:nvSpPr>
-          <p:cNvPr id="6" name="Rectángulo 5">
+              <a:rPr lang="en-US" dirty="0">
+                <a:hlinkClick r:id="rId2" action="ppaction://hlinksldjump"/>
+              </a:rPr>
+              <a:t>Volver</a:t>
+            </a:r>
+            <a:endParaRPr lang="en-US" dirty="0"/>
+          </a:p>
+        </p:txBody>
+      </p:sp>
+      <p:sp>
+        <p:nvSpPr>
+          <p:cNvPr id="5" name="Rectángulo 4">
             <a:extLst>
               <a:ext uri="{FF2B5EF4-FFF2-40B4-BE49-F238E27FC236}">
-                <a16:creationId xmlns:a16="http://schemas.microsoft.com/office/drawing/2014/main" id="{49F923C0-CC69-4890-901C-3C3C423A8FD1}"/>
+                <a16:creationId xmlns:a16="http://schemas.microsoft.com/office/drawing/2014/main" id="{1924E244-99F5-4275-A016-69BC75ABDCDE}"/>
               </a:ext>
             </a:extLst>
           </p:cNvPr>
@@ -8416,29 +8389,22 @@
         </p:nvSpPr>
         <p:spPr>
           <a:xfrm>
-            <a:off x="5638798" y="4267198"/>
-            <a:ext cx="1775014" cy="376518"/>
+            <a:off x="4890247" y="2259105"/>
+            <a:ext cx="2411506" cy="304800"/>
           </a:xfrm>
           <a:prstGeom prst="rect">
             <a:avLst/>
           </a:prstGeom>
-          <a:effectLst>
-            <a:outerShdw blurRad="63500" sx="102000" sy="102000" algn="ctr" rotWithShape="0">
-              <a:prstClr val="black">
-                <a:alpha val="40000"/>
-              </a:prstClr>
-            </a:outerShdw>
-          </a:effectLst>
         </p:spPr>
         <p:style>
-          <a:lnRef idx="1">
-            <a:schemeClr val="accent5"/>
+          <a:lnRef idx="2">
+            <a:schemeClr val="dk1"/>
           </a:lnRef>
-          <a:fillRef idx="2">
-            <a:schemeClr val="accent5"/>
+          <a:fillRef idx="1">
+            <a:schemeClr val="lt1"/>
           </a:fillRef>
-          <a:effectRef idx="1">
-            <a:schemeClr val="accent5"/>
+          <a:effectRef idx="0">
+            <a:schemeClr val="dk1"/>
           </a:effectRef>
           <a:fontRef idx="minor">
             <a:schemeClr val="dk1"/>
@@ -8448,46 +8414,16 @@
           <a:bodyPr rtlCol="0" anchor="ctr"/>
           <a:lstStyle/>
           <a:p>
-            <a:pPr algn="ctr"/>
-            <a:r>
-              <a:rPr lang="en-US" dirty="0">
-                <a:ln w="0"/>
-                <a:solidFill>
-                  <a:schemeClr val="accent1"/>
-                </a:solidFill>
-                <a:effectLst>
-                  <a:outerShdw blurRad="38100" dist="25400" dir="5400000" algn="ctr" rotWithShape="0">
-                    <a:srgbClr val="6E747A">
-                      <a:alpha val="43000"/>
-                    </a:srgbClr>
-                  </a:outerShdw>
-                </a:effectLst>
-                <a:hlinkClick r:id="rId2" action="ppaction://hlinksldjump"/>
-              </a:rPr>
-              <a:t>Volver</a:t>
-            </a:r>
-            <a:endParaRPr lang="en-US" dirty="0">
-              <a:ln w="0"/>
-              <a:solidFill>
-                <a:schemeClr val="accent1"/>
-              </a:solidFill>
-              <a:effectLst>
-                <a:outerShdw blurRad="38100" dist="25400" dir="5400000" algn="ctr" rotWithShape="0">
-                  <a:srgbClr val="6E747A">
-                    <a:alpha val="43000"/>
-                  </a:srgbClr>
-                </a:outerShdw>
-              </a:effectLst>
-            </a:endParaRPr>
-          </a:p>
-        </p:txBody>
-      </p:sp>
-      <p:sp>
-        <p:nvSpPr>
-          <p:cNvPr id="7" name="Rectángulo 6">
+            <a:endParaRPr lang="en-US" dirty="0"/>
+          </a:p>
+        </p:txBody>
+      </p:sp>
+      <p:sp>
+        <p:nvSpPr>
+          <p:cNvPr id="6" name="Rectángulo 5">
             <a:extLst>
               <a:ext uri="{FF2B5EF4-FFF2-40B4-BE49-F238E27FC236}">
-                <a16:creationId xmlns:a16="http://schemas.microsoft.com/office/drawing/2014/main" id="{EB6374E4-31E0-4A14-ADA2-9C1C84E5A200}"/>
+                <a16:creationId xmlns:a16="http://schemas.microsoft.com/office/drawing/2014/main" id="{99AE7F17-ACC8-4C6C-BE4A-0EB39F763378}"/>
               </a:ext>
             </a:extLst>
           </p:cNvPr>
@@ -8496,7 +8432,7 @@
         </p:nvSpPr>
         <p:spPr>
           <a:xfrm>
-            <a:off x="4814047" y="1651750"/>
+            <a:off x="4890247" y="2873187"/>
             <a:ext cx="2411506" cy="304800"/>
           </a:xfrm>
           <a:prstGeom prst="rect">
@@ -8527,10 +8463,10 @@
       </p:sp>
       <p:sp>
         <p:nvSpPr>
-          <p:cNvPr id="8" name="Rectángulo 7">
+          <p:cNvPr id="7" name="Rectángulo 6">
             <a:extLst>
               <a:ext uri="{FF2B5EF4-FFF2-40B4-BE49-F238E27FC236}">
-                <a16:creationId xmlns:a16="http://schemas.microsoft.com/office/drawing/2014/main" id="{83658F65-993C-49AD-A594-4812077B5D64}"/>
+                <a16:creationId xmlns:a16="http://schemas.microsoft.com/office/drawing/2014/main" id="{0DC5DC79-6272-4216-85BD-C3E731824FB6}"/>
               </a:ext>
             </a:extLst>
           </p:cNvPr>
@@ -8539,7 +8475,7 @@
         </p:nvSpPr>
         <p:spPr>
           <a:xfrm>
-            <a:off x="4814047" y="2196358"/>
+            <a:off x="4890247" y="3402106"/>
             <a:ext cx="2411506" cy="304800"/>
           </a:xfrm>
           <a:prstGeom prst="rect">
@@ -8570,10 +8506,10 @@
       </p:sp>
       <p:sp>
         <p:nvSpPr>
-          <p:cNvPr id="9" name="Rectángulo 8">
+          <p:cNvPr id="8" name="Rectángulo 7">
             <a:extLst>
               <a:ext uri="{FF2B5EF4-FFF2-40B4-BE49-F238E27FC236}">
-                <a16:creationId xmlns:a16="http://schemas.microsoft.com/office/drawing/2014/main" id="{38D2F04F-EBB8-467E-B270-63976FDD3514}"/>
+                <a16:creationId xmlns:a16="http://schemas.microsoft.com/office/drawing/2014/main" id="{66710C68-775E-4E2D-81A4-6CD18323FBDF}"/>
               </a:ext>
             </a:extLst>
           </p:cNvPr>
@@ -8582,7 +8518,7 @@
         </p:nvSpPr>
         <p:spPr>
           <a:xfrm>
-            <a:off x="4814047" y="2752164"/>
+            <a:off x="4890247" y="3962400"/>
             <a:ext cx="2411506" cy="304800"/>
           </a:xfrm>
           <a:prstGeom prst="rect">
@@ -8613,10 +8549,10 @@
       </p:sp>
       <p:sp>
         <p:nvSpPr>
-          <p:cNvPr id="10" name="Rectángulo 9">
+          <p:cNvPr id="9" name="Rectángulo 8">
             <a:extLst>
               <a:ext uri="{FF2B5EF4-FFF2-40B4-BE49-F238E27FC236}">
-                <a16:creationId xmlns:a16="http://schemas.microsoft.com/office/drawing/2014/main" id="{D89CDB6B-A0F3-4FCF-B869-0344E086E0CE}"/>
+                <a16:creationId xmlns:a16="http://schemas.microsoft.com/office/drawing/2014/main" id="{03AAA3A9-BE7D-46EC-AE5F-74154A78C707}"/>
               </a:ext>
             </a:extLst>
           </p:cNvPr>
@@ -8625,7 +8561,7 @@
         </p:nvSpPr>
         <p:spPr>
           <a:xfrm>
-            <a:off x="4814047" y="3267635"/>
+            <a:off x="4890247" y="1713377"/>
             <a:ext cx="2411506" cy="304800"/>
           </a:xfrm>
           <a:prstGeom prst="rect">
@@ -8656,10 +8592,10 @@
       </p:sp>
       <p:sp>
         <p:nvSpPr>
-          <p:cNvPr id="12" name="Rectángulo 11">
+          <p:cNvPr id="10" name="Rectángulo 9">
             <a:extLst>
               <a:ext uri="{FF2B5EF4-FFF2-40B4-BE49-F238E27FC236}">
-                <a16:creationId xmlns:a16="http://schemas.microsoft.com/office/drawing/2014/main" id="{9EC6DC73-9D18-4442-A590-55701865F364}"/>
+                <a16:creationId xmlns:a16="http://schemas.microsoft.com/office/drawing/2014/main" id="{3F9110C7-D50A-48C4-B16A-38ABA14BF47B}"/>
               </a:ext>
             </a:extLst>
           </p:cNvPr>
@@ -8668,7 +8604,7 @@
         </p:nvSpPr>
         <p:spPr>
           <a:xfrm>
-            <a:off x="2259106" y="748553"/>
+            <a:off x="2254624" y="810183"/>
             <a:ext cx="6329082" cy="510989"/>
           </a:xfrm>
           <a:prstGeom prst="rect">
@@ -8700,7 +8636,7 @@
             <a:pPr algn="ctr"/>
             <a:r>
               <a:rPr lang="en-US" dirty="0"/>
-              <a:t>REGISTRAR PELICULA</a:t>
+              <a:t>REGISTRAR PERSONAL</a:t>
             </a:r>
           </a:p>
         </p:txBody>
@@ -8708,7 +8644,7 @@
     </p:spTree>
     <p:extLst>
       <p:ext uri="{BB962C8B-B14F-4D97-AF65-F5344CB8AC3E}">
-        <p14:creationId xmlns:p14="http://schemas.microsoft.com/office/powerpoint/2010/main" val="3090451900"/>
+        <p14:creationId xmlns:p14="http://schemas.microsoft.com/office/powerpoint/2010/main" val="3444881453"/>
       </p:ext>
     </p:extLst>
   </p:cSld>
@@ -8737,10 +8673,10 @@
       </p:grpSpPr>
       <p:sp>
         <p:nvSpPr>
-          <p:cNvPr id="6" name="Rectángulo: esquinas redondeadas 5">
+          <p:cNvPr id="4" name="Rectángulo: esquinas redondeadas 3">
             <a:extLst>
               <a:ext uri="{FF2B5EF4-FFF2-40B4-BE49-F238E27FC236}">
-                <a16:creationId xmlns:a16="http://schemas.microsoft.com/office/drawing/2014/main" id="{9FE10C74-F311-4BE4-B1A9-F6195BD0FC4D}"/>
+                <a16:creationId xmlns:a16="http://schemas.microsoft.com/office/drawing/2014/main" id="{1AAEAB9C-EDB1-48B4-A820-903A819C0F94}"/>
               </a:ext>
             </a:extLst>
           </p:cNvPr>
@@ -8749,8 +8685,8 @@
         </p:nvSpPr>
         <p:spPr>
           <a:xfrm>
-            <a:off x="2250141" y="748553"/>
-            <a:ext cx="6320118" cy="4312024"/>
+            <a:off x="3119718" y="744070"/>
+            <a:ext cx="4598894" cy="4625789"/>
           </a:xfrm>
           <a:prstGeom prst="roundRect">
             <a:avLst/>
@@ -8774,13 +8710,13 @@
           <a:bodyPr rtlCol="0" anchor="ctr"/>
           <a:lstStyle/>
           <a:p>
+            <a:endParaRPr lang="en-US" dirty="0"/>
+          </a:p>
+          <a:p>
             <a:r>
               <a:rPr lang="en-US" dirty="0"/>
-              <a:t>Usuario</a:t>
-            </a:r>
-          </a:p>
-          <a:p>
-            <a:endParaRPr lang="en-US" dirty="0"/>
+              <a:t>Titulo</a:t>
+            </a:r>
           </a:p>
           <a:p>
             <a:endParaRPr lang="en-US" dirty="0"/>
@@ -8788,23 +8724,51 @@
           <a:p>
             <a:r>
               <a:rPr lang="en-US" dirty="0"/>
-              <a:t>Contraseña</a:t>
-            </a:r>
-          </a:p>
-          <a:p>
-            <a:endParaRPr lang="en-US" dirty="0"/>
-          </a:p>
-          <a:p>
-            <a:endParaRPr lang="en-US" dirty="0"/>
-          </a:p>
-        </p:txBody>
-      </p:sp>
-      <p:sp>
-        <p:nvSpPr>
-          <p:cNvPr id="7" name="Rectángulo 6">
+              <a:t>Genero</a:t>
+            </a:r>
+          </a:p>
+          <a:p>
+            <a:endParaRPr lang="en-US" dirty="0"/>
+          </a:p>
+          <a:p>
+            <a:r>
+              <a:rPr lang="en-US" dirty="0"/>
+              <a:t>Duracion</a:t>
+            </a:r>
+          </a:p>
+          <a:p>
+            <a:endParaRPr lang="en-US" dirty="0"/>
+          </a:p>
+          <a:p>
+            <a:r>
+              <a:rPr lang="en-US" dirty="0"/>
+              <a:t>Año</a:t>
+            </a:r>
+          </a:p>
+          <a:p>
+            <a:pPr algn="ctr"/>
+            <a:endParaRPr lang="en-US" dirty="0"/>
+          </a:p>
+          <a:p>
+            <a:pPr algn="ctr"/>
+            <a:endParaRPr lang="en-US" dirty="0"/>
+          </a:p>
+          <a:p>
+            <a:pPr algn="ctr"/>
+            <a:endParaRPr lang="en-US" dirty="0"/>
+          </a:p>
+          <a:p>
+            <a:pPr algn="ctr"/>
+            <a:endParaRPr lang="en-US" dirty="0"/>
+          </a:p>
+        </p:txBody>
+      </p:sp>
+      <p:sp>
+        <p:nvSpPr>
+          <p:cNvPr id="5" name="Rectángulo 4">
             <a:extLst>
               <a:ext uri="{FF2B5EF4-FFF2-40B4-BE49-F238E27FC236}">
-                <a16:creationId xmlns:a16="http://schemas.microsoft.com/office/drawing/2014/main" id="{BBCD5DC2-31A1-4D9B-A300-7E3F5B6F43AE}"/>
+                <a16:creationId xmlns:a16="http://schemas.microsoft.com/office/drawing/2014/main" id="{E561F767-04F0-4AEC-94CA-B598E3FF48C2}"/>
               </a:ext>
             </a:extLst>
           </p:cNvPr>
@@ -8813,103 +8777,14 @@
         </p:nvSpPr>
         <p:spPr>
           <a:xfrm>
-            <a:off x="4356847" y="2061883"/>
-            <a:ext cx="2411506" cy="304800"/>
+            <a:off x="3558985" y="4267198"/>
+            <a:ext cx="1595721" cy="376518"/>
           </a:xfrm>
           <a:prstGeom prst="rect">
             <a:avLst/>
           </a:prstGeom>
-        </p:spPr>
-        <p:style>
-          <a:lnRef idx="2">
-            <a:schemeClr val="dk1"/>
-          </a:lnRef>
-          <a:fillRef idx="1">
-            <a:schemeClr val="lt1"/>
-          </a:fillRef>
-          <a:effectRef idx="0">
-            <a:schemeClr val="dk1"/>
-          </a:effectRef>
-          <a:fontRef idx="minor">
-            <a:schemeClr val="dk1"/>
-          </a:fontRef>
-        </p:style>
-        <p:txBody>
-          <a:bodyPr rtlCol="0" anchor="ctr"/>
-          <a:lstStyle/>
-          <a:p>
-            <a:pPr algn="ctr"/>
-            <a:endParaRPr lang="en-US"/>
-          </a:p>
-        </p:txBody>
-      </p:sp>
-      <p:sp>
-        <p:nvSpPr>
-          <p:cNvPr id="8" name="Rectángulo 7">
-            <a:extLst>
-              <a:ext uri="{FF2B5EF4-FFF2-40B4-BE49-F238E27FC236}">
-                <a16:creationId xmlns:a16="http://schemas.microsoft.com/office/drawing/2014/main" id="{2F445F5C-16BA-413C-BD44-633D20A6AE1B}"/>
-              </a:ext>
-            </a:extLst>
-          </p:cNvPr>
-          <p:cNvSpPr/>
-          <p:nvPr/>
-        </p:nvSpPr>
-        <p:spPr>
-          <a:xfrm>
-            <a:off x="4356848" y="2904565"/>
-            <a:ext cx="2411506" cy="304800"/>
-          </a:xfrm>
-          <a:prstGeom prst="rect">
-            <a:avLst/>
-          </a:prstGeom>
-        </p:spPr>
-        <p:style>
-          <a:lnRef idx="2">
-            <a:schemeClr val="dk1"/>
-          </a:lnRef>
-          <a:fillRef idx="1">
-            <a:schemeClr val="lt1"/>
-          </a:fillRef>
-          <a:effectRef idx="0">
-            <a:schemeClr val="dk1"/>
-          </a:effectRef>
-          <a:fontRef idx="minor">
-            <a:schemeClr val="dk1"/>
-          </a:fontRef>
-        </p:style>
-        <p:txBody>
-          <a:bodyPr rtlCol="0" anchor="ctr"/>
-          <a:lstStyle/>
-          <a:p>
-            <a:pPr algn="ctr"/>
-            <a:endParaRPr lang="en-US"/>
-          </a:p>
-        </p:txBody>
-      </p:sp>
-      <p:sp>
-        <p:nvSpPr>
-          <p:cNvPr id="9" name="Diagrama de flujo: proceso alternativo 8">
-            <a:hlinkClick r:id="rId2" action="ppaction://hlinksldjump"/>
-            <a:extLst>
-              <a:ext uri="{FF2B5EF4-FFF2-40B4-BE49-F238E27FC236}">
-                <a16:creationId xmlns:a16="http://schemas.microsoft.com/office/drawing/2014/main" id="{D747122D-CB24-46B8-8651-5438C87871CF}"/>
-              </a:ext>
-            </a:extLst>
-          </p:cNvPr>
-          <p:cNvSpPr/>
-          <p:nvPr/>
-        </p:nvSpPr>
-        <p:spPr>
-          <a:xfrm>
-            <a:off x="2814918" y="3899647"/>
-            <a:ext cx="1945341" cy="528918"/>
-          </a:xfrm>
-          <a:prstGeom prst="flowChartAlternateProcess">
-            <a:avLst/>
-          </a:prstGeom>
           <a:effectLst>
-            <a:outerShdw blurRad="63500" sx="102000" sy="102000" algn="ctr" rotWithShape="0">
+            <a:outerShdw blurRad="50800" dist="38100" dir="5400000" algn="t" rotWithShape="0">
               <a:prstClr val="black">
                 <a:alpha val="40000"/>
               </a:prstClr>
@@ -8936,21 +8811,18 @@
           <a:p>
             <a:pPr algn="ctr"/>
             <a:r>
-              <a:rPr lang="en-US" dirty="0">
-                <a:hlinkClick r:id="rId3" action="ppaction://hlinksldjump"/>
-              </a:rPr>
-              <a:t>Iniciar sessicion</a:t>
-            </a:r>
-            <a:endParaRPr lang="en-US" dirty="0"/>
-          </a:p>
-        </p:txBody>
-      </p:sp>
-      <p:sp>
-        <p:nvSpPr>
-          <p:cNvPr id="10" name="Diagrama de flujo: proceso alternativo 9">
+              <a:rPr lang="en-US" dirty="0"/>
+              <a:t>Registrar</a:t>
+            </a:r>
+          </a:p>
+        </p:txBody>
+      </p:sp>
+      <p:sp>
+        <p:nvSpPr>
+          <p:cNvPr id="6" name="Rectángulo 5">
             <a:extLst>
               <a:ext uri="{FF2B5EF4-FFF2-40B4-BE49-F238E27FC236}">
-                <a16:creationId xmlns:a16="http://schemas.microsoft.com/office/drawing/2014/main" id="{C277459C-1FA4-4199-B46D-7092D990FE3D}"/>
+                <a16:creationId xmlns:a16="http://schemas.microsoft.com/office/drawing/2014/main" id="{49F923C0-CC69-4890-901C-3C3C423A8FD1}"/>
               </a:ext>
             </a:extLst>
           </p:cNvPr>
@@ -8959,10 +8831,10 @@
         </p:nvSpPr>
         <p:spPr>
           <a:xfrm>
-            <a:off x="5486402" y="3899647"/>
-            <a:ext cx="1945341" cy="528917"/>
-          </a:xfrm>
-          <a:prstGeom prst="flowChartAlternateProcess">
+            <a:off x="5638798" y="4267198"/>
+            <a:ext cx="1775014" cy="376518"/>
+          </a:xfrm>
+          <a:prstGeom prst="rect">
             <a:avLst/>
           </a:prstGeom>
           <a:effectLst>
@@ -8994,20 +8866,43 @@
             <a:pPr algn="ctr"/>
             <a:r>
               <a:rPr lang="en-US" dirty="0">
+                <a:ln w="0"/>
+                <a:solidFill>
+                  <a:schemeClr val="accent1"/>
+                </a:solidFill>
+                <a:effectLst>
+                  <a:outerShdw blurRad="38100" dist="25400" dir="5400000" algn="ctr" rotWithShape="0">
+                    <a:srgbClr val="6E747A">
+                      <a:alpha val="43000"/>
+                    </a:srgbClr>
+                  </a:outerShdw>
+                </a:effectLst>
                 <a:hlinkClick r:id="rId2" action="ppaction://hlinksldjump"/>
               </a:rPr>
               <a:t>Volver</a:t>
             </a:r>
-            <a:endParaRPr lang="en-US" dirty="0"/>
-          </a:p>
-        </p:txBody>
-      </p:sp>
-      <p:sp>
-        <p:nvSpPr>
-          <p:cNvPr id="2" name="Rectángulo 1">
+            <a:endParaRPr lang="en-US" dirty="0">
+              <a:ln w="0"/>
+              <a:solidFill>
+                <a:schemeClr val="accent1"/>
+              </a:solidFill>
+              <a:effectLst>
+                <a:outerShdw blurRad="38100" dist="25400" dir="5400000" algn="ctr" rotWithShape="0">
+                  <a:srgbClr val="6E747A">
+                    <a:alpha val="43000"/>
+                  </a:srgbClr>
+                </a:outerShdw>
+              </a:effectLst>
+            </a:endParaRPr>
+          </a:p>
+        </p:txBody>
+      </p:sp>
+      <p:sp>
+        <p:nvSpPr>
+          <p:cNvPr id="7" name="Rectángulo 6">
             <a:extLst>
               <a:ext uri="{FF2B5EF4-FFF2-40B4-BE49-F238E27FC236}">
-                <a16:creationId xmlns:a16="http://schemas.microsoft.com/office/drawing/2014/main" id="{7F2E1F5A-CAB5-4F28-B8AF-9BDA80AB59B2}"/>
+                <a16:creationId xmlns:a16="http://schemas.microsoft.com/office/drawing/2014/main" id="{EB6374E4-31E0-4A14-ADA2-9C1C84E5A200}"/>
               </a:ext>
             </a:extLst>
           </p:cNvPr>
@@ -9016,8 +8911,180 @@
         </p:nvSpPr>
         <p:spPr>
           <a:xfrm>
-            <a:off x="2259106" y="797858"/>
-            <a:ext cx="5961529" cy="528918"/>
+            <a:off x="4814047" y="1651750"/>
+            <a:ext cx="2411506" cy="304800"/>
+          </a:xfrm>
+          <a:prstGeom prst="rect">
+            <a:avLst/>
+          </a:prstGeom>
+        </p:spPr>
+        <p:style>
+          <a:lnRef idx="2">
+            <a:schemeClr val="dk1"/>
+          </a:lnRef>
+          <a:fillRef idx="1">
+            <a:schemeClr val="lt1"/>
+          </a:fillRef>
+          <a:effectRef idx="0">
+            <a:schemeClr val="dk1"/>
+          </a:effectRef>
+          <a:fontRef idx="minor">
+            <a:schemeClr val="dk1"/>
+          </a:fontRef>
+        </p:style>
+        <p:txBody>
+          <a:bodyPr rtlCol="0" anchor="ctr"/>
+          <a:lstStyle/>
+          <a:p>
+            <a:endParaRPr lang="en-US" dirty="0"/>
+          </a:p>
+        </p:txBody>
+      </p:sp>
+      <p:sp>
+        <p:nvSpPr>
+          <p:cNvPr id="8" name="Rectángulo 7">
+            <a:extLst>
+              <a:ext uri="{FF2B5EF4-FFF2-40B4-BE49-F238E27FC236}">
+                <a16:creationId xmlns:a16="http://schemas.microsoft.com/office/drawing/2014/main" id="{83658F65-993C-49AD-A594-4812077B5D64}"/>
+              </a:ext>
+            </a:extLst>
+          </p:cNvPr>
+          <p:cNvSpPr/>
+          <p:nvPr/>
+        </p:nvSpPr>
+        <p:spPr>
+          <a:xfrm>
+            <a:off x="4814047" y="2196358"/>
+            <a:ext cx="2411506" cy="304800"/>
+          </a:xfrm>
+          <a:prstGeom prst="rect">
+            <a:avLst/>
+          </a:prstGeom>
+        </p:spPr>
+        <p:style>
+          <a:lnRef idx="2">
+            <a:schemeClr val="dk1"/>
+          </a:lnRef>
+          <a:fillRef idx="1">
+            <a:schemeClr val="lt1"/>
+          </a:fillRef>
+          <a:effectRef idx="0">
+            <a:schemeClr val="dk1"/>
+          </a:effectRef>
+          <a:fontRef idx="minor">
+            <a:schemeClr val="dk1"/>
+          </a:fontRef>
+        </p:style>
+        <p:txBody>
+          <a:bodyPr rtlCol="0" anchor="ctr"/>
+          <a:lstStyle/>
+          <a:p>
+            <a:endParaRPr lang="en-US" dirty="0"/>
+          </a:p>
+        </p:txBody>
+      </p:sp>
+      <p:sp>
+        <p:nvSpPr>
+          <p:cNvPr id="9" name="Rectángulo 8">
+            <a:extLst>
+              <a:ext uri="{FF2B5EF4-FFF2-40B4-BE49-F238E27FC236}">
+                <a16:creationId xmlns:a16="http://schemas.microsoft.com/office/drawing/2014/main" id="{38D2F04F-EBB8-467E-B270-63976FDD3514}"/>
+              </a:ext>
+            </a:extLst>
+          </p:cNvPr>
+          <p:cNvSpPr/>
+          <p:nvPr/>
+        </p:nvSpPr>
+        <p:spPr>
+          <a:xfrm>
+            <a:off x="4814047" y="2752164"/>
+            <a:ext cx="2411506" cy="304800"/>
+          </a:xfrm>
+          <a:prstGeom prst="rect">
+            <a:avLst/>
+          </a:prstGeom>
+        </p:spPr>
+        <p:style>
+          <a:lnRef idx="2">
+            <a:schemeClr val="dk1"/>
+          </a:lnRef>
+          <a:fillRef idx="1">
+            <a:schemeClr val="lt1"/>
+          </a:fillRef>
+          <a:effectRef idx="0">
+            <a:schemeClr val="dk1"/>
+          </a:effectRef>
+          <a:fontRef idx="minor">
+            <a:schemeClr val="dk1"/>
+          </a:fontRef>
+        </p:style>
+        <p:txBody>
+          <a:bodyPr rtlCol="0" anchor="ctr"/>
+          <a:lstStyle/>
+          <a:p>
+            <a:endParaRPr lang="en-US" dirty="0"/>
+          </a:p>
+        </p:txBody>
+      </p:sp>
+      <p:sp>
+        <p:nvSpPr>
+          <p:cNvPr id="10" name="Rectángulo 9">
+            <a:extLst>
+              <a:ext uri="{FF2B5EF4-FFF2-40B4-BE49-F238E27FC236}">
+                <a16:creationId xmlns:a16="http://schemas.microsoft.com/office/drawing/2014/main" id="{D89CDB6B-A0F3-4FCF-B869-0344E086E0CE}"/>
+              </a:ext>
+            </a:extLst>
+          </p:cNvPr>
+          <p:cNvSpPr/>
+          <p:nvPr/>
+        </p:nvSpPr>
+        <p:spPr>
+          <a:xfrm>
+            <a:off x="4814047" y="3267635"/>
+            <a:ext cx="2411506" cy="304800"/>
+          </a:xfrm>
+          <a:prstGeom prst="rect">
+            <a:avLst/>
+          </a:prstGeom>
+        </p:spPr>
+        <p:style>
+          <a:lnRef idx="2">
+            <a:schemeClr val="dk1"/>
+          </a:lnRef>
+          <a:fillRef idx="1">
+            <a:schemeClr val="lt1"/>
+          </a:fillRef>
+          <a:effectRef idx="0">
+            <a:schemeClr val="dk1"/>
+          </a:effectRef>
+          <a:fontRef idx="minor">
+            <a:schemeClr val="dk1"/>
+          </a:fontRef>
+        </p:style>
+        <p:txBody>
+          <a:bodyPr rtlCol="0" anchor="ctr"/>
+          <a:lstStyle/>
+          <a:p>
+            <a:endParaRPr lang="en-US" dirty="0"/>
+          </a:p>
+        </p:txBody>
+      </p:sp>
+      <p:sp>
+        <p:nvSpPr>
+          <p:cNvPr id="12" name="Rectángulo 11">
+            <a:extLst>
+              <a:ext uri="{FF2B5EF4-FFF2-40B4-BE49-F238E27FC236}">
+                <a16:creationId xmlns:a16="http://schemas.microsoft.com/office/drawing/2014/main" id="{9EC6DC73-9D18-4442-A590-55701865F364}"/>
+              </a:ext>
+            </a:extLst>
+          </p:cNvPr>
+          <p:cNvSpPr/>
+          <p:nvPr/>
+        </p:nvSpPr>
+        <p:spPr>
+          <a:xfrm>
+            <a:off x="2259106" y="748553"/>
+            <a:ext cx="6329082" cy="510989"/>
           </a:xfrm>
           <a:prstGeom prst="rect">
             <a:avLst/>
@@ -9046,57 +9113,9 @@
           <a:lstStyle/>
           <a:p>
             <a:pPr algn="ctr"/>
-            <a:endParaRPr lang="en-US"/>
-          </a:p>
-        </p:txBody>
-      </p:sp>
-      <p:sp>
-        <p:nvSpPr>
-          <p:cNvPr id="3" name="Rectángulo 2">
-            <a:extLst>
-              <a:ext uri="{FF2B5EF4-FFF2-40B4-BE49-F238E27FC236}">
-                <a16:creationId xmlns:a16="http://schemas.microsoft.com/office/drawing/2014/main" id="{B931A618-ADEF-4F91-B9BF-CA9C2214FFEB}"/>
-              </a:ext>
-            </a:extLst>
-          </p:cNvPr>
-          <p:cNvSpPr/>
-          <p:nvPr/>
-        </p:nvSpPr>
-        <p:spPr>
-          <a:xfrm>
-            <a:off x="2259106" y="748553"/>
-            <a:ext cx="6329082" cy="510989"/>
-          </a:xfrm>
-          <a:prstGeom prst="rect">
-            <a:avLst/>
-          </a:prstGeom>
-          <a:noFill/>
-          <a:ln>
-            <a:noFill/>
-          </a:ln>
-        </p:spPr>
-        <p:style>
-          <a:lnRef idx="0">
-            <a:scrgbClr r="0" g="0" b="0"/>
-          </a:lnRef>
-          <a:fillRef idx="0">
-            <a:scrgbClr r="0" g="0" b="0"/>
-          </a:fillRef>
-          <a:effectRef idx="0">
-            <a:scrgbClr r="0" g="0" b="0"/>
-          </a:effectRef>
-          <a:fontRef idx="minor">
-            <a:schemeClr val="dk1"/>
-          </a:fontRef>
-        </p:style>
-        <p:txBody>
-          <a:bodyPr rtlCol="0" anchor="ctr"/>
-          <a:lstStyle/>
-          <a:p>
-            <a:pPr algn="ctr"/>
             <a:r>
               <a:rPr lang="en-US" dirty="0"/>
-              <a:t>Personal Autorizado</a:t>
+              <a:t>REGISTRAR PELICULA</a:t>
             </a:r>
           </a:p>
         </p:txBody>
@@ -9104,7 +9123,7 @@
     </p:spTree>
     <p:extLst>
       <p:ext uri="{BB962C8B-B14F-4D97-AF65-F5344CB8AC3E}">
-        <p14:creationId xmlns:p14="http://schemas.microsoft.com/office/powerpoint/2010/main" val="1418346666"/>
+        <p14:creationId xmlns:p14="http://schemas.microsoft.com/office/powerpoint/2010/main" val="3090451900"/>
       </p:ext>
     </p:extLst>
   </p:cSld>

--- a/mockup.pptx
+++ b/mockup.pptx
@@ -7,11 +7,12 @@
   <p:sldIdLst>
     <p:sldId id="256" r:id="rId2"/>
     <p:sldId id="258" r:id="rId3"/>
-    <p:sldId id="261" r:id="rId4"/>
-    <p:sldId id="262" r:id="rId5"/>
-    <p:sldId id="264" r:id="rId6"/>
-    <p:sldId id="263" r:id="rId7"/>
-    <p:sldId id="259" r:id="rId8"/>
+    <p:sldId id="265" r:id="rId4"/>
+    <p:sldId id="261" r:id="rId5"/>
+    <p:sldId id="262" r:id="rId6"/>
+    <p:sldId id="264" r:id="rId7"/>
+    <p:sldId id="263" r:id="rId8"/>
+    <p:sldId id="259" r:id="rId9"/>
   </p:sldIdLst>
   <p:sldSz cx="12192000" cy="6858000"/>
   <p:notesSz cx="6858000" cy="9144000"/>
@@ -304,7 +305,7 @@
           <a:p>
             <a:fld id="{4E7A45BC-4217-4436-ACD7-65FEB2A00C97}" type="datetimeFigureOut">
               <a:rPr lang="en-US" smtClean="0"/>
-              <a:t>7/12/2024</a:t>
+              <a:t>7/15/2024</a:t>
             </a:fld>
             <a:endParaRPr lang="en-US"/>
           </a:p>
@@ -579,7 +580,7 @@
           <a:p>
             <a:fld id="{4E7A45BC-4217-4436-ACD7-65FEB2A00C97}" type="datetimeFigureOut">
               <a:rPr lang="en-US" smtClean="0"/>
-              <a:t>7/12/2024</a:t>
+              <a:t>7/15/2024</a:t>
             </a:fld>
             <a:endParaRPr lang="en-US"/>
           </a:p>
@@ -773,7 +774,7 @@
           <a:p>
             <a:fld id="{4E7A45BC-4217-4436-ACD7-65FEB2A00C97}" type="datetimeFigureOut">
               <a:rPr lang="en-US" smtClean="0"/>
-              <a:t>7/12/2024</a:t>
+              <a:t>7/15/2024</a:t>
             </a:fld>
             <a:endParaRPr lang="en-US"/>
           </a:p>
@@ -1044,7 +1045,7 @@
           <a:p>
             <a:fld id="{4E7A45BC-4217-4436-ACD7-65FEB2A00C97}" type="datetimeFigureOut">
               <a:rPr lang="en-US" smtClean="0"/>
-              <a:t>7/12/2024</a:t>
+              <a:t>7/15/2024</a:t>
             </a:fld>
             <a:endParaRPr lang="en-US"/>
           </a:p>
@@ -1371,7 +1372,7 @@
           <a:p>
             <a:fld id="{4E7A45BC-4217-4436-ACD7-65FEB2A00C97}" type="datetimeFigureOut">
               <a:rPr lang="en-US" smtClean="0"/>
-              <a:t>7/12/2024</a:t>
+              <a:t>7/15/2024</a:t>
             </a:fld>
             <a:endParaRPr lang="en-US"/>
           </a:p>
@@ -1990,7 +1991,7 @@
           <a:p>
             <a:fld id="{4E7A45BC-4217-4436-ACD7-65FEB2A00C97}" type="datetimeFigureOut">
               <a:rPr lang="en-US" smtClean="0"/>
-              <a:t>7/12/2024</a:t>
+              <a:t>7/15/2024</a:t>
             </a:fld>
             <a:endParaRPr lang="en-US"/>
           </a:p>
@@ -2837,7 +2838,7 @@
           <a:p>
             <a:fld id="{4E7A45BC-4217-4436-ACD7-65FEB2A00C97}" type="datetimeFigureOut">
               <a:rPr lang="en-US" smtClean="0"/>
-              <a:t>7/12/2024</a:t>
+              <a:t>7/15/2024</a:t>
             </a:fld>
             <a:endParaRPr lang="en-US"/>
           </a:p>
@@ -3007,7 +3008,7 @@
           <a:p>
             <a:fld id="{4E7A45BC-4217-4436-ACD7-65FEB2A00C97}" type="datetimeFigureOut">
               <a:rPr lang="en-US" smtClean="0"/>
-              <a:t>7/12/2024</a:t>
+              <a:t>7/15/2024</a:t>
             </a:fld>
             <a:endParaRPr lang="en-US"/>
           </a:p>
@@ -3187,7 +3188,7 @@
           <a:p>
             <a:fld id="{4E7A45BC-4217-4436-ACD7-65FEB2A00C97}" type="datetimeFigureOut">
               <a:rPr lang="en-US" smtClean="0"/>
-              <a:t>7/12/2024</a:t>
+              <a:t>7/15/2024</a:t>
             </a:fld>
             <a:endParaRPr lang="en-US"/>
           </a:p>
@@ -3357,7 +3358,7 @@
           <a:p>
             <a:fld id="{4E7A45BC-4217-4436-ACD7-65FEB2A00C97}" type="datetimeFigureOut">
               <a:rPr lang="en-US" smtClean="0"/>
-              <a:t>7/12/2024</a:t>
+              <a:t>7/15/2024</a:t>
             </a:fld>
             <a:endParaRPr lang="en-US"/>
           </a:p>
@@ -3604,7 +3605,7 @@
           <a:p>
             <a:fld id="{4E7A45BC-4217-4436-ACD7-65FEB2A00C97}" type="datetimeFigureOut">
               <a:rPr lang="en-US" smtClean="0"/>
-              <a:t>7/12/2024</a:t>
+              <a:t>7/15/2024</a:t>
             </a:fld>
             <a:endParaRPr lang="en-US"/>
           </a:p>
@@ -3896,7 +3897,7 @@
           <a:p>
             <a:fld id="{4E7A45BC-4217-4436-ACD7-65FEB2A00C97}" type="datetimeFigureOut">
               <a:rPr lang="en-US" smtClean="0"/>
-              <a:t>7/12/2024</a:t>
+              <a:t>7/15/2024</a:t>
             </a:fld>
             <a:endParaRPr lang="en-US"/>
           </a:p>
@@ -4340,7 +4341,7 @@
           <a:p>
             <a:fld id="{4E7A45BC-4217-4436-ACD7-65FEB2A00C97}" type="datetimeFigureOut">
               <a:rPr lang="en-US" smtClean="0"/>
-              <a:t>7/12/2024</a:t>
+              <a:t>7/15/2024</a:t>
             </a:fld>
             <a:endParaRPr lang="en-US"/>
           </a:p>
@@ -4458,7 +4459,7 @@
           <a:p>
             <a:fld id="{4E7A45BC-4217-4436-ACD7-65FEB2A00C97}" type="datetimeFigureOut">
               <a:rPr lang="en-US" smtClean="0"/>
-              <a:t>7/12/2024</a:t>
+              <a:t>7/15/2024</a:t>
             </a:fld>
             <a:endParaRPr lang="en-US"/>
           </a:p>
@@ -4553,7 +4554,7 @@
           <a:p>
             <a:fld id="{4E7A45BC-4217-4436-ACD7-65FEB2A00C97}" type="datetimeFigureOut">
               <a:rPr lang="en-US" smtClean="0"/>
-              <a:t>7/12/2024</a:t>
+              <a:t>7/15/2024</a:t>
             </a:fld>
             <a:endParaRPr lang="en-US"/>
           </a:p>
@@ -4832,7 +4833,7 @@
           <a:p>
             <a:fld id="{4E7A45BC-4217-4436-ACD7-65FEB2A00C97}" type="datetimeFigureOut">
               <a:rPr lang="en-US" smtClean="0"/>
-              <a:t>7/12/2024</a:t>
+              <a:t>7/15/2024</a:t>
             </a:fld>
             <a:endParaRPr lang="en-US"/>
           </a:p>
@@ -5107,7 +5108,7 @@
           <a:p>
             <a:fld id="{4E7A45BC-4217-4436-ACD7-65FEB2A00C97}" type="datetimeFigureOut">
               <a:rPr lang="en-US" smtClean="0"/>
-              <a:t>7/12/2024</a:t>
+              <a:t>7/15/2024</a:t>
             </a:fld>
             <a:endParaRPr lang="en-US"/>
           </a:p>
@@ -5530,7 +5531,7 @@
           <a:p>
             <a:fld id="{4E7A45BC-4217-4436-ACD7-65FEB2A00C97}" type="datetimeFigureOut">
               <a:rPr lang="en-US" smtClean="0"/>
-              <a:t>7/12/2024</a:t>
+              <a:t>7/15/2024</a:t>
             </a:fld>
             <a:endParaRPr lang="en-US"/>
           </a:p>
@@ -6877,7 +6878,7 @@
         <p:spPr>
           <a:xfrm>
             <a:off x="2832847" y="672350"/>
-            <a:ext cx="6526306" cy="4545107"/>
+            <a:ext cx="6526306" cy="4966450"/>
           </a:xfrm>
           <a:prstGeom prst="roundRect">
             <a:avLst/>
@@ -6933,7 +6934,7 @@
           <a:p>
             <a:r>
               <a:rPr lang="en-US" dirty="0"/>
-              <a:t>disponibilidad</a:t>
+              <a:t>Disponible</a:t>
             </a:r>
           </a:p>
           <a:p>
@@ -6941,8 +6942,10 @@
             <a:endParaRPr lang="en-US" dirty="0"/>
           </a:p>
           <a:p>
-            <a:pPr algn="ctr"/>
-            <a:endParaRPr lang="en-US" dirty="0"/>
+            <a:r>
+              <a:rPr lang="en-US" dirty="0"/>
+              <a:t>Usuario</a:t>
+            </a:r>
           </a:p>
           <a:p>
             <a:pPr algn="ctr"/>
@@ -6968,7 +6971,7 @@
         </p:nvSpPr>
         <p:spPr>
           <a:xfrm>
-            <a:off x="3558985" y="4267198"/>
+            <a:off x="3316938" y="4715433"/>
             <a:ext cx="1954308" cy="376518"/>
           </a:xfrm>
           <a:prstGeom prst="rect">
@@ -7022,7 +7025,7 @@
         </p:nvSpPr>
         <p:spPr>
           <a:xfrm>
-            <a:off x="6678709" y="4267198"/>
+            <a:off x="6347012" y="4702545"/>
             <a:ext cx="2160494" cy="376518"/>
           </a:xfrm>
           <a:prstGeom prst="rect">
@@ -7079,7 +7082,7 @@
         </p:nvSpPr>
         <p:spPr>
           <a:xfrm>
-            <a:off x="6096000" y="2684930"/>
+            <a:off x="6096000" y="2801602"/>
             <a:ext cx="2411506" cy="304800"/>
           </a:xfrm>
           <a:prstGeom prst="rect">
@@ -7122,7 +7125,7 @@
         </p:nvSpPr>
         <p:spPr>
           <a:xfrm>
-            <a:off x="6096000" y="1536889"/>
+            <a:off x="6096000" y="1779770"/>
             <a:ext cx="2411506" cy="304800"/>
           </a:xfrm>
           <a:prstGeom prst="rect">
@@ -7165,7 +7168,7 @@
         </p:nvSpPr>
         <p:spPr>
           <a:xfrm>
-            <a:off x="6096000" y="2110630"/>
+            <a:off x="6096000" y="2342727"/>
             <a:ext cx="2411506" cy="304800"/>
           </a:xfrm>
           <a:prstGeom prst="rect">
@@ -7208,7 +7211,7 @@
         </p:nvSpPr>
         <p:spPr>
           <a:xfrm>
-            <a:off x="6096000" y="3276600"/>
+            <a:off x="6096000" y="3397899"/>
             <a:ext cx="2411506" cy="304800"/>
           </a:xfrm>
           <a:prstGeom prst="rect">
@@ -7283,15 +7286,58 @@
             <a:pPr algn="ctr"/>
             <a:r>
               <a:rPr lang="en-US" dirty="0"/>
-              <a:t>BUSQUEDA DE PELICULA</a:t>
-            </a:r>
+              <a:t>ALQUILACION DE PELICULA</a:t>
+            </a:r>
+          </a:p>
+        </p:txBody>
+      </p:sp>
+      <p:sp>
+        <p:nvSpPr>
+          <p:cNvPr id="11" name="Rectángulo 10">
+            <a:extLst>
+              <a:ext uri="{FF2B5EF4-FFF2-40B4-BE49-F238E27FC236}">
+                <a16:creationId xmlns:a16="http://schemas.microsoft.com/office/drawing/2014/main" id="{81CBE827-E224-474E-8788-7062B495989B}"/>
+              </a:ext>
+            </a:extLst>
+          </p:cNvPr>
+          <p:cNvSpPr/>
+          <p:nvPr/>
+        </p:nvSpPr>
+        <p:spPr>
+          <a:xfrm>
+            <a:off x="6096000" y="3994196"/>
+            <a:ext cx="2411506" cy="304800"/>
+          </a:xfrm>
+          <a:prstGeom prst="rect">
+            <a:avLst/>
+          </a:prstGeom>
+        </p:spPr>
+        <p:style>
+          <a:lnRef idx="2">
+            <a:schemeClr val="dk1"/>
+          </a:lnRef>
+          <a:fillRef idx="1">
+            <a:schemeClr val="lt1"/>
+          </a:fillRef>
+          <a:effectRef idx="0">
+            <a:schemeClr val="dk1"/>
+          </a:effectRef>
+          <a:fontRef idx="minor">
+            <a:schemeClr val="dk1"/>
+          </a:fontRef>
+        </p:style>
+        <p:txBody>
+          <a:bodyPr rtlCol="0" anchor="ctr"/>
+          <a:lstStyle/>
+          <a:p>
+            <a:endParaRPr lang="en-US" dirty="0"/>
           </a:p>
         </p:txBody>
       </p:sp>
     </p:spTree>
     <p:extLst>
       <p:ext uri="{BB962C8B-B14F-4D97-AF65-F5344CB8AC3E}">
-        <p14:creationId xmlns:p14="http://schemas.microsoft.com/office/powerpoint/2010/main" val="2048284298"/>
+        <p14:creationId xmlns:p14="http://schemas.microsoft.com/office/powerpoint/2010/main" val="4046167481"/>
       </p:ext>
     </p:extLst>
   </p:cSld>
@@ -7332,8 +7378,8 @@
         </p:nvSpPr>
         <p:spPr>
           <a:xfrm>
-            <a:off x="3119718" y="744069"/>
-            <a:ext cx="5620870" cy="5495365"/>
+            <a:off x="2832847" y="672350"/>
+            <a:ext cx="6526306" cy="4545107"/>
           </a:xfrm>
           <a:prstGeom prst="roundRect">
             <a:avLst/>
@@ -7362,7 +7408,7 @@
           <a:p>
             <a:r>
               <a:rPr lang="en-US" dirty="0"/>
-              <a:t>Nombre</a:t>
+              <a:t>Titulo</a:t>
             </a:r>
           </a:p>
           <a:p>
@@ -7371,7 +7417,7 @@
           <a:p>
             <a:r>
               <a:rPr lang="en-US" dirty="0"/>
-              <a:t>Direccion</a:t>
+              <a:t>Año</a:t>
             </a:r>
           </a:p>
           <a:p>
@@ -7380,30 +7426,18 @@
           <a:p>
             <a:r>
               <a:rPr lang="en-US" dirty="0"/>
-              <a:t>Telefono</a:t>
-            </a:r>
-          </a:p>
-          <a:p>
+              <a:t>Duracion</a:t>
+            </a:r>
+          </a:p>
+          <a:p>
+            <a:pPr algn="ctr"/>
             <a:endParaRPr lang="en-US" dirty="0"/>
           </a:p>
           <a:p>
             <a:r>
               <a:rPr lang="en-US" dirty="0"/>
-              <a:t>Ci</a:t>
-            </a:r>
-          </a:p>
-          <a:p>
-            <a:endParaRPr lang="en-US" dirty="0"/>
-          </a:p>
-          <a:p>
-            <a:r>
-              <a:rPr lang="en-US" dirty="0"/>
-              <a:t>Correo</a:t>
-            </a:r>
-          </a:p>
-          <a:p>
-            <a:pPr algn="ctr"/>
-            <a:endParaRPr lang="en-US" dirty="0"/>
+              <a:t>Genero</a:t>
+            </a:r>
           </a:p>
           <a:p>
             <a:pPr algn="ctr"/>
@@ -7420,7 +7454,7 @@
           <p:cNvPr id="3" name="Rectángulo 2">
             <a:extLst>
               <a:ext uri="{FF2B5EF4-FFF2-40B4-BE49-F238E27FC236}">
-                <a16:creationId xmlns:a16="http://schemas.microsoft.com/office/drawing/2014/main" id="{3D68D14C-39A2-45D0-AA26-AD01DFFDBCDF}"/>
+                <a16:creationId xmlns:a16="http://schemas.microsoft.com/office/drawing/2014/main" id="{D4D82E99-25AE-460A-A8B6-8B8E1F316EEE}"/>
               </a:ext>
             </a:extLst>
           </p:cNvPr>
@@ -7429,8 +7463,8 @@
         </p:nvSpPr>
         <p:spPr>
           <a:xfrm>
-            <a:off x="3505199" y="4872305"/>
-            <a:ext cx="2160494" cy="376518"/>
+            <a:off x="3334395" y="4267198"/>
+            <a:ext cx="1954308" cy="376518"/>
           </a:xfrm>
           <a:prstGeom prst="rect">
             <a:avLst/>
@@ -7463,12 +7497,9 @@
           <a:p>
             <a:pPr algn="ctr"/>
             <a:r>
-              <a:rPr lang="en-US" dirty="0">
-                <a:hlinkClick r:id="rId2" action="ppaction://hlinksldjump"/>
-              </a:rPr>
-              <a:t>Registrar personal</a:t>
-            </a:r>
-            <a:endParaRPr lang="en-US" dirty="0"/>
+              <a:rPr lang="en-US" dirty="0"/>
+              <a:t>Buscar</a:t>
+            </a:r>
           </a:p>
         </p:txBody>
       </p:sp>
@@ -7477,7 +7508,7 @@
           <p:cNvPr id="5" name="Rectángulo 4">
             <a:extLst>
               <a:ext uri="{FF2B5EF4-FFF2-40B4-BE49-F238E27FC236}">
-                <a16:creationId xmlns:a16="http://schemas.microsoft.com/office/drawing/2014/main" id="{C6C1DCA3-B332-4F9F-A5A7-1DF399927D56}"/>
+                <a16:creationId xmlns:a16="http://schemas.microsoft.com/office/drawing/2014/main" id="{519C4F03-928E-48A3-8840-CFDCB5F5A8CD}"/>
               </a:ext>
             </a:extLst>
           </p:cNvPr>
@@ -7486,8 +7517,8 @@
         </p:nvSpPr>
         <p:spPr>
           <a:xfrm>
-            <a:off x="6096000" y="4872305"/>
-            <a:ext cx="1810870" cy="376518"/>
+            <a:off x="6347012" y="4267198"/>
+            <a:ext cx="2160494" cy="376518"/>
           </a:xfrm>
           <a:prstGeom prst="rect">
             <a:avLst/>
@@ -7521,7 +7552,7 @@
             <a:pPr algn="ctr"/>
             <a:r>
               <a:rPr lang="en-US" dirty="0">
-                <a:hlinkClick r:id="rId3" action="ppaction://hlinksldjump"/>
+                <a:hlinkClick r:id="rId2" action="ppaction://hlinksldjump"/>
               </a:rPr>
               <a:t>Volver</a:t>
             </a:r>
@@ -7534,7 +7565,7 @@
           <p:cNvPr id="6" name="Rectángulo 5">
             <a:extLst>
               <a:ext uri="{FF2B5EF4-FFF2-40B4-BE49-F238E27FC236}">
-                <a16:creationId xmlns:a16="http://schemas.microsoft.com/office/drawing/2014/main" id="{9C3A7823-F2E0-4999-92D5-89DC04EB8768}"/>
+                <a16:creationId xmlns:a16="http://schemas.microsoft.com/office/drawing/2014/main" id="{69002588-89C3-4951-A87B-88EC9531FCBF}"/>
               </a:ext>
             </a:extLst>
           </p:cNvPr>
@@ -7543,7 +7574,7 @@
         </p:nvSpPr>
         <p:spPr>
           <a:xfrm>
-            <a:off x="5271247" y="3626220"/>
+            <a:off x="6096000" y="2684930"/>
             <a:ext cx="2411506" cy="304800"/>
           </a:xfrm>
           <a:prstGeom prst="rect">
@@ -7577,7 +7608,7 @@
           <p:cNvPr id="7" name="Rectángulo 6">
             <a:extLst>
               <a:ext uri="{FF2B5EF4-FFF2-40B4-BE49-F238E27FC236}">
-                <a16:creationId xmlns:a16="http://schemas.microsoft.com/office/drawing/2014/main" id="{2AF2C79B-2250-486E-B574-18E590606138}"/>
+                <a16:creationId xmlns:a16="http://schemas.microsoft.com/office/drawing/2014/main" id="{84F8150A-57A3-4527-9A4F-A244BAD19F11}"/>
               </a:ext>
             </a:extLst>
           </p:cNvPr>
@@ -7586,7 +7617,7 @@
         </p:nvSpPr>
         <p:spPr>
           <a:xfrm>
-            <a:off x="5271247" y="2022658"/>
+            <a:off x="6096000" y="1536889"/>
             <a:ext cx="2411506" cy="304800"/>
           </a:xfrm>
           <a:prstGeom prst="rect">
@@ -7620,7 +7651,7 @@
           <p:cNvPr id="8" name="Rectángulo 7">
             <a:extLst>
               <a:ext uri="{FF2B5EF4-FFF2-40B4-BE49-F238E27FC236}">
-                <a16:creationId xmlns:a16="http://schemas.microsoft.com/office/drawing/2014/main" id="{CD6A0865-B7B0-4205-BE07-EE18DED1A594}"/>
+                <a16:creationId xmlns:a16="http://schemas.microsoft.com/office/drawing/2014/main" id="{D9EF0A65-2AD7-4B07-931A-91138F4DE918}"/>
               </a:ext>
             </a:extLst>
           </p:cNvPr>
@@ -7629,7 +7660,7 @@
         </p:nvSpPr>
         <p:spPr>
           <a:xfrm>
-            <a:off x="5271247" y="2550453"/>
+            <a:off x="6096000" y="2110630"/>
             <a:ext cx="2411506" cy="304800"/>
           </a:xfrm>
           <a:prstGeom prst="rect">
@@ -7663,7 +7694,7 @@
           <p:cNvPr id="9" name="Rectángulo 8">
             <a:extLst>
               <a:ext uri="{FF2B5EF4-FFF2-40B4-BE49-F238E27FC236}">
-                <a16:creationId xmlns:a16="http://schemas.microsoft.com/office/drawing/2014/main" id="{087FFC36-A8C4-49CD-9B13-650B1ECC30DD}"/>
+                <a16:creationId xmlns:a16="http://schemas.microsoft.com/office/drawing/2014/main" id="{9AB6A3EF-F101-4257-AD13-EB7F31B59CD8}"/>
               </a:ext>
             </a:extLst>
           </p:cNvPr>
@@ -7672,7 +7703,7 @@
         </p:nvSpPr>
         <p:spPr>
           <a:xfrm>
-            <a:off x="5271247" y="3098425"/>
+            <a:off x="6096000" y="3276600"/>
             <a:ext cx="2411506" cy="304800"/>
           </a:xfrm>
           <a:prstGeom prst="rect">
@@ -7706,7 +7737,7 @@
           <p:cNvPr id="10" name="Rectángulo 9">
             <a:extLst>
               <a:ext uri="{FF2B5EF4-FFF2-40B4-BE49-F238E27FC236}">
-                <a16:creationId xmlns:a16="http://schemas.microsoft.com/office/drawing/2014/main" id="{09B954FC-2CE0-4AFF-9B8F-B6F6397FF80D}"/>
+                <a16:creationId xmlns:a16="http://schemas.microsoft.com/office/drawing/2014/main" id="{89D5A067-1951-4111-8229-9BCCF88DD311}"/>
               </a:ext>
             </a:extLst>
           </p:cNvPr>
@@ -7715,50 +7746,7 @@
         </p:nvSpPr>
         <p:spPr>
           <a:xfrm>
-            <a:off x="5271247" y="4179792"/>
-            <a:ext cx="2411506" cy="304800"/>
-          </a:xfrm>
-          <a:prstGeom prst="rect">
-            <a:avLst/>
-          </a:prstGeom>
-        </p:spPr>
-        <p:style>
-          <a:lnRef idx="2">
-            <a:schemeClr val="dk1"/>
-          </a:lnRef>
-          <a:fillRef idx="1">
-            <a:schemeClr val="lt1"/>
-          </a:fillRef>
-          <a:effectRef idx="0">
-            <a:schemeClr val="dk1"/>
-          </a:effectRef>
-          <a:fontRef idx="minor">
-            <a:schemeClr val="dk1"/>
-          </a:fontRef>
-        </p:style>
-        <p:txBody>
-          <a:bodyPr rtlCol="0" anchor="ctr"/>
-          <a:lstStyle/>
-          <a:p>
-            <a:endParaRPr lang="en-US" dirty="0"/>
-          </a:p>
-        </p:txBody>
-      </p:sp>
-      <p:sp>
-        <p:nvSpPr>
-          <p:cNvPr id="12" name="Rectángulo 11">
-            <a:extLst>
-              <a:ext uri="{FF2B5EF4-FFF2-40B4-BE49-F238E27FC236}">
-                <a16:creationId xmlns:a16="http://schemas.microsoft.com/office/drawing/2014/main" id="{0F43F2D8-3B4F-47DF-A480-8246E6DB6189}"/>
-              </a:ext>
-            </a:extLst>
-          </p:cNvPr>
-          <p:cNvSpPr/>
-          <p:nvPr/>
-        </p:nvSpPr>
-        <p:spPr>
-          <a:xfrm>
-            <a:off x="2765612" y="795618"/>
+            <a:off x="2832847" y="660030"/>
             <a:ext cx="6329082" cy="510989"/>
           </a:xfrm>
           <a:prstGeom prst="rect">
@@ -7790,7 +7778,7 @@
             <a:pPr algn="ctr"/>
             <a:r>
               <a:rPr lang="en-US" dirty="0"/>
-              <a:t>REGISTRO DE CLIENTE</a:t>
+              <a:t>BUSQUEDA DE PELICULA</a:t>
             </a:r>
           </a:p>
         </p:txBody>
@@ -7798,7 +7786,7 @@
     </p:spTree>
     <p:extLst>
       <p:ext uri="{BB962C8B-B14F-4D97-AF65-F5344CB8AC3E}">
-        <p14:creationId xmlns:p14="http://schemas.microsoft.com/office/powerpoint/2010/main" val="3690600298"/>
+        <p14:creationId xmlns:p14="http://schemas.microsoft.com/office/powerpoint/2010/main" val="2048284298"/>
       </p:ext>
     </p:extLst>
   </p:cSld>
@@ -7827,10 +7815,10 @@
       </p:grpSpPr>
       <p:sp>
         <p:nvSpPr>
-          <p:cNvPr id="6" name="Rectángulo: esquinas redondeadas 5">
+          <p:cNvPr id="4" name="Rectángulo: esquinas redondeadas 3">
             <a:extLst>
               <a:ext uri="{FF2B5EF4-FFF2-40B4-BE49-F238E27FC236}">
-                <a16:creationId xmlns:a16="http://schemas.microsoft.com/office/drawing/2014/main" id="{9FE10C74-F311-4BE4-B1A9-F6195BD0FC4D}"/>
+                <a16:creationId xmlns:a16="http://schemas.microsoft.com/office/drawing/2014/main" id="{1AAEAB9C-EDB1-48B4-A820-903A819C0F94}"/>
               </a:ext>
             </a:extLst>
           </p:cNvPr>
@@ -7839,8 +7827,8 @@
         </p:nvSpPr>
         <p:spPr>
           <a:xfrm>
-            <a:off x="2250141" y="748553"/>
-            <a:ext cx="6320118" cy="4312024"/>
+            <a:off x="3119718" y="744069"/>
+            <a:ext cx="5620870" cy="5495365"/>
           </a:xfrm>
           <a:prstGeom prst="roundRect">
             <a:avLst/>
@@ -7864,13 +7852,13 @@
           <a:bodyPr rtlCol="0" anchor="ctr"/>
           <a:lstStyle/>
           <a:p>
+            <a:endParaRPr lang="en-US" dirty="0"/>
+          </a:p>
+          <a:p>
             <a:r>
               <a:rPr lang="en-US" dirty="0"/>
-              <a:t>Usuario</a:t>
-            </a:r>
-          </a:p>
-          <a:p>
-            <a:endParaRPr lang="en-US" dirty="0"/>
+              <a:t>Nombre</a:t>
+            </a:r>
           </a:p>
           <a:p>
             <a:endParaRPr lang="en-US" dirty="0"/>
@@ -7878,23 +7866,56 @@
           <a:p>
             <a:r>
               <a:rPr lang="en-US" dirty="0"/>
-              <a:t>Contraseña</a:t>
-            </a:r>
-          </a:p>
-          <a:p>
-            <a:endParaRPr lang="en-US" dirty="0"/>
-          </a:p>
-          <a:p>
-            <a:endParaRPr lang="en-US" dirty="0"/>
-          </a:p>
-        </p:txBody>
-      </p:sp>
-      <p:sp>
-        <p:nvSpPr>
-          <p:cNvPr id="7" name="Rectángulo 6">
+              <a:t>Direccion</a:t>
+            </a:r>
+          </a:p>
+          <a:p>
+            <a:endParaRPr lang="en-US" dirty="0"/>
+          </a:p>
+          <a:p>
+            <a:r>
+              <a:rPr lang="en-US" dirty="0"/>
+              <a:t>Telefono</a:t>
+            </a:r>
+          </a:p>
+          <a:p>
+            <a:endParaRPr lang="en-US" dirty="0"/>
+          </a:p>
+          <a:p>
+            <a:r>
+              <a:rPr lang="en-US" dirty="0"/>
+              <a:t>Ci</a:t>
+            </a:r>
+          </a:p>
+          <a:p>
+            <a:endParaRPr lang="en-US" dirty="0"/>
+          </a:p>
+          <a:p>
+            <a:r>
+              <a:rPr lang="en-US" dirty="0"/>
+              <a:t>Correo</a:t>
+            </a:r>
+          </a:p>
+          <a:p>
+            <a:pPr algn="ctr"/>
+            <a:endParaRPr lang="en-US" dirty="0"/>
+          </a:p>
+          <a:p>
+            <a:pPr algn="ctr"/>
+            <a:endParaRPr lang="en-US" dirty="0"/>
+          </a:p>
+          <a:p>
+            <a:pPr algn="ctr"/>
+            <a:endParaRPr lang="en-US" dirty="0"/>
+          </a:p>
+        </p:txBody>
+      </p:sp>
+      <p:sp>
+        <p:nvSpPr>
+          <p:cNvPr id="3" name="Rectángulo 2">
             <a:extLst>
               <a:ext uri="{FF2B5EF4-FFF2-40B4-BE49-F238E27FC236}">
-                <a16:creationId xmlns:a16="http://schemas.microsoft.com/office/drawing/2014/main" id="{BBCD5DC2-31A1-4D9B-A300-7E3F5B6F43AE}"/>
+                <a16:creationId xmlns:a16="http://schemas.microsoft.com/office/drawing/2014/main" id="{3D68D14C-39A2-45D0-AA26-AD01DFFDBCDF}"/>
               </a:ext>
             </a:extLst>
           </p:cNvPr>
@@ -7903,99 +7924,10 @@
         </p:nvSpPr>
         <p:spPr>
           <a:xfrm>
-            <a:off x="4356847" y="2061883"/>
-            <a:ext cx="2411506" cy="304800"/>
+            <a:off x="3505199" y="4872305"/>
+            <a:ext cx="2160494" cy="376518"/>
           </a:xfrm>
           <a:prstGeom prst="rect">
-            <a:avLst/>
-          </a:prstGeom>
-        </p:spPr>
-        <p:style>
-          <a:lnRef idx="2">
-            <a:schemeClr val="dk1"/>
-          </a:lnRef>
-          <a:fillRef idx="1">
-            <a:schemeClr val="lt1"/>
-          </a:fillRef>
-          <a:effectRef idx="0">
-            <a:schemeClr val="dk1"/>
-          </a:effectRef>
-          <a:fontRef idx="minor">
-            <a:schemeClr val="dk1"/>
-          </a:fontRef>
-        </p:style>
-        <p:txBody>
-          <a:bodyPr rtlCol="0" anchor="ctr"/>
-          <a:lstStyle/>
-          <a:p>
-            <a:pPr algn="ctr"/>
-            <a:endParaRPr lang="en-US"/>
-          </a:p>
-        </p:txBody>
-      </p:sp>
-      <p:sp>
-        <p:nvSpPr>
-          <p:cNvPr id="8" name="Rectángulo 7">
-            <a:extLst>
-              <a:ext uri="{FF2B5EF4-FFF2-40B4-BE49-F238E27FC236}">
-                <a16:creationId xmlns:a16="http://schemas.microsoft.com/office/drawing/2014/main" id="{2F445F5C-16BA-413C-BD44-633D20A6AE1B}"/>
-              </a:ext>
-            </a:extLst>
-          </p:cNvPr>
-          <p:cNvSpPr/>
-          <p:nvPr/>
-        </p:nvSpPr>
-        <p:spPr>
-          <a:xfrm>
-            <a:off x="4356848" y="2904565"/>
-            <a:ext cx="2411506" cy="304800"/>
-          </a:xfrm>
-          <a:prstGeom prst="rect">
-            <a:avLst/>
-          </a:prstGeom>
-        </p:spPr>
-        <p:style>
-          <a:lnRef idx="2">
-            <a:schemeClr val="dk1"/>
-          </a:lnRef>
-          <a:fillRef idx="1">
-            <a:schemeClr val="lt1"/>
-          </a:fillRef>
-          <a:effectRef idx="0">
-            <a:schemeClr val="dk1"/>
-          </a:effectRef>
-          <a:fontRef idx="minor">
-            <a:schemeClr val="dk1"/>
-          </a:fontRef>
-        </p:style>
-        <p:txBody>
-          <a:bodyPr rtlCol="0" anchor="ctr"/>
-          <a:lstStyle/>
-          <a:p>
-            <a:pPr algn="ctr"/>
-            <a:endParaRPr lang="en-US"/>
-          </a:p>
-        </p:txBody>
-      </p:sp>
-      <p:sp>
-        <p:nvSpPr>
-          <p:cNvPr id="9" name="Diagrama de flujo: proceso alternativo 8">
-            <a:hlinkClick r:id="rId2" action="ppaction://hlinksldjump"/>
-            <a:extLst>
-              <a:ext uri="{FF2B5EF4-FFF2-40B4-BE49-F238E27FC236}">
-                <a16:creationId xmlns:a16="http://schemas.microsoft.com/office/drawing/2014/main" id="{D747122D-CB24-46B8-8651-5438C87871CF}"/>
-              </a:ext>
-            </a:extLst>
-          </p:cNvPr>
-          <p:cNvSpPr/>
-          <p:nvPr/>
-        </p:nvSpPr>
-        <p:spPr>
-          <a:xfrm>
-            <a:off x="2814918" y="3899647"/>
-            <a:ext cx="1945341" cy="528918"/>
-          </a:xfrm>
-          <a:prstGeom prst="flowChartAlternateProcess">
             <a:avLst/>
           </a:prstGeom>
           <a:effectLst>
@@ -8027,20 +7959,20 @@
             <a:pPr algn="ctr"/>
             <a:r>
               <a:rPr lang="en-US" dirty="0">
-                <a:hlinkClick r:id="rId3" action="ppaction://hlinksldjump"/>
+                <a:hlinkClick r:id="rId2" action="ppaction://hlinksldjump"/>
               </a:rPr>
-              <a:t>Iniciar sessicion</a:t>
-            </a:r>
-            <a:endParaRPr lang="en-US" dirty="0"/>
-          </a:p>
-        </p:txBody>
-      </p:sp>
-      <p:sp>
-        <p:nvSpPr>
-          <p:cNvPr id="10" name="Diagrama de flujo: proceso alternativo 9">
+              <a:t>Registrar personal</a:t>
+            </a:r>
+            <a:endParaRPr lang="en-US" dirty="0"/>
+          </a:p>
+        </p:txBody>
+      </p:sp>
+      <p:sp>
+        <p:nvSpPr>
+          <p:cNvPr id="5" name="Rectángulo 4">
             <a:extLst>
               <a:ext uri="{FF2B5EF4-FFF2-40B4-BE49-F238E27FC236}">
-                <a16:creationId xmlns:a16="http://schemas.microsoft.com/office/drawing/2014/main" id="{C277459C-1FA4-4199-B46D-7092D990FE3D}"/>
+                <a16:creationId xmlns:a16="http://schemas.microsoft.com/office/drawing/2014/main" id="{C6C1DCA3-B332-4F9F-A5A7-1DF399927D56}"/>
               </a:ext>
             </a:extLst>
           </p:cNvPr>
@@ -8049,10 +7981,10 @@
         </p:nvSpPr>
         <p:spPr>
           <a:xfrm>
-            <a:off x="5486402" y="3899647"/>
-            <a:ext cx="1945341" cy="528917"/>
-          </a:xfrm>
-          <a:prstGeom prst="flowChartAlternateProcess">
+            <a:off x="6096000" y="4872305"/>
+            <a:ext cx="1810870" cy="376518"/>
+          </a:xfrm>
+          <a:prstGeom prst="rect">
             <a:avLst/>
           </a:prstGeom>
           <a:effectLst>
@@ -8084,7 +8016,7 @@
             <a:pPr algn="ctr"/>
             <a:r>
               <a:rPr lang="en-US" dirty="0">
-                <a:hlinkClick r:id="rId2" action="ppaction://hlinksldjump"/>
+                <a:hlinkClick r:id="rId3" action="ppaction://hlinksldjump"/>
               </a:rPr>
               <a:t>Volver</a:t>
             </a:r>
@@ -8094,10 +8026,10 @@
       </p:sp>
       <p:sp>
         <p:nvSpPr>
-          <p:cNvPr id="2" name="Rectángulo 1">
+          <p:cNvPr id="6" name="Rectángulo 5">
             <a:extLst>
               <a:ext uri="{FF2B5EF4-FFF2-40B4-BE49-F238E27FC236}">
-                <a16:creationId xmlns:a16="http://schemas.microsoft.com/office/drawing/2014/main" id="{7F2E1F5A-CAB5-4F28-B8AF-9BDA80AB59B2}"/>
+                <a16:creationId xmlns:a16="http://schemas.microsoft.com/office/drawing/2014/main" id="{9C3A7823-F2E0-4999-92D5-89DC04EB8768}"/>
               </a:ext>
             </a:extLst>
           </p:cNvPr>
@@ -8106,8 +8038,223 @@
         </p:nvSpPr>
         <p:spPr>
           <a:xfrm>
-            <a:off x="2259106" y="797858"/>
-            <a:ext cx="5961529" cy="528918"/>
+            <a:off x="5271247" y="3626220"/>
+            <a:ext cx="2411506" cy="304800"/>
+          </a:xfrm>
+          <a:prstGeom prst="rect">
+            <a:avLst/>
+          </a:prstGeom>
+        </p:spPr>
+        <p:style>
+          <a:lnRef idx="2">
+            <a:schemeClr val="dk1"/>
+          </a:lnRef>
+          <a:fillRef idx="1">
+            <a:schemeClr val="lt1"/>
+          </a:fillRef>
+          <a:effectRef idx="0">
+            <a:schemeClr val="dk1"/>
+          </a:effectRef>
+          <a:fontRef idx="minor">
+            <a:schemeClr val="dk1"/>
+          </a:fontRef>
+        </p:style>
+        <p:txBody>
+          <a:bodyPr rtlCol="0" anchor="ctr"/>
+          <a:lstStyle/>
+          <a:p>
+            <a:endParaRPr lang="en-US" dirty="0"/>
+          </a:p>
+        </p:txBody>
+      </p:sp>
+      <p:sp>
+        <p:nvSpPr>
+          <p:cNvPr id="7" name="Rectángulo 6">
+            <a:extLst>
+              <a:ext uri="{FF2B5EF4-FFF2-40B4-BE49-F238E27FC236}">
+                <a16:creationId xmlns:a16="http://schemas.microsoft.com/office/drawing/2014/main" id="{2AF2C79B-2250-486E-B574-18E590606138}"/>
+              </a:ext>
+            </a:extLst>
+          </p:cNvPr>
+          <p:cNvSpPr/>
+          <p:nvPr/>
+        </p:nvSpPr>
+        <p:spPr>
+          <a:xfrm>
+            <a:off x="5271247" y="2022658"/>
+            <a:ext cx="2411506" cy="304800"/>
+          </a:xfrm>
+          <a:prstGeom prst="rect">
+            <a:avLst/>
+          </a:prstGeom>
+        </p:spPr>
+        <p:style>
+          <a:lnRef idx="2">
+            <a:schemeClr val="dk1"/>
+          </a:lnRef>
+          <a:fillRef idx="1">
+            <a:schemeClr val="lt1"/>
+          </a:fillRef>
+          <a:effectRef idx="0">
+            <a:schemeClr val="dk1"/>
+          </a:effectRef>
+          <a:fontRef idx="minor">
+            <a:schemeClr val="dk1"/>
+          </a:fontRef>
+        </p:style>
+        <p:txBody>
+          <a:bodyPr rtlCol="0" anchor="ctr"/>
+          <a:lstStyle/>
+          <a:p>
+            <a:endParaRPr lang="en-US" dirty="0"/>
+          </a:p>
+        </p:txBody>
+      </p:sp>
+      <p:sp>
+        <p:nvSpPr>
+          <p:cNvPr id="8" name="Rectángulo 7">
+            <a:extLst>
+              <a:ext uri="{FF2B5EF4-FFF2-40B4-BE49-F238E27FC236}">
+                <a16:creationId xmlns:a16="http://schemas.microsoft.com/office/drawing/2014/main" id="{CD6A0865-B7B0-4205-BE07-EE18DED1A594}"/>
+              </a:ext>
+            </a:extLst>
+          </p:cNvPr>
+          <p:cNvSpPr/>
+          <p:nvPr/>
+        </p:nvSpPr>
+        <p:spPr>
+          <a:xfrm>
+            <a:off x="5271247" y="2550453"/>
+            <a:ext cx="2411506" cy="304800"/>
+          </a:xfrm>
+          <a:prstGeom prst="rect">
+            <a:avLst/>
+          </a:prstGeom>
+        </p:spPr>
+        <p:style>
+          <a:lnRef idx="2">
+            <a:schemeClr val="dk1"/>
+          </a:lnRef>
+          <a:fillRef idx="1">
+            <a:schemeClr val="lt1"/>
+          </a:fillRef>
+          <a:effectRef idx="0">
+            <a:schemeClr val="dk1"/>
+          </a:effectRef>
+          <a:fontRef idx="minor">
+            <a:schemeClr val="dk1"/>
+          </a:fontRef>
+        </p:style>
+        <p:txBody>
+          <a:bodyPr rtlCol="0" anchor="ctr"/>
+          <a:lstStyle/>
+          <a:p>
+            <a:endParaRPr lang="en-US" dirty="0"/>
+          </a:p>
+        </p:txBody>
+      </p:sp>
+      <p:sp>
+        <p:nvSpPr>
+          <p:cNvPr id="9" name="Rectángulo 8">
+            <a:extLst>
+              <a:ext uri="{FF2B5EF4-FFF2-40B4-BE49-F238E27FC236}">
+                <a16:creationId xmlns:a16="http://schemas.microsoft.com/office/drawing/2014/main" id="{087FFC36-A8C4-49CD-9B13-650B1ECC30DD}"/>
+              </a:ext>
+            </a:extLst>
+          </p:cNvPr>
+          <p:cNvSpPr/>
+          <p:nvPr/>
+        </p:nvSpPr>
+        <p:spPr>
+          <a:xfrm>
+            <a:off x="5271247" y="3098425"/>
+            <a:ext cx="2411506" cy="304800"/>
+          </a:xfrm>
+          <a:prstGeom prst="rect">
+            <a:avLst/>
+          </a:prstGeom>
+        </p:spPr>
+        <p:style>
+          <a:lnRef idx="2">
+            <a:schemeClr val="dk1"/>
+          </a:lnRef>
+          <a:fillRef idx="1">
+            <a:schemeClr val="lt1"/>
+          </a:fillRef>
+          <a:effectRef idx="0">
+            <a:schemeClr val="dk1"/>
+          </a:effectRef>
+          <a:fontRef idx="minor">
+            <a:schemeClr val="dk1"/>
+          </a:fontRef>
+        </p:style>
+        <p:txBody>
+          <a:bodyPr rtlCol="0" anchor="ctr"/>
+          <a:lstStyle/>
+          <a:p>
+            <a:endParaRPr lang="en-US" dirty="0"/>
+          </a:p>
+        </p:txBody>
+      </p:sp>
+      <p:sp>
+        <p:nvSpPr>
+          <p:cNvPr id="10" name="Rectángulo 9">
+            <a:extLst>
+              <a:ext uri="{FF2B5EF4-FFF2-40B4-BE49-F238E27FC236}">
+                <a16:creationId xmlns:a16="http://schemas.microsoft.com/office/drawing/2014/main" id="{09B954FC-2CE0-4AFF-9B8F-B6F6397FF80D}"/>
+              </a:ext>
+            </a:extLst>
+          </p:cNvPr>
+          <p:cNvSpPr/>
+          <p:nvPr/>
+        </p:nvSpPr>
+        <p:spPr>
+          <a:xfrm>
+            <a:off x="5271247" y="4179792"/>
+            <a:ext cx="2411506" cy="304800"/>
+          </a:xfrm>
+          <a:prstGeom prst="rect">
+            <a:avLst/>
+          </a:prstGeom>
+        </p:spPr>
+        <p:style>
+          <a:lnRef idx="2">
+            <a:schemeClr val="dk1"/>
+          </a:lnRef>
+          <a:fillRef idx="1">
+            <a:schemeClr val="lt1"/>
+          </a:fillRef>
+          <a:effectRef idx="0">
+            <a:schemeClr val="dk1"/>
+          </a:effectRef>
+          <a:fontRef idx="minor">
+            <a:schemeClr val="dk1"/>
+          </a:fontRef>
+        </p:style>
+        <p:txBody>
+          <a:bodyPr rtlCol="0" anchor="ctr"/>
+          <a:lstStyle/>
+          <a:p>
+            <a:endParaRPr lang="en-US" dirty="0"/>
+          </a:p>
+        </p:txBody>
+      </p:sp>
+      <p:sp>
+        <p:nvSpPr>
+          <p:cNvPr id="12" name="Rectángulo 11">
+            <a:extLst>
+              <a:ext uri="{FF2B5EF4-FFF2-40B4-BE49-F238E27FC236}">
+                <a16:creationId xmlns:a16="http://schemas.microsoft.com/office/drawing/2014/main" id="{0F43F2D8-3B4F-47DF-A480-8246E6DB6189}"/>
+              </a:ext>
+            </a:extLst>
+          </p:cNvPr>
+          <p:cNvSpPr/>
+          <p:nvPr/>
+        </p:nvSpPr>
+        <p:spPr>
+          <a:xfrm>
+            <a:off x="2765612" y="795618"/>
+            <a:ext cx="6329082" cy="510989"/>
           </a:xfrm>
           <a:prstGeom prst="rect">
             <a:avLst/>
@@ -8136,57 +8283,9 @@
           <a:lstStyle/>
           <a:p>
             <a:pPr algn="ctr"/>
-            <a:endParaRPr lang="en-US"/>
-          </a:p>
-        </p:txBody>
-      </p:sp>
-      <p:sp>
-        <p:nvSpPr>
-          <p:cNvPr id="3" name="Rectángulo 2">
-            <a:extLst>
-              <a:ext uri="{FF2B5EF4-FFF2-40B4-BE49-F238E27FC236}">
-                <a16:creationId xmlns:a16="http://schemas.microsoft.com/office/drawing/2014/main" id="{B931A618-ADEF-4F91-B9BF-CA9C2214FFEB}"/>
-              </a:ext>
-            </a:extLst>
-          </p:cNvPr>
-          <p:cNvSpPr/>
-          <p:nvPr/>
-        </p:nvSpPr>
-        <p:spPr>
-          <a:xfrm>
-            <a:off x="2259106" y="748553"/>
-            <a:ext cx="6329082" cy="510989"/>
-          </a:xfrm>
-          <a:prstGeom prst="rect">
-            <a:avLst/>
-          </a:prstGeom>
-          <a:noFill/>
-          <a:ln>
-            <a:noFill/>
-          </a:ln>
-        </p:spPr>
-        <p:style>
-          <a:lnRef idx="0">
-            <a:scrgbClr r="0" g="0" b="0"/>
-          </a:lnRef>
-          <a:fillRef idx="0">
-            <a:scrgbClr r="0" g="0" b="0"/>
-          </a:fillRef>
-          <a:effectRef idx="0">
-            <a:scrgbClr r="0" g="0" b="0"/>
-          </a:effectRef>
-          <a:fontRef idx="minor">
-            <a:schemeClr val="dk1"/>
-          </a:fontRef>
-        </p:style>
-        <p:txBody>
-          <a:bodyPr rtlCol="0" anchor="ctr"/>
-          <a:lstStyle/>
-          <a:p>
-            <a:pPr algn="ctr"/>
             <a:r>
               <a:rPr lang="en-US" dirty="0"/>
-              <a:t>Personal Autorizado</a:t>
+              <a:t>REGISTRO DE CLIENTE</a:t>
             </a:r>
           </a:p>
         </p:txBody>
@@ -8194,7 +8293,7 @@
     </p:spTree>
     <p:extLst>
       <p:ext uri="{BB962C8B-B14F-4D97-AF65-F5344CB8AC3E}">
-        <p14:creationId xmlns:p14="http://schemas.microsoft.com/office/powerpoint/2010/main" val="1418346666"/>
+        <p14:creationId xmlns:p14="http://schemas.microsoft.com/office/powerpoint/2010/main" val="3690600298"/>
       </p:ext>
     </p:extLst>
   </p:cSld>
@@ -8223,6 +8322,402 @@
       </p:grpSpPr>
       <p:sp>
         <p:nvSpPr>
+          <p:cNvPr id="6" name="Rectángulo: esquinas redondeadas 5">
+            <a:extLst>
+              <a:ext uri="{FF2B5EF4-FFF2-40B4-BE49-F238E27FC236}">
+                <a16:creationId xmlns:a16="http://schemas.microsoft.com/office/drawing/2014/main" id="{9FE10C74-F311-4BE4-B1A9-F6195BD0FC4D}"/>
+              </a:ext>
+            </a:extLst>
+          </p:cNvPr>
+          <p:cNvSpPr/>
+          <p:nvPr/>
+        </p:nvSpPr>
+        <p:spPr>
+          <a:xfrm>
+            <a:off x="2250141" y="748553"/>
+            <a:ext cx="6320118" cy="4312024"/>
+          </a:xfrm>
+          <a:prstGeom prst="roundRect">
+            <a:avLst/>
+          </a:prstGeom>
+        </p:spPr>
+        <p:style>
+          <a:lnRef idx="1">
+            <a:schemeClr val="accent5"/>
+          </a:lnRef>
+          <a:fillRef idx="2">
+            <a:schemeClr val="accent5"/>
+          </a:fillRef>
+          <a:effectRef idx="1">
+            <a:schemeClr val="accent5"/>
+          </a:effectRef>
+          <a:fontRef idx="minor">
+            <a:schemeClr val="dk1"/>
+          </a:fontRef>
+        </p:style>
+        <p:txBody>
+          <a:bodyPr rtlCol="0" anchor="ctr"/>
+          <a:lstStyle/>
+          <a:p>
+            <a:r>
+              <a:rPr lang="en-US" dirty="0"/>
+              <a:t>Usuario</a:t>
+            </a:r>
+          </a:p>
+          <a:p>
+            <a:endParaRPr lang="en-US" dirty="0"/>
+          </a:p>
+          <a:p>
+            <a:endParaRPr lang="en-US" dirty="0"/>
+          </a:p>
+          <a:p>
+            <a:r>
+              <a:rPr lang="en-US" dirty="0"/>
+              <a:t>Contraseña</a:t>
+            </a:r>
+          </a:p>
+          <a:p>
+            <a:endParaRPr lang="en-US" dirty="0"/>
+          </a:p>
+          <a:p>
+            <a:endParaRPr lang="en-US" dirty="0"/>
+          </a:p>
+        </p:txBody>
+      </p:sp>
+      <p:sp>
+        <p:nvSpPr>
+          <p:cNvPr id="7" name="Rectángulo 6">
+            <a:extLst>
+              <a:ext uri="{FF2B5EF4-FFF2-40B4-BE49-F238E27FC236}">
+                <a16:creationId xmlns:a16="http://schemas.microsoft.com/office/drawing/2014/main" id="{BBCD5DC2-31A1-4D9B-A300-7E3F5B6F43AE}"/>
+              </a:ext>
+            </a:extLst>
+          </p:cNvPr>
+          <p:cNvSpPr/>
+          <p:nvPr/>
+        </p:nvSpPr>
+        <p:spPr>
+          <a:xfrm>
+            <a:off x="4356847" y="2061883"/>
+            <a:ext cx="2411506" cy="304800"/>
+          </a:xfrm>
+          <a:prstGeom prst="rect">
+            <a:avLst/>
+          </a:prstGeom>
+        </p:spPr>
+        <p:style>
+          <a:lnRef idx="2">
+            <a:schemeClr val="dk1"/>
+          </a:lnRef>
+          <a:fillRef idx="1">
+            <a:schemeClr val="lt1"/>
+          </a:fillRef>
+          <a:effectRef idx="0">
+            <a:schemeClr val="dk1"/>
+          </a:effectRef>
+          <a:fontRef idx="minor">
+            <a:schemeClr val="dk1"/>
+          </a:fontRef>
+        </p:style>
+        <p:txBody>
+          <a:bodyPr rtlCol="0" anchor="ctr"/>
+          <a:lstStyle/>
+          <a:p>
+            <a:pPr algn="ctr"/>
+            <a:endParaRPr lang="en-US"/>
+          </a:p>
+        </p:txBody>
+      </p:sp>
+      <p:sp>
+        <p:nvSpPr>
+          <p:cNvPr id="8" name="Rectángulo 7">
+            <a:extLst>
+              <a:ext uri="{FF2B5EF4-FFF2-40B4-BE49-F238E27FC236}">
+                <a16:creationId xmlns:a16="http://schemas.microsoft.com/office/drawing/2014/main" id="{2F445F5C-16BA-413C-BD44-633D20A6AE1B}"/>
+              </a:ext>
+            </a:extLst>
+          </p:cNvPr>
+          <p:cNvSpPr/>
+          <p:nvPr/>
+        </p:nvSpPr>
+        <p:spPr>
+          <a:xfrm>
+            <a:off x="4356848" y="2904565"/>
+            <a:ext cx="2411506" cy="304800"/>
+          </a:xfrm>
+          <a:prstGeom prst="rect">
+            <a:avLst/>
+          </a:prstGeom>
+        </p:spPr>
+        <p:style>
+          <a:lnRef idx="2">
+            <a:schemeClr val="dk1"/>
+          </a:lnRef>
+          <a:fillRef idx="1">
+            <a:schemeClr val="lt1"/>
+          </a:fillRef>
+          <a:effectRef idx="0">
+            <a:schemeClr val="dk1"/>
+          </a:effectRef>
+          <a:fontRef idx="minor">
+            <a:schemeClr val="dk1"/>
+          </a:fontRef>
+        </p:style>
+        <p:txBody>
+          <a:bodyPr rtlCol="0" anchor="ctr"/>
+          <a:lstStyle/>
+          <a:p>
+            <a:pPr algn="ctr"/>
+            <a:endParaRPr lang="en-US"/>
+          </a:p>
+        </p:txBody>
+      </p:sp>
+      <p:sp>
+        <p:nvSpPr>
+          <p:cNvPr id="9" name="Diagrama de flujo: proceso alternativo 8">
+            <a:hlinkClick r:id="rId2" action="ppaction://hlinksldjump"/>
+            <a:extLst>
+              <a:ext uri="{FF2B5EF4-FFF2-40B4-BE49-F238E27FC236}">
+                <a16:creationId xmlns:a16="http://schemas.microsoft.com/office/drawing/2014/main" id="{D747122D-CB24-46B8-8651-5438C87871CF}"/>
+              </a:ext>
+            </a:extLst>
+          </p:cNvPr>
+          <p:cNvSpPr/>
+          <p:nvPr/>
+        </p:nvSpPr>
+        <p:spPr>
+          <a:xfrm>
+            <a:off x="2814918" y="3899647"/>
+            <a:ext cx="1945341" cy="528918"/>
+          </a:xfrm>
+          <a:prstGeom prst="flowChartAlternateProcess">
+            <a:avLst/>
+          </a:prstGeom>
+          <a:effectLst>
+            <a:outerShdw blurRad="63500" sx="102000" sy="102000" algn="ctr" rotWithShape="0">
+              <a:prstClr val="black">
+                <a:alpha val="40000"/>
+              </a:prstClr>
+            </a:outerShdw>
+          </a:effectLst>
+        </p:spPr>
+        <p:style>
+          <a:lnRef idx="1">
+            <a:schemeClr val="accent5"/>
+          </a:lnRef>
+          <a:fillRef idx="2">
+            <a:schemeClr val="accent5"/>
+          </a:fillRef>
+          <a:effectRef idx="1">
+            <a:schemeClr val="accent5"/>
+          </a:effectRef>
+          <a:fontRef idx="minor">
+            <a:schemeClr val="dk1"/>
+          </a:fontRef>
+        </p:style>
+        <p:txBody>
+          <a:bodyPr rtlCol="0" anchor="ctr"/>
+          <a:lstStyle/>
+          <a:p>
+            <a:pPr algn="ctr"/>
+            <a:r>
+              <a:rPr lang="en-US" dirty="0">
+                <a:hlinkClick r:id="rId3" action="ppaction://hlinksldjump"/>
+              </a:rPr>
+              <a:t>Iniciar sessicion</a:t>
+            </a:r>
+            <a:endParaRPr lang="en-US" dirty="0"/>
+          </a:p>
+        </p:txBody>
+      </p:sp>
+      <p:sp>
+        <p:nvSpPr>
+          <p:cNvPr id="10" name="Diagrama de flujo: proceso alternativo 9">
+            <a:extLst>
+              <a:ext uri="{FF2B5EF4-FFF2-40B4-BE49-F238E27FC236}">
+                <a16:creationId xmlns:a16="http://schemas.microsoft.com/office/drawing/2014/main" id="{C277459C-1FA4-4199-B46D-7092D990FE3D}"/>
+              </a:ext>
+            </a:extLst>
+          </p:cNvPr>
+          <p:cNvSpPr/>
+          <p:nvPr/>
+        </p:nvSpPr>
+        <p:spPr>
+          <a:xfrm>
+            <a:off x="5486402" y="3899647"/>
+            <a:ext cx="1945341" cy="528917"/>
+          </a:xfrm>
+          <a:prstGeom prst="flowChartAlternateProcess">
+            <a:avLst/>
+          </a:prstGeom>
+          <a:effectLst>
+            <a:outerShdw blurRad="63500" sx="102000" sy="102000" algn="ctr" rotWithShape="0">
+              <a:prstClr val="black">
+                <a:alpha val="40000"/>
+              </a:prstClr>
+            </a:outerShdw>
+          </a:effectLst>
+        </p:spPr>
+        <p:style>
+          <a:lnRef idx="1">
+            <a:schemeClr val="accent5"/>
+          </a:lnRef>
+          <a:fillRef idx="2">
+            <a:schemeClr val="accent5"/>
+          </a:fillRef>
+          <a:effectRef idx="1">
+            <a:schemeClr val="accent5"/>
+          </a:effectRef>
+          <a:fontRef idx="minor">
+            <a:schemeClr val="dk1"/>
+          </a:fontRef>
+        </p:style>
+        <p:txBody>
+          <a:bodyPr rtlCol="0" anchor="ctr"/>
+          <a:lstStyle/>
+          <a:p>
+            <a:pPr algn="ctr"/>
+            <a:r>
+              <a:rPr lang="en-US" dirty="0">
+                <a:hlinkClick r:id="rId2" action="ppaction://hlinksldjump"/>
+              </a:rPr>
+              <a:t>Volver</a:t>
+            </a:r>
+            <a:endParaRPr lang="en-US" dirty="0"/>
+          </a:p>
+        </p:txBody>
+      </p:sp>
+      <p:sp>
+        <p:nvSpPr>
+          <p:cNvPr id="2" name="Rectángulo 1">
+            <a:extLst>
+              <a:ext uri="{FF2B5EF4-FFF2-40B4-BE49-F238E27FC236}">
+                <a16:creationId xmlns:a16="http://schemas.microsoft.com/office/drawing/2014/main" id="{7F2E1F5A-CAB5-4F28-B8AF-9BDA80AB59B2}"/>
+              </a:ext>
+            </a:extLst>
+          </p:cNvPr>
+          <p:cNvSpPr/>
+          <p:nvPr/>
+        </p:nvSpPr>
+        <p:spPr>
+          <a:xfrm>
+            <a:off x="2259106" y="797858"/>
+            <a:ext cx="5961529" cy="528918"/>
+          </a:xfrm>
+          <a:prstGeom prst="rect">
+            <a:avLst/>
+          </a:prstGeom>
+          <a:noFill/>
+          <a:ln>
+            <a:noFill/>
+          </a:ln>
+        </p:spPr>
+        <p:style>
+          <a:lnRef idx="0">
+            <a:scrgbClr r="0" g="0" b="0"/>
+          </a:lnRef>
+          <a:fillRef idx="0">
+            <a:scrgbClr r="0" g="0" b="0"/>
+          </a:fillRef>
+          <a:effectRef idx="0">
+            <a:scrgbClr r="0" g="0" b="0"/>
+          </a:effectRef>
+          <a:fontRef idx="minor">
+            <a:schemeClr val="dk1"/>
+          </a:fontRef>
+        </p:style>
+        <p:txBody>
+          <a:bodyPr rtlCol="0" anchor="ctr"/>
+          <a:lstStyle/>
+          <a:p>
+            <a:pPr algn="ctr"/>
+            <a:endParaRPr lang="en-US"/>
+          </a:p>
+        </p:txBody>
+      </p:sp>
+      <p:sp>
+        <p:nvSpPr>
+          <p:cNvPr id="3" name="Rectángulo 2">
+            <a:extLst>
+              <a:ext uri="{FF2B5EF4-FFF2-40B4-BE49-F238E27FC236}">
+                <a16:creationId xmlns:a16="http://schemas.microsoft.com/office/drawing/2014/main" id="{B931A618-ADEF-4F91-B9BF-CA9C2214FFEB}"/>
+              </a:ext>
+            </a:extLst>
+          </p:cNvPr>
+          <p:cNvSpPr/>
+          <p:nvPr/>
+        </p:nvSpPr>
+        <p:spPr>
+          <a:xfrm>
+            <a:off x="2259106" y="748553"/>
+            <a:ext cx="6329082" cy="510989"/>
+          </a:xfrm>
+          <a:prstGeom prst="rect">
+            <a:avLst/>
+          </a:prstGeom>
+          <a:noFill/>
+          <a:ln>
+            <a:noFill/>
+          </a:ln>
+        </p:spPr>
+        <p:style>
+          <a:lnRef idx="0">
+            <a:scrgbClr r="0" g="0" b="0"/>
+          </a:lnRef>
+          <a:fillRef idx="0">
+            <a:scrgbClr r="0" g="0" b="0"/>
+          </a:fillRef>
+          <a:effectRef idx="0">
+            <a:scrgbClr r="0" g="0" b="0"/>
+          </a:effectRef>
+          <a:fontRef idx="minor">
+            <a:schemeClr val="dk1"/>
+          </a:fontRef>
+        </p:style>
+        <p:txBody>
+          <a:bodyPr rtlCol="0" anchor="ctr"/>
+          <a:lstStyle/>
+          <a:p>
+            <a:pPr algn="ctr"/>
+            <a:r>
+              <a:rPr lang="en-US" dirty="0"/>
+              <a:t>Personal Autorizado</a:t>
+            </a:r>
+          </a:p>
+        </p:txBody>
+      </p:sp>
+    </p:spTree>
+    <p:extLst>
+      <p:ext uri="{BB962C8B-B14F-4D97-AF65-F5344CB8AC3E}">
+        <p14:creationId xmlns:p14="http://schemas.microsoft.com/office/powerpoint/2010/main" val="1418346666"/>
+      </p:ext>
+    </p:extLst>
+  </p:cSld>
+  <p:clrMapOvr>
+    <a:masterClrMapping/>
+  </p:clrMapOvr>
+</p:sld>
+</file>
+
+<file path=ppt/slides/slide7.xml><?xml version="1.0" encoding="utf-8"?>
+<p:sld xmlns:a="http://schemas.openxmlformats.org/drawingml/2006/main" xmlns:r="http://schemas.openxmlformats.org/officeDocument/2006/relationships" xmlns:p="http://schemas.openxmlformats.org/presentationml/2006/main">
+  <p:cSld>
+    <p:spTree>
+      <p:nvGrpSpPr>
+        <p:cNvPr id="1" name=""/>
+        <p:cNvGrpSpPr/>
+        <p:nvPr/>
+      </p:nvGrpSpPr>
+      <p:grpSpPr>
+        <a:xfrm>
+          <a:off x="0" y="0"/>
+          <a:ext cx="0" cy="0"/>
+          <a:chOff x="0" y="0"/>
+          <a:chExt cx="0" cy="0"/>
+        </a:xfrm>
+      </p:grpSpPr>
+      <p:sp>
+        <p:nvSpPr>
           <p:cNvPr id="4" name="Rectángulo: esquinas redondeadas 3">
             <a:extLst>
               <a:ext uri="{FF2B5EF4-FFF2-40B4-BE49-F238E27FC236}">
@@ -8654,7 +9149,7 @@
 </p:sld>
 </file>
 
-<file path=ppt/slides/slide7.xml><?xml version="1.0" encoding="utf-8"?>
+<file path=ppt/slides/slide8.xml><?xml version="1.0" encoding="utf-8"?>
 <p:sld xmlns:a="http://schemas.openxmlformats.org/drawingml/2006/main" xmlns:r="http://schemas.openxmlformats.org/officeDocument/2006/relationships" xmlns:p="http://schemas.openxmlformats.org/presentationml/2006/main">
   <p:cSld>
     <p:spTree>

--- a/mockup.pptx
+++ b/mockup.pptx
@@ -6555,9 +6555,12 @@
           <a:p>
             <a:pPr algn="ctr"/>
             <a:r>
-              <a:rPr lang="en-US" dirty="0"/>
+              <a:rPr lang="en-US" dirty="0">
+                <a:hlinkClick r:id="rId2" action="ppaction://hlinksldjump"/>
+              </a:rPr>
               <a:t>Abrir</a:t>
             </a:r>
+            <a:endParaRPr lang="en-US" dirty="0"/>
           </a:p>
         </p:txBody>
       </p:sp>
@@ -6610,7 +6613,7 @@
             <a:pPr algn="ctr"/>
             <a:r>
               <a:rPr lang="en-US" dirty="0">
-                <a:hlinkClick r:id="rId2" action="ppaction://hlinksldjump"/>
+                <a:hlinkClick r:id="rId3" action="ppaction://hlinksldjump"/>
               </a:rPr>
               <a:t>Abrir</a:t>
             </a:r>
@@ -6667,7 +6670,7 @@
             <a:pPr algn="ctr"/>
             <a:r>
               <a:rPr lang="en-US" dirty="0">
-                <a:hlinkClick r:id="rId3" action="ppaction://hlinksldjump"/>
+                <a:hlinkClick r:id="rId4" action="ppaction://hlinksldjump"/>
               </a:rPr>
               <a:t>Abrir</a:t>
             </a:r>
@@ -6717,7 +6720,7 @@
             <a:pPr algn="ctr"/>
             <a:r>
               <a:rPr lang="en-US" u="sng" dirty="0">
-                <a:hlinkClick r:id="rId4" action="ppaction://hlinksldjump"/>
+                <a:hlinkClick r:id="rId5" action="ppaction://hlinksldjump"/>
               </a:rPr>
               <a:t>Salir</a:t>
             </a:r>
@@ -6825,7 +6828,7 @@
             <a:pPr algn="ctr"/>
             <a:r>
               <a:rPr lang="en-US" dirty="0">
-                <a:hlinkClick r:id="rId5" action="ppaction://hlinksldjump"/>
+                <a:hlinkClick r:id="rId6" action="ppaction://hlinksldjump"/>
               </a:rPr>
               <a:t>Abrir</a:t>
             </a:r>
